--- a/content/refguide/latest/applib-svc/_images/reference-services/commands-and-events.pptx
+++ b/content/refguide/latest/applib-svc/_images/reference-services/commands-and-events.pptx
@@ -243,7 +243,7 @@
           <a:p>
             <a:fld id="{F855B3F0-BB84-4743-96EB-565470B6C0EB}" type="datetimeFigureOut">
               <a:rPr lang="en-GB" smtClean="0"/>
-              <a:t>21/02/2020</a:t>
+              <a:t>20/09/2020</a:t>
             </a:fld>
             <a:endParaRPr lang="en-GB"/>
           </a:p>
@@ -413,7 +413,7 @@
           <a:p>
             <a:fld id="{F855B3F0-BB84-4743-96EB-565470B6C0EB}" type="datetimeFigureOut">
               <a:rPr lang="en-GB" smtClean="0"/>
-              <a:t>21/02/2020</a:t>
+              <a:t>20/09/2020</a:t>
             </a:fld>
             <a:endParaRPr lang="en-GB"/>
           </a:p>
@@ -593,7 +593,7 @@
           <a:p>
             <a:fld id="{F855B3F0-BB84-4743-96EB-565470B6C0EB}" type="datetimeFigureOut">
               <a:rPr lang="en-GB" smtClean="0"/>
-              <a:t>21/02/2020</a:t>
+              <a:t>20/09/2020</a:t>
             </a:fld>
             <a:endParaRPr lang="en-GB"/>
           </a:p>
@@ -763,7 +763,7 @@
           <a:p>
             <a:fld id="{F855B3F0-BB84-4743-96EB-565470B6C0EB}" type="datetimeFigureOut">
               <a:rPr lang="en-GB" smtClean="0"/>
-              <a:t>21/02/2020</a:t>
+              <a:t>20/09/2020</a:t>
             </a:fld>
             <a:endParaRPr lang="en-GB"/>
           </a:p>
@@ -1009,7 +1009,7 @@
           <a:p>
             <a:fld id="{F855B3F0-BB84-4743-96EB-565470B6C0EB}" type="datetimeFigureOut">
               <a:rPr lang="en-GB" smtClean="0"/>
-              <a:t>21/02/2020</a:t>
+              <a:t>20/09/2020</a:t>
             </a:fld>
             <a:endParaRPr lang="en-GB"/>
           </a:p>
@@ -1241,7 +1241,7 @@
           <a:p>
             <a:fld id="{F855B3F0-BB84-4743-96EB-565470B6C0EB}" type="datetimeFigureOut">
               <a:rPr lang="en-GB" smtClean="0"/>
-              <a:t>21/02/2020</a:t>
+              <a:t>20/09/2020</a:t>
             </a:fld>
             <a:endParaRPr lang="en-GB"/>
           </a:p>
@@ -1608,7 +1608,7 @@
           <a:p>
             <a:fld id="{F855B3F0-BB84-4743-96EB-565470B6C0EB}" type="datetimeFigureOut">
               <a:rPr lang="en-GB" smtClean="0"/>
-              <a:t>21/02/2020</a:t>
+              <a:t>20/09/2020</a:t>
             </a:fld>
             <a:endParaRPr lang="en-GB"/>
           </a:p>
@@ -1726,7 +1726,7 @@
           <a:p>
             <a:fld id="{F855B3F0-BB84-4743-96EB-565470B6C0EB}" type="datetimeFigureOut">
               <a:rPr lang="en-GB" smtClean="0"/>
-              <a:t>21/02/2020</a:t>
+              <a:t>20/09/2020</a:t>
             </a:fld>
             <a:endParaRPr lang="en-GB"/>
           </a:p>
@@ -1821,7 +1821,7 @@
           <a:p>
             <a:fld id="{F855B3F0-BB84-4743-96EB-565470B6C0EB}" type="datetimeFigureOut">
               <a:rPr lang="en-GB" smtClean="0"/>
-              <a:t>21/02/2020</a:t>
+              <a:t>20/09/2020</a:t>
             </a:fld>
             <a:endParaRPr lang="en-GB"/>
           </a:p>
@@ -2098,7 +2098,7 @@
           <a:p>
             <a:fld id="{F855B3F0-BB84-4743-96EB-565470B6C0EB}" type="datetimeFigureOut">
               <a:rPr lang="en-GB" smtClean="0"/>
-              <a:t>21/02/2020</a:t>
+              <a:t>20/09/2020</a:t>
             </a:fld>
             <a:endParaRPr lang="en-GB"/>
           </a:p>
@@ -2355,7 +2355,7 @@
           <a:p>
             <a:fld id="{F855B3F0-BB84-4743-96EB-565470B6C0EB}" type="datetimeFigureOut">
               <a:rPr lang="en-GB" smtClean="0"/>
-              <a:t>21/02/2020</a:t>
+              <a:t>20/09/2020</a:t>
             </a:fld>
             <a:endParaRPr lang="en-GB"/>
           </a:p>
@@ -2568,7 +2568,7 @@
           <a:p>
             <a:fld id="{F855B3F0-BB84-4743-96EB-565470B6C0EB}" type="datetimeFigureOut">
               <a:rPr lang="en-GB" smtClean="0"/>
-              <a:t>21/02/2020</a:t>
+              <a:t>20/09/2020</a:t>
             </a:fld>
             <a:endParaRPr lang="en-GB"/>
           </a:p>
@@ -2981,7 +2981,7 @@
         </p:nvSpPr>
         <p:spPr>
           <a:xfrm>
-            <a:off x="8296353" y="3188643"/>
+            <a:off x="8191296" y="3795646"/>
             <a:ext cx="1649759" cy="550678"/>
           </a:xfrm>
           <a:prstGeom prst="rect">
@@ -3023,7 +3023,7 @@
         </p:nvSpPr>
         <p:spPr>
           <a:xfrm>
-            <a:off x="2002634" y="5145084"/>
+            <a:off x="2002634" y="5121738"/>
             <a:ext cx="3944691" cy="1048662"/>
           </a:xfrm>
           <a:prstGeom prst="rect">
@@ -3032,13 +3032,13 @@
         </p:spPr>
         <p:style>
           <a:lnRef idx="1">
-            <a:schemeClr val="accent3"/>
+            <a:schemeClr val="accent5"/>
           </a:lnRef>
           <a:fillRef idx="2">
-            <a:schemeClr val="accent3"/>
+            <a:schemeClr val="accent5"/>
           </a:fillRef>
           <a:effectRef idx="1">
-            <a:schemeClr val="accent3"/>
+            <a:schemeClr val="accent5"/>
           </a:effectRef>
           <a:fontRef idx="minor">
             <a:schemeClr val="dk1"/>
@@ -3073,8 +3073,8 @@
         </p:nvSpPr>
         <p:spPr>
           <a:xfrm>
-            <a:off x="2233446" y="1963584"/>
-            <a:ext cx="3569661" cy="2678962"/>
+            <a:off x="2233446" y="1871632"/>
+            <a:ext cx="3569661" cy="2607492"/>
           </a:xfrm>
           <a:prstGeom prst="rect">
             <a:avLst/>
@@ -3117,8 +3117,8 @@
         </p:nvSpPr>
         <p:spPr>
           <a:xfrm>
-            <a:off x="335440" y="1963584"/>
-            <a:ext cx="1408904" cy="2678962"/>
+            <a:off x="335440" y="1871632"/>
+            <a:ext cx="1408904" cy="2607491"/>
           </a:xfrm>
           <a:prstGeom prst="rect">
             <a:avLst/>
@@ -3186,7 +3186,7 @@
         </p:nvSpPr>
         <p:spPr>
           <a:xfrm>
-            <a:off x="2900657" y="2411922"/>
+            <a:off x="2900657" y="2248500"/>
             <a:ext cx="1116419" cy="2029047"/>
           </a:xfrm>
           <a:prstGeom prst="rect">
@@ -3262,7 +3262,7 @@
         </p:nvSpPr>
         <p:spPr>
           <a:xfrm>
-            <a:off x="2900655" y="5280943"/>
+            <a:off x="2900655" y="5257597"/>
             <a:ext cx="1116419" cy="522347"/>
           </a:xfrm>
           <a:prstGeom prst="rect">
@@ -3312,7 +3312,7 @@
         </p:nvSpPr>
         <p:spPr>
           <a:xfrm>
-            <a:off x="2013706" y="315219"/>
+            <a:off x="2013706" y="151797"/>
             <a:ext cx="3933616" cy="1005107"/>
           </a:xfrm>
           <a:prstGeom prst="rect">
@@ -3360,13 +3360,15 @@
       <p:cxnSp>
         <p:nvCxnSpPr>
           <p:cNvPr id="92" name="Straight Arrow Connector 91"/>
-          <p:cNvCxnSpPr/>
+          <p:cNvCxnSpPr>
+            <a:cxnSpLocks/>
+          </p:cNvCxnSpPr>
           <p:nvPr/>
         </p:nvCxnSpPr>
         <p:spPr>
           <a:xfrm flipH="1">
-            <a:off x="3047154" y="4413680"/>
-            <a:ext cx="2" cy="839974"/>
+            <a:off x="3031678" y="4250258"/>
+            <a:ext cx="15478" cy="1007339"/>
           </a:xfrm>
           <a:prstGeom prst="straightConnector1">
             <a:avLst/>
@@ -3404,7 +3406,7 @@
         </p:nvSpPr>
         <p:spPr>
           <a:xfrm>
-            <a:off x="2453183" y="684352"/>
+            <a:off x="2453183" y="520930"/>
             <a:ext cx="3178477" cy="467623"/>
           </a:xfrm>
           <a:prstGeom prst="rect">
@@ -3450,7 +3452,7 @@
         </p:nvCxnSpPr>
         <p:spPr>
           <a:xfrm flipH="1" flipV="1">
-            <a:off x="3458864" y="1173309"/>
+            <a:off x="3458864" y="1009887"/>
             <a:ext cx="3" cy="1238610"/>
           </a:xfrm>
           <a:prstGeom prst="straightConnector1">
@@ -3490,7 +3492,7 @@
         </p:nvSpPr>
         <p:spPr>
           <a:xfrm>
-            <a:off x="3453351" y="1298139"/>
+            <a:off x="3453351" y="1134717"/>
             <a:ext cx="2141933" cy="261610"/>
           </a:xfrm>
           <a:prstGeom prst="rect">
@@ -3523,7 +3525,7 @@
         </p:nvSpPr>
         <p:spPr>
           <a:xfrm>
-            <a:off x="2013708" y="1595876"/>
+            <a:off x="2013708" y="1432454"/>
             <a:ext cx="3933617" cy="3174087"/>
           </a:xfrm>
           <a:prstGeom prst="rect">
@@ -3575,7 +3577,7 @@
         </p:nvSpPr>
         <p:spPr>
           <a:xfrm>
-            <a:off x="6150645" y="2286384"/>
+            <a:off x="6150645" y="2741638"/>
             <a:ext cx="1696533" cy="600163"/>
           </a:xfrm>
           <a:prstGeom prst="rect">
@@ -3639,7 +3641,7 @@
         </p:nvSpPr>
         <p:spPr>
           <a:xfrm>
-            <a:off x="6150646" y="272748"/>
+            <a:off x="6150646" y="109326"/>
             <a:ext cx="1633864" cy="550678"/>
           </a:xfrm>
           <a:prstGeom prst="rect">
@@ -3703,7 +3705,7 @@
         </p:nvSpPr>
         <p:spPr>
           <a:xfrm>
-            <a:off x="8220733" y="3099063"/>
+            <a:off x="8115676" y="3706066"/>
             <a:ext cx="1649759" cy="550678"/>
           </a:xfrm>
           <a:prstGeom prst="rect">
@@ -3756,62 +3758,6 @@
           </a:p>
         </p:txBody>
       </p:sp>
-      <p:sp>
-        <p:nvSpPr>
-          <p:cNvPr id="103" name="Rectangle 102"/>
-          <p:cNvSpPr/>
-          <p:nvPr/>
-        </p:nvSpPr>
-        <p:spPr>
-          <a:xfrm>
-            <a:off x="197299" y="1595876"/>
-            <a:ext cx="1697674" cy="3174087"/>
-          </a:xfrm>
-          <a:prstGeom prst="rect">
-            <a:avLst/>
-          </a:prstGeom>
-          <a:noFill/>
-        </p:spPr>
-        <p:style>
-          <a:lnRef idx="2">
-            <a:schemeClr val="accent1">
-              <a:shade val="50000"/>
-            </a:schemeClr>
-          </a:lnRef>
-          <a:fillRef idx="1">
-            <a:schemeClr val="accent1"/>
-          </a:fillRef>
-          <a:effectRef idx="0">
-            <a:schemeClr val="accent1"/>
-          </a:effectRef>
-          <a:fontRef idx="minor">
-            <a:schemeClr val="lt1"/>
-          </a:fontRef>
-        </p:style>
-        <p:txBody>
-          <a:bodyPr rtlCol="0" anchor="t" anchorCtr="0"/>
-          <a:lstStyle/>
-          <a:p>
-            <a:r>
-              <a:rPr lang="en-GB" sz="1600" dirty="0" err="1">
-                <a:solidFill>
-                  <a:schemeClr val="bg1">
-                    <a:lumMod val="50000"/>
-                  </a:schemeClr>
-                </a:solidFill>
-              </a:rPr>
-              <a:t>CommandContext</a:t>
-            </a:r>
-            <a:endParaRPr lang="en-GB" sz="1600" dirty="0">
-              <a:solidFill>
-                <a:schemeClr val="bg1">
-                  <a:lumMod val="50000"/>
-                </a:schemeClr>
-              </a:solidFill>
-            </a:endParaRPr>
-          </a:p>
-        </p:txBody>
-      </p:sp>
       <p:cxnSp>
         <p:nvCxnSpPr>
           <p:cNvPr id="105" name="Curved Connector 104"/>
@@ -3822,9 +3768,9 @@
           <p:nvPr/>
         </p:nvCxnSpPr>
         <p:spPr>
-          <a:xfrm flipV="1">
-            <a:off x="4072207" y="2586466"/>
-            <a:ext cx="2078438" cy="128713"/>
+          <a:xfrm>
+            <a:off x="4072207" y="2428945"/>
+            <a:ext cx="2078438" cy="612775"/>
           </a:xfrm>
           <a:prstGeom prst="curvedConnector3">
             <a:avLst>
@@ -3861,14 +3807,13 @@
           <p:cNvPr id="107" name="Curved Connector 106"/>
           <p:cNvCxnSpPr>
             <a:cxnSpLocks/>
-            <a:endCxn id="100" idx="0"/>
           </p:cNvCxnSpPr>
           <p:nvPr/>
         </p:nvCxnSpPr>
         <p:spPr>
           <a:xfrm>
-            <a:off x="5627771" y="1336706"/>
-            <a:ext cx="1371141" cy="949678"/>
+            <a:off x="5631660" y="840344"/>
+            <a:ext cx="1367252" cy="1936313"/>
           </a:xfrm>
           <a:prstGeom prst="curvedConnector2">
             <a:avLst/>
@@ -3906,7 +3851,7 @@
         </p:nvSpPr>
         <p:spPr>
           <a:xfrm>
-            <a:off x="6049064" y="2946179"/>
+            <a:off x="6049064" y="3401433"/>
             <a:ext cx="1494320" cy="600164"/>
           </a:xfrm>
           <a:prstGeom prst="rect">
@@ -3966,7 +3911,7 @@
         </p:nvSpPr>
         <p:spPr>
           <a:xfrm>
-            <a:off x="6876315" y="1719173"/>
+            <a:off x="6965808" y="2178318"/>
             <a:ext cx="1721946" cy="430887"/>
           </a:xfrm>
           <a:prstGeom prst="rect">
@@ -4016,7 +3961,7 @@
         </p:nvCxnSpPr>
         <p:spPr>
           <a:xfrm flipV="1">
-            <a:off x="5631660" y="823426"/>
+            <a:off x="5631660" y="660004"/>
             <a:ext cx="1335918" cy="94738"/>
           </a:xfrm>
           <a:prstGeom prst="curvedConnector2">
@@ -4053,7 +3998,7 @@
         </p:nvSpPr>
         <p:spPr>
           <a:xfrm>
-            <a:off x="6530010" y="977600"/>
+            <a:off x="6530010" y="814178"/>
             <a:ext cx="1515158" cy="430887"/>
           </a:xfrm>
           <a:prstGeom prst="rect">
@@ -4101,21 +4046,21 @@
         </p:nvSpPr>
         <p:spPr>
           <a:xfrm>
-            <a:off x="197299" y="5643068"/>
-            <a:ext cx="1697676" cy="550678"/>
+            <a:off x="197299" y="4802608"/>
+            <a:ext cx="1697676" cy="325817"/>
           </a:xfrm>
           <a:prstGeom prst="rect">
             <a:avLst/>
           </a:prstGeom>
         </p:spPr>
         <p:style>
-          <a:lnRef idx="1">
+          <a:lnRef idx="2">
             <a:schemeClr val="accent3"/>
           </a:lnRef>
-          <a:fillRef idx="2">
-            <a:schemeClr val="accent3"/>
+          <a:fillRef idx="1">
+            <a:schemeClr val="lt1"/>
           </a:fillRef>
-          <a:effectRef idx="1">
+          <a:effectRef idx="0">
             <a:schemeClr val="accent3"/>
           </a:effectRef>
           <a:fontRef idx="minor">
@@ -4135,21 +4080,11 @@
               </a:rPr>
               <a:t>CommandService</a:t>
             </a:r>
-            <a:br>
-              <a:rPr lang="en-GB" sz="1600" dirty="0">
-                <a:solidFill>
-                  <a:schemeClr val="tx1"/>
-                </a:solidFill>
-              </a:rPr>
-            </a:br>
-            <a:r>
-              <a:rPr lang="en-GB" sz="1600" dirty="0">
-                <a:solidFill>
-                  <a:schemeClr val="tx1"/>
-                </a:solidFill>
-              </a:rPr>
-              <a:t>SPI</a:t>
-            </a:r>
+            <a:endParaRPr lang="en-GB" sz="1600" dirty="0">
+              <a:solidFill>
+                <a:schemeClr val="tx1"/>
+              </a:solidFill>
+            </a:endParaRPr>
           </a:p>
         </p:txBody>
       </p:sp>
@@ -4165,8 +4100,8 @@
         </p:nvCxnSpPr>
         <p:spPr>
           <a:xfrm>
-            <a:off x="7847178" y="2586466"/>
-            <a:ext cx="1198435" cy="512597"/>
+            <a:off x="7847178" y="3041720"/>
+            <a:ext cx="1093378" cy="664346"/>
           </a:xfrm>
           <a:prstGeom prst="curvedConnector2">
             <a:avLst/>
@@ -4200,6 +4135,7 @@
         <p:nvCxnSpPr>
           <p:cNvPr id="116" name="Curved Connector 115"/>
           <p:cNvCxnSpPr>
+            <a:cxnSpLocks/>
             <a:stCxn id="85" idx="2"/>
             <a:endCxn id="112" idx="0"/>
           </p:cNvCxnSpPr>
@@ -4207,8 +4143,8 @@
         </p:nvCxnSpPr>
         <p:spPr>
           <a:xfrm rot="16200000" flipH="1">
-            <a:off x="542753" y="5139684"/>
-            <a:ext cx="1000522" cy="6245"/>
+            <a:off x="881272" y="4637742"/>
+            <a:ext cx="323485" cy="6245"/>
           </a:xfrm>
           <a:prstGeom prst="curvedConnector3">
             <a:avLst>
@@ -4246,8 +4182,8 @@
         </p:nvSpPr>
         <p:spPr>
           <a:xfrm>
-            <a:off x="4042639" y="4756342"/>
-            <a:ext cx="1937924" cy="600164"/>
+            <a:off x="4038747" y="4592920"/>
+            <a:ext cx="1965163" cy="461665"/>
           </a:xfrm>
           <a:prstGeom prst="rect">
             <a:avLst/>
@@ -4262,55 +4198,17 @@
           <a:p>
             <a:pPr algn="ctr"/>
             <a:r>
-              <a:rPr lang="en-GB" sz="1100" dirty="0">
+              <a:rPr lang="en-GB" sz="1200" dirty="0">
                 <a:solidFill>
                   <a:schemeClr val="bg1">
                     <a:lumMod val="50000"/>
                   </a:schemeClr>
                 </a:solidFill>
               </a:rPr>
-              <a:t>Broadcast</a:t>
-            </a:r>
-            <a:br>
-              <a:rPr lang="en-GB" sz="1100" dirty="0">
-                <a:solidFill>
-                  <a:schemeClr val="bg1">
-                    <a:lumMod val="50000"/>
-                  </a:schemeClr>
-                </a:solidFill>
-              </a:rPr>
-            </a:br>
-            <a:r>
-              <a:rPr lang="en-GB" sz="1100" dirty="0">
-                <a:solidFill>
-                  <a:schemeClr val="bg1">
-                    <a:lumMod val="50000"/>
-                  </a:schemeClr>
-                </a:solidFill>
-              </a:rPr>
-              <a:t>pre- and post-</a:t>
-            </a:r>
-            <a:br>
-              <a:rPr lang="en-GB" sz="1100" dirty="0">
-                <a:solidFill>
-                  <a:schemeClr val="bg1">
-                    <a:lumMod val="50000"/>
-                  </a:schemeClr>
-                </a:solidFill>
-              </a:rPr>
-            </a:br>
-            <a:r>
-              <a:rPr lang="en-GB" sz="1100" dirty="0">
-                <a:solidFill>
-                  <a:schemeClr val="bg1">
-                    <a:lumMod val="50000"/>
-                  </a:schemeClr>
-                </a:solidFill>
-              </a:rPr>
-              <a:t>via </a:t>
-            </a:r>
-            <a:r>
-              <a:rPr lang="en-GB" sz="1100" dirty="0" err="1">
+              <a:t>Broadcast pre- and post- events through </a:t>
+            </a:r>
+            <a:r>
+              <a:rPr lang="en-GB" sz="1200" dirty="0" err="1">
                 <a:solidFill>
                   <a:schemeClr val="bg1">
                     <a:lumMod val="50000"/>
@@ -4319,7 +4217,7 @@
               </a:rPr>
               <a:t>EventBus</a:t>
             </a:r>
-            <a:endParaRPr lang="en-GB" sz="1100" dirty="0">
+            <a:endParaRPr lang="en-GB" sz="1200" dirty="0">
               <a:solidFill>
                 <a:schemeClr val="bg1">
                   <a:lumMod val="50000"/>
@@ -4337,8 +4235,8 @@
         </p:nvSpPr>
         <p:spPr>
           <a:xfrm>
-            <a:off x="187163" y="5175331"/>
-            <a:ext cx="840295" cy="430887"/>
+            <a:off x="202396" y="5148098"/>
+            <a:ext cx="809837" cy="430887"/>
           </a:xfrm>
           <a:prstGeom prst="rect">
             <a:avLst/>
@@ -4360,7 +4258,7 @@
                   </a:schemeClr>
                 </a:solidFill>
               </a:rPr>
-              <a:t>Command</a:t>
+              <a:t>at end of</a:t>
             </a:r>
             <a:br>
               <a:rPr lang="en-GB" sz="1100" dirty="0">
@@ -4379,7 +4277,7 @@
                   </a:schemeClr>
                 </a:solidFill>
               </a:rPr>
-              <a:t>persistence</a:t>
+              <a:t>interaction</a:t>
             </a:r>
           </a:p>
         </p:txBody>
@@ -4392,7 +4290,7 @@
         </p:nvSpPr>
         <p:spPr>
           <a:xfrm>
-            <a:off x="4604493" y="3701335"/>
+            <a:off x="4604493" y="3537913"/>
             <a:ext cx="1132106" cy="830997"/>
           </a:xfrm>
           <a:prstGeom prst="rect">
@@ -4438,13 +4336,15 @@
       <p:cxnSp>
         <p:nvCxnSpPr>
           <p:cNvPr id="120" name="Straight Arrow Connector 119"/>
-          <p:cNvCxnSpPr/>
+          <p:cNvCxnSpPr>
+            <a:cxnSpLocks/>
+          </p:cNvCxnSpPr>
           <p:nvPr/>
         </p:nvCxnSpPr>
         <p:spPr>
-          <a:xfrm flipH="1">
-            <a:off x="3925915" y="4442342"/>
-            <a:ext cx="2" cy="839974"/>
+          <a:xfrm>
+            <a:off x="3925917" y="4278920"/>
+            <a:ext cx="0" cy="978677"/>
           </a:xfrm>
           <a:prstGeom prst="straightConnector1">
             <a:avLst/>
@@ -4482,7 +4382,7 @@
         </p:nvSpPr>
         <p:spPr>
           <a:xfrm>
-            <a:off x="8296351" y="1035432"/>
+            <a:off x="8296351" y="872010"/>
             <a:ext cx="1649759" cy="550678"/>
           </a:xfrm>
           <a:prstGeom prst="rect">
@@ -4524,7 +4424,7 @@
         </p:nvSpPr>
         <p:spPr>
           <a:xfrm>
-            <a:off x="8220731" y="945852"/>
+            <a:off x="8220731" y="782430"/>
             <a:ext cx="1649759" cy="550678"/>
           </a:xfrm>
           <a:prstGeom prst="rect">
@@ -4589,7 +4489,7 @@
         </p:nvCxnSpPr>
         <p:spPr>
           <a:xfrm>
-            <a:off x="7784510" y="548087"/>
+            <a:off x="7784510" y="384665"/>
             <a:ext cx="1261101" cy="397765"/>
           </a:xfrm>
           <a:prstGeom prst="curvedConnector2">
@@ -4634,7 +4534,7 @@
         </p:nvSpPr>
         <p:spPr>
           <a:xfrm rot="5400000" flipV="1">
-            <a:off x="3855784" y="3130837"/>
+            <a:off x="3855784" y="2967415"/>
             <a:ext cx="1127200" cy="694354"/>
           </a:xfrm>
           <a:prstGeom prst="curvedUpArrow">
@@ -4669,6 +4569,385 @@
                 <a:schemeClr val="tx1"/>
               </a:solidFill>
             </a:endParaRPr>
+          </a:p>
+        </p:txBody>
+      </p:sp>
+      <p:cxnSp>
+        <p:nvCxnSpPr>
+          <p:cNvPr id="37" name="Straight Arrow Connector 36">
+            <a:extLst>
+              <a:ext uri="{FF2B5EF4-FFF2-40B4-BE49-F238E27FC236}">
+                <a16:creationId xmlns:a16="http://schemas.microsoft.com/office/drawing/2014/main" id="{4156A9D6-50E4-40EC-AE2B-D57C97BF658E}"/>
+              </a:ext>
+            </a:extLst>
+          </p:cNvPr>
+          <p:cNvCxnSpPr>
+            <a:cxnSpLocks/>
+            <a:stCxn id="84" idx="1"/>
+            <a:endCxn id="85" idx="3"/>
+          </p:cNvCxnSpPr>
+          <p:nvPr/>
+        </p:nvCxnSpPr>
+        <p:spPr>
+          <a:xfrm flipH="1">
+            <a:off x="1744344" y="3175378"/>
+            <a:ext cx="489102" cy="0"/>
+          </a:xfrm>
+          <a:prstGeom prst="straightConnector1">
+            <a:avLst/>
+          </a:prstGeom>
+          <a:ln>
+            <a:tailEnd type="triangle"/>
+          </a:ln>
+        </p:spPr>
+        <p:style>
+          <a:lnRef idx="1">
+            <a:schemeClr val="accent1"/>
+          </a:lnRef>
+          <a:fillRef idx="0">
+            <a:schemeClr val="accent1"/>
+          </a:fillRef>
+          <a:effectRef idx="0">
+            <a:schemeClr val="accent1"/>
+          </a:effectRef>
+          <a:fontRef idx="minor">
+            <a:schemeClr val="tx1"/>
+          </a:fontRef>
+        </p:style>
+      </p:cxnSp>
+      <p:sp>
+        <p:nvSpPr>
+          <p:cNvPr id="14" name="Rectangle 13">
+            <a:extLst>
+              <a:ext uri="{FF2B5EF4-FFF2-40B4-BE49-F238E27FC236}">
+                <a16:creationId xmlns:a16="http://schemas.microsoft.com/office/drawing/2014/main" id="{DDED4A49-54C2-42DE-BE04-12AB3B8A98BE}"/>
+              </a:ext>
+            </a:extLst>
+          </p:cNvPr>
+          <p:cNvSpPr/>
+          <p:nvPr/>
+        </p:nvSpPr>
+        <p:spPr>
+          <a:xfrm>
+            <a:off x="186277" y="5597025"/>
+            <a:ext cx="1697676" cy="550678"/>
+          </a:xfrm>
+          <a:prstGeom prst="rect">
+            <a:avLst/>
+          </a:prstGeom>
+        </p:spPr>
+        <p:style>
+          <a:lnRef idx="1">
+            <a:schemeClr val="accent3"/>
+          </a:lnRef>
+          <a:fillRef idx="2">
+            <a:schemeClr val="accent3"/>
+          </a:fillRef>
+          <a:effectRef idx="1">
+            <a:schemeClr val="accent3"/>
+          </a:effectRef>
+          <a:fontRef idx="minor">
+            <a:schemeClr val="dk1"/>
+          </a:fontRef>
+        </p:style>
+        <p:txBody>
+          <a:bodyPr rtlCol="0" anchor="t" anchorCtr="0"/>
+          <a:lstStyle/>
+          <a:p>
+            <a:pPr algn="ctr"/>
+            <a:r>
+              <a:rPr lang="en-GB" sz="1600" dirty="0" err="1">
+                <a:solidFill>
+                  <a:schemeClr val="tx1"/>
+                </a:solidFill>
+              </a:rPr>
+              <a:t>CommandServiceListener</a:t>
+            </a:r>
+            <a:r>
+              <a:rPr lang="en-GB" sz="1600" dirty="0">
+                <a:solidFill>
+                  <a:schemeClr val="tx1"/>
+                </a:solidFill>
+              </a:rPr>
+              <a:t> SPI</a:t>
+            </a:r>
+          </a:p>
+        </p:txBody>
+      </p:sp>
+      <p:cxnSp>
+        <p:nvCxnSpPr>
+          <p:cNvPr id="52" name="Curved Connector 115">
+            <a:extLst>
+              <a:ext uri="{FF2B5EF4-FFF2-40B4-BE49-F238E27FC236}">
+                <a16:creationId xmlns:a16="http://schemas.microsoft.com/office/drawing/2014/main" id="{2CFCB57E-F6DA-4BE8-921B-190A5DEA4EAB}"/>
+              </a:ext>
+            </a:extLst>
+          </p:cNvPr>
+          <p:cNvCxnSpPr>
+            <a:cxnSpLocks/>
+            <a:endCxn id="14" idx="0"/>
+          </p:cNvCxnSpPr>
+          <p:nvPr/>
+        </p:nvCxnSpPr>
+        <p:spPr>
+          <a:xfrm rot="5400000">
+            <a:off x="813042" y="5370174"/>
+            <a:ext cx="448925" cy="4777"/>
+          </a:xfrm>
+          <a:prstGeom prst="curvedConnector3">
+            <a:avLst>
+              <a:gd name="adj1" fmla="val 50000"/>
+            </a:avLst>
+          </a:prstGeom>
+          <a:ln w="19050">
+            <a:solidFill>
+              <a:schemeClr val="accent3"/>
+            </a:solidFill>
+            <a:prstDash val="sysDash"/>
+            <a:tailEnd type="triangle"/>
+          </a:ln>
+        </p:spPr>
+        <p:style>
+          <a:lnRef idx="1">
+            <a:schemeClr val="accent1"/>
+          </a:lnRef>
+          <a:fillRef idx="0">
+            <a:schemeClr val="accent1"/>
+          </a:fillRef>
+          <a:effectRef idx="0">
+            <a:schemeClr val="accent1"/>
+          </a:effectRef>
+          <a:fontRef idx="minor">
+            <a:schemeClr val="tx1"/>
+          </a:fontRef>
+        </p:style>
+      </p:cxnSp>
+      <p:sp>
+        <p:nvSpPr>
+          <p:cNvPr id="4" name="Rectangle 3">
+            <a:extLst>
+              <a:ext uri="{FF2B5EF4-FFF2-40B4-BE49-F238E27FC236}">
+                <a16:creationId xmlns:a16="http://schemas.microsoft.com/office/drawing/2014/main" id="{C2AA3929-84C4-4905-AAAA-1BA8D338E88D}"/>
+              </a:ext>
+            </a:extLst>
+          </p:cNvPr>
+          <p:cNvSpPr/>
+          <p:nvPr/>
+        </p:nvSpPr>
+        <p:spPr>
+          <a:xfrm>
+            <a:off x="324864" y="244401"/>
+            <a:ext cx="1408904" cy="1076553"/>
+          </a:xfrm>
+          <a:prstGeom prst="rect">
+            <a:avLst/>
+          </a:prstGeom>
+        </p:spPr>
+        <p:style>
+          <a:lnRef idx="1">
+            <a:schemeClr val="dk1"/>
+          </a:lnRef>
+          <a:fillRef idx="2">
+            <a:schemeClr val="dk1"/>
+          </a:fillRef>
+          <a:effectRef idx="1">
+            <a:schemeClr val="dk1"/>
+          </a:effectRef>
+          <a:fontRef idx="minor">
+            <a:schemeClr val="dk1"/>
+          </a:fontRef>
+        </p:style>
+        <p:txBody>
+          <a:bodyPr rtlCol="0" anchor="ctr"/>
+          <a:lstStyle/>
+          <a:p>
+            <a:pPr algn="ctr"/>
+            <a:r>
+              <a:rPr lang="en-GB" sz="1600" dirty="0">
+                <a:solidFill>
+                  <a:schemeClr val="bg1"/>
+                </a:solidFill>
+              </a:rPr>
+              <a:t>Child</a:t>
+            </a:r>
+            <a:br>
+              <a:rPr lang="en-GB" sz="1600" dirty="0">
+                <a:solidFill>
+                  <a:schemeClr val="bg1"/>
+                </a:solidFill>
+              </a:rPr>
+            </a:br>
+            <a:r>
+              <a:rPr lang="en-GB" sz="1600" dirty="0">
+                <a:solidFill>
+                  <a:schemeClr val="bg1"/>
+                </a:solidFill>
+              </a:rPr>
+              <a:t>Command</a:t>
+            </a:r>
+          </a:p>
+        </p:txBody>
+      </p:sp>
+      <p:cxnSp>
+        <p:nvCxnSpPr>
+          <p:cNvPr id="41" name="Curved Connector 115">
+            <a:extLst>
+              <a:ext uri="{FF2B5EF4-FFF2-40B4-BE49-F238E27FC236}">
+                <a16:creationId xmlns:a16="http://schemas.microsoft.com/office/drawing/2014/main" id="{A293974D-69FA-49B5-8C57-6F6BC3C1AB62}"/>
+              </a:ext>
+            </a:extLst>
+          </p:cNvPr>
+          <p:cNvCxnSpPr>
+            <a:cxnSpLocks/>
+          </p:cNvCxnSpPr>
+          <p:nvPr/>
+        </p:nvCxnSpPr>
+        <p:spPr>
+          <a:xfrm rot="16200000" flipH="1">
+            <a:off x="881272" y="4672761"/>
+            <a:ext cx="323485" cy="6245"/>
+          </a:xfrm>
+          <a:prstGeom prst="curvedConnector3">
+            <a:avLst>
+              <a:gd name="adj1" fmla="val 50000"/>
+            </a:avLst>
+          </a:prstGeom>
+          <a:ln w="19050">
+            <a:solidFill>
+              <a:schemeClr val="accent3"/>
+            </a:solidFill>
+            <a:prstDash val="sysDash"/>
+            <a:tailEnd type="triangle"/>
+          </a:ln>
+        </p:spPr>
+        <p:style>
+          <a:lnRef idx="1">
+            <a:schemeClr val="accent1"/>
+          </a:lnRef>
+          <a:fillRef idx="0">
+            <a:schemeClr val="accent1"/>
+          </a:fillRef>
+          <a:effectRef idx="0">
+            <a:schemeClr val="accent1"/>
+          </a:effectRef>
+          <a:fontRef idx="minor">
+            <a:schemeClr val="tx1"/>
+          </a:fontRef>
+        </p:style>
+      </p:cxnSp>
+      <p:cxnSp>
+        <p:nvCxnSpPr>
+          <p:cNvPr id="42" name="Curved Connector 115">
+            <a:extLst>
+              <a:ext uri="{FF2B5EF4-FFF2-40B4-BE49-F238E27FC236}">
+                <a16:creationId xmlns:a16="http://schemas.microsoft.com/office/drawing/2014/main" id="{05B315D6-2B4A-428D-B416-B75119683065}"/>
+              </a:ext>
+            </a:extLst>
+          </p:cNvPr>
+          <p:cNvCxnSpPr>
+            <a:cxnSpLocks/>
+            <a:stCxn id="85" idx="0"/>
+            <a:endCxn id="4" idx="2"/>
+          </p:cNvCxnSpPr>
+          <p:nvPr/>
+        </p:nvCxnSpPr>
+        <p:spPr>
+          <a:xfrm rot="16200000" flipV="1">
+            <a:off x="759265" y="1591005"/>
+            <a:ext cx="550678" cy="10576"/>
+          </a:xfrm>
+          <a:prstGeom prst="curvedConnector3">
+            <a:avLst>
+              <a:gd name="adj1" fmla="val 50000"/>
+            </a:avLst>
+          </a:prstGeom>
+          <a:ln w="19050">
+            <a:solidFill>
+              <a:schemeClr val="tx1">
+                <a:lumMod val="50000"/>
+                <a:lumOff val="50000"/>
+              </a:schemeClr>
+            </a:solidFill>
+            <a:prstDash val="dashDot"/>
+            <a:tailEnd type="triangle"/>
+          </a:ln>
+        </p:spPr>
+        <p:style>
+          <a:lnRef idx="1">
+            <a:schemeClr val="accent1"/>
+          </a:lnRef>
+          <a:fillRef idx="0">
+            <a:schemeClr val="accent1"/>
+          </a:fillRef>
+          <a:effectRef idx="0">
+            <a:schemeClr val="accent1"/>
+          </a:effectRef>
+          <a:fontRef idx="minor">
+            <a:schemeClr val="tx1"/>
+          </a:fontRef>
+        </p:style>
+      </p:cxnSp>
+      <p:sp>
+        <p:nvSpPr>
+          <p:cNvPr id="7" name="TextBox 6">
+            <a:extLst>
+              <a:ext uri="{FF2B5EF4-FFF2-40B4-BE49-F238E27FC236}">
+                <a16:creationId xmlns:a16="http://schemas.microsoft.com/office/drawing/2014/main" id="{395A129D-08CA-4968-92A8-61E2392BFFE4}"/>
+              </a:ext>
+            </a:extLst>
+          </p:cNvPr>
+          <p:cNvSpPr txBox="1"/>
+          <p:nvPr/>
+        </p:nvSpPr>
+        <p:spPr>
+          <a:xfrm>
+            <a:off x="375186" y="1330813"/>
+            <a:ext cx="745718" cy="430887"/>
+          </a:xfrm>
+          <a:prstGeom prst="rect">
+            <a:avLst/>
+          </a:prstGeom>
+          <a:noFill/>
+        </p:spPr>
+        <p:txBody>
+          <a:bodyPr wrap="none" rtlCol="0">
+            <a:spAutoFit/>
+          </a:bodyPr>
+          <a:lstStyle/>
+          <a:p>
+            <a:pPr algn="ctr"/>
+            <a:r>
+              <a:rPr lang="en-GB" sz="1100" dirty="0">
+                <a:solidFill>
+                  <a:schemeClr val="tx1">
+                    <a:lumMod val="85000"/>
+                    <a:lumOff val="15000"/>
+                  </a:schemeClr>
+                </a:solidFill>
+              </a:rPr>
+              <a:t>async</a:t>
+            </a:r>
+            <a:br>
+              <a:rPr lang="en-GB" sz="1100" dirty="0">
+                <a:solidFill>
+                  <a:schemeClr val="tx1">
+                    <a:lumMod val="85000"/>
+                    <a:lumOff val="15000"/>
+                  </a:schemeClr>
+                </a:solidFill>
+              </a:rPr>
+            </a:br>
+            <a:r>
+              <a:rPr lang="en-GB" sz="1100" dirty="0">
+                <a:solidFill>
+                  <a:schemeClr val="tx1">
+                    <a:lumMod val="85000"/>
+                    <a:lumOff val="15000"/>
+                  </a:schemeClr>
+                </a:solidFill>
+              </a:rPr>
+              <a:t>execution</a:t>
+            </a:r>
           </a:p>
         </p:txBody>
       </p:sp>

--- a/content/refguide/latest/applib-svc/_images/reference-services/commands-and-events.pptx
+++ b/content/refguide/latest/applib-svc/_images/reference-services/commands-and-events.pptx
@@ -1,19 +1,114 @@
 
 <file path=ppt/presentation.xml><?xml version="1.0" encoding="utf-8"?>
-<p:presentation xmlns:a="http://schemas.openxmlformats.org/drawingml/2006/main" xmlns:p="http://schemas.openxmlformats.org/presentationml/2006/main" xmlns:r="http://schemas.openxmlformats.org/officeDocument/2006/relationships" xmlns:p14="http://schemas.microsoft.com/office/powerpoint/2010/main" xmlns:p15="http://schemas.microsoft.com/office/powerpoint/2012/main" xmlns:mc="http://schemas.openxmlformats.org/markup-compatibility/2006">
+<p:presentation xmlns:a="http://schemas.openxmlformats.org/drawingml/2006/main" xmlns:r="http://schemas.openxmlformats.org/officeDocument/2006/relationships" xmlns:p="http://schemas.openxmlformats.org/presentationml/2006/main">
   <p:sldMasterIdLst>
-    <p:sldMasterId id="2147483648" r:id="rId2"/>
+    <p:sldMasterId id="2147483648" r:id="rId1"/>
   </p:sldMasterIdLst>
   <p:sldIdLst>
-    <p:sldId id="256" r:id="rId3"/>
+    <p:sldId id="256" r:id="rId2"/>
   </p:sldIdLst>
   <p:sldSz cx="10080625" cy="6480175"/>
-  <p:notesSz cx="7559675" cy="10691812"/>
+  <p:notesSz cx="7559675" cy="10691813"/>
+  <p:defaultTextStyle>
+    <a:defPPr>
+      <a:defRPr lang="en-US"/>
+    </a:defPPr>
+    <a:lvl1pPr marL="0" algn="l" defTabSz="914400" rtl="0" eaLnBrk="1" latinLnBrk="0" hangingPunct="1">
+      <a:defRPr sz="1800" kern="1200">
+        <a:solidFill>
+          <a:schemeClr val="tx1"/>
+        </a:solidFill>
+        <a:latin typeface="+mn-lt"/>
+        <a:ea typeface="+mn-ea"/>
+        <a:cs typeface="+mn-cs"/>
+      </a:defRPr>
+    </a:lvl1pPr>
+    <a:lvl2pPr marL="457200" algn="l" defTabSz="914400" rtl="0" eaLnBrk="1" latinLnBrk="0" hangingPunct="1">
+      <a:defRPr sz="1800" kern="1200">
+        <a:solidFill>
+          <a:schemeClr val="tx1"/>
+        </a:solidFill>
+        <a:latin typeface="+mn-lt"/>
+        <a:ea typeface="+mn-ea"/>
+        <a:cs typeface="+mn-cs"/>
+      </a:defRPr>
+    </a:lvl2pPr>
+    <a:lvl3pPr marL="914400" algn="l" defTabSz="914400" rtl="0" eaLnBrk="1" latinLnBrk="0" hangingPunct="1">
+      <a:defRPr sz="1800" kern="1200">
+        <a:solidFill>
+          <a:schemeClr val="tx1"/>
+        </a:solidFill>
+        <a:latin typeface="+mn-lt"/>
+        <a:ea typeface="+mn-ea"/>
+        <a:cs typeface="+mn-cs"/>
+      </a:defRPr>
+    </a:lvl3pPr>
+    <a:lvl4pPr marL="1371600" algn="l" defTabSz="914400" rtl="0" eaLnBrk="1" latinLnBrk="0" hangingPunct="1">
+      <a:defRPr sz="1800" kern="1200">
+        <a:solidFill>
+          <a:schemeClr val="tx1"/>
+        </a:solidFill>
+        <a:latin typeface="+mn-lt"/>
+        <a:ea typeface="+mn-ea"/>
+        <a:cs typeface="+mn-cs"/>
+      </a:defRPr>
+    </a:lvl4pPr>
+    <a:lvl5pPr marL="1828800" algn="l" defTabSz="914400" rtl="0" eaLnBrk="1" latinLnBrk="0" hangingPunct="1">
+      <a:defRPr sz="1800" kern="1200">
+        <a:solidFill>
+          <a:schemeClr val="tx1"/>
+        </a:solidFill>
+        <a:latin typeface="+mn-lt"/>
+        <a:ea typeface="+mn-ea"/>
+        <a:cs typeface="+mn-cs"/>
+      </a:defRPr>
+    </a:lvl5pPr>
+    <a:lvl6pPr marL="2286000" algn="l" defTabSz="914400" rtl="0" eaLnBrk="1" latinLnBrk="0" hangingPunct="1">
+      <a:defRPr sz="1800" kern="1200">
+        <a:solidFill>
+          <a:schemeClr val="tx1"/>
+        </a:solidFill>
+        <a:latin typeface="+mn-lt"/>
+        <a:ea typeface="+mn-ea"/>
+        <a:cs typeface="+mn-cs"/>
+      </a:defRPr>
+    </a:lvl6pPr>
+    <a:lvl7pPr marL="2743200" algn="l" defTabSz="914400" rtl="0" eaLnBrk="1" latinLnBrk="0" hangingPunct="1">
+      <a:defRPr sz="1800" kern="1200">
+        <a:solidFill>
+          <a:schemeClr val="tx1"/>
+        </a:solidFill>
+        <a:latin typeface="+mn-lt"/>
+        <a:ea typeface="+mn-ea"/>
+        <a:cs typeface="+mn-cs"/>
+      </a:defRPr>
+    </a:lvl7pPr>
+    <a:lvl8pPr marL="3200400" algn="l" defTabSz="914400" rtl="0" eaLnBrk="1" latinLnBrk="0" hangingPunct="1">
+      <a:defRPr sz="1800" kern="1200">
+        <a:solidFill>
+          <a:schemeClr val="tx1"/>
+        </a:solidFill>
+        <a:latin typeface="+mn-lt"/>
+        <a:ea typeface="+mn-ea"/>
+        <a:cs typeface="+mn-cs"/>
+      </a:defRPr>
+    </a:lvl8pPr>
+    <a:lvl9pPr marL="3657600" algn="l" defTabSz="914400" rtl="0" eaLnBrk="1" latinLnBrk="0" hangingPunct="1">
+      <a:defRPr sz="1800" kern="1200">
+        <a:solidFill>
+          <a:schemeClr val="tx1"/>
+        </a:solidFill>
+        <a:latin typeface="+mn-lt"/>
+        <a:ea typeface="+mn-ea"/>
+        <a:cs typeface="+mn-cs"/>
+      </a:defRPr>
+    </a:lvl9pPr>
+  </p:defaultTextStyle>
 </p:presentation>
 </file>
 
 <file path=ppt/slideLayouts/slideLayout1.xml><?xml version="1.0" encoding="utf-8"?>
-<p:sldLayout xmlns:a="http://schemas.openxmlformats.org/drawingml/2006/main" xmlns:p="http://schemas.openxmlformats.org/presentationml/2006/main" xmlns:r="http://schemas.openxmlformats.org/officeDocument/2006/relationships" xmlns:p14="http://schemas.microsoft.com/office/powerpoint/2010/main" xmlns:p15="http://schemas.microsoft.com/office/powerpoint/2012/main" xmlns:mc="http://schemas.openxmlformats.org/markup-compatibility/2006" type="blank" preserve="1">
+<p:sldLayout xmlns:a="http://schemas.openxmlformats.org/drawingml/2006/main" xmlns:r="http://schemas.openxmlformats.org/officeDocument/2006/relationships" xmlns:p="http://schemas.openxmlformats.org/presentationml/2006/main" type="blank" preserve="1">
   <p:cSld name="Blank Slide">
     <p:spTree>
       <p:nvGrpSpPr>
@@ -31,11 +126,14 @@
       </p:grpSpPr>
     </p:spTree>
   </p:cSld>
+  <p:clrMapOvr>
+    <a:masterClrMapping/>
+  </p:clrMapOvr>
 </p:sldLayout>
 </file>
 
 <file path=ppt/slideLayouts/slideLayout10.xml><?xml version="1.0" encoding="utf-8"?>
-<p:sldLayout xmlns:a="http://schemas.openxmlformats.org/drawingml/2006/main" xmlns:p="http://schemas.openxmlformats.org/presentationml/2006/main" xmlns:r="http://schemas.openxmlformats.org/officeDocument/2006/relationships" xmlns:p14="http://schemas.microsoft.com/office/powerpoint/2010/main" xmlns:p15="http://schemas.microsoft.com/office/powerpoint/2012/main" xmlns:mc="http://schemas.openxmlformats.org/markup-compatibility/2006" type="objOverTx" preserve="1">
+<p:sldLayout xmlns:a="http://schemas.openxmlformats.org/drawingml/2006/main" xmlns:r="http://schemas.openxmlformats.org/officeDocument/2006/relationships" xmlns:p="http://schemas.openxmlformats.org/presentationml/2006/main" type="objOverTx" preserve="1">
   <p:cSld name="Title, Content over Content">
     <p:spTree>
       <p:nvGrpSpPr>
@@ -71,12 +169,13 @@
           </a:prstGeom>
         </p:spPr>
         <p:txBody>
-          <a:bodyPr lIns="0" rIns="0" tIns="0" bIns="0" anchor="ctr">
+          <a:bodyPr lIns="0" tIns="0" rIns="0" bIns="0" anchor="ctr">
             <a:noAutofit/>
           </a:bodyPr>
+          <a:lstStyle/>
           <a:p>
             <a:pPr algn="ctr"/>
-            <a:endParaRPr b="0" lang="en-US" sz="4400" spc="-1" strike="noStrike">
+            <a:endParaRPr lang="en-US" sz="4400" b="0" strike="noStrike" spc="-1">
               <a:latin typeface="Arial"/>
             </a:endParaRPr>
           </a:p>
@@ -102,11 +201,12 @@
           </a:prstGeom>
         </p:spPr>
         <p:txBody>
-          <a:bodyPr lIns="0" rIns="0" tIns="0" bIns="0">
+          <a:bodyPr lIns="0" tIns="0" rIns="0" bIns="0">
             <a:normAutofit/>
           </a:bodyPr>
-          <a:p>
-            <a:endParaRPr b="0" lang="en-US" sz="3200" spc="-1" strike="noStrike">
+          <a:lstStyle/>
+          <a:p>
+            <a:endParaRPr lang="en-US" sz="3200" b="0" strike="noStrike" spc="-1">
               <a:latin typeface="Arial"/>
             </a:endParaRPr>
           </a:p>
@@ -132,11 +232,12 @@
           </a:prstGeom>
         </p:spPr>
         <p:txBody>
-          <a:bodyPr lIns="0" rIns="0" tIns="0" bIns="0">
+          <a:bodyPr lIns="0" tIns="0" rIns="0" bIns="0">
             <a:normAutofit/>
           </a:bodyPr>
-          <a:p>
-            <a:endParaRPr b="0" lang="en-US" sz="3200" spc="-1" strike="noStrike">
+          <a:lstStyle/>
+          <a:p>
+            <a:endParaRPr lang="en-US" sz="3200" b="0" strike="noStrike" spc="-1">
               <a:latin typeface="Arial"/>
             </a:endParaRPr>
           </a:p>
@@ -144,11 +245,14 @@
       </p:sp>
     </p:spTree>
   </p:cSld>
+  <p:clrMapOvr>
+    <a:masterClrMapping/>
+  </p:clrMapOvr>
 </p:sldLayout>
 </file>
 
 <file path=ppt/slideLayouts/slideLayout11.xml><?xml version="1.0" encoding="utf-8"?>
-<p:sldLayout xmlns:a="http://schemas.openxmlformats.org/drawingml/2006/main" xmlns:p="http://schemas.openxmlformats.org/presentationml/2006/main" xmlns:r="http://schemas.openxmlformats.org/officeDocument/2006/relationships" xmlns:p14="http://schemas.microsoft.com/office/powerpoint/2010/main" xmlns:p15="http://schemas.microsoft.com/office/powerpoint/2012/main" xmlns:mc="http://schemas.openxmlformats.org/markup-compatibility/2006" type="fourObj" preserve="1">
+<p:sldLayout xmlns:a="http://schemas.openxmlformats.org/drawingml/2006/main" xmlns:r="http://schemas.openxmlformats.org/officeDocument/2006/relationships" xmlns:p="http://schemas.openxmlformats.org/presentationml/2006/main" type="fourObj" preserve="1">
   <p:cSld name="Title, 4 Content">
     <p:spTree>
       <p:nvGrpSpPr>
@@ -184,12 +288,13 @@
           </a:prstGeom>
         </p:spPr>
         <p:txBody>
-          <a:bodyPr lIns="0" rIns="0" tIns="0" bIns="0" anchor="ctr">
+          <a:bodyPr lIns="0" tIns="0" rIns="0" bIns="0" anchor="ctr">
             <a:noAutofit/>
           </a:bodyPr>
+          <a:lstStyle/>
           <a:p>
             <a:pPr algn="ctr"/>
-            <a:endParaRPr b="0" lang="en-US" sz="4400" spc="-1" strike="noStrike">
+            <a:endParaRPr lang="en-US" sz="4400" b="0" strike="noStrike" spc="-1">
               <a:latin typeface="Arial"/>
             </a:endParaRPr>
           </a:p>
@@ -215,11 +320,12 @@
           </a:prstGeom>
         </p:spPr>
         <p:txBody>
-          <a:bodyPr lIns="0" rIns="0" tIns="0" bIns="0">
+          <a:bodyPr lIns="0" tIns="0" rIns="0" bIns="0">
             <a:normAutofit/>
           </a:bodyPr>
-          <a:p>
-            <a:endParaRPr b="0" lang="en-US" sz="3200" spc="-1" strike="noStrike">
+          <a:lstStyle/>
+          <a:p>
+            <a:endParaRPr lang="en-US" sz="3200" b="0" strike="noStrike" spc="-1">
               <a:latin typeface="Arial"/>
             </a:endParaRPr>
           </a:p>
@@ -245,11 +351,12 @@
           </a:prstGeom>
         </p:spPr>
         <p:txBody>
-          <a:bodyPr lIns="0" rIns="0" tIns="0" bIns="0">
+          <a:bodyPr lIns="0" tIns="0" rIns="0" bIns="0">
             <a:normAutofit/>
           </a:bodyPr>
-          <a:p>
-            <a:endParaRPr b="0" lang="en-US" sz="3200" spc="-1" strike="noStrike">
+          <a:lstStyle/>
+          <a:p>
+            <a:endParaRPr lang="en-US" sz="3200" b="0" strike="noStrike" spc="-1">
               <a:latin typeface="Arial"/>
             </a:endParaRPr>
           </a:p>
@@ -275,11 +382,12 @@
           </a:prstGeom>
         </p:spPr>
         <p:txBody>
-          <a:bodyPr lIns="0" rIns="0" tIns="0" bIns="0">
+          <a:bodyPr lIns="0" tIns="0" rIns="0" bIns="0">
             <a:normAutofit/>
           </a:bodyPr>
-          <a:p>
-            <a:endParaRPr b="0" lang="en-US" sz="3200" spc="-1" strike="noStrike">
+          <a:lstStyle/>
+          <a:p>
+            <a:endParaRPr lang="en-US" sz="3200" b="0" strike="noStrike" spc="-1">
               <a:latin typeface="Arial"/>
             </a:endParaRPr>
           </a:p>
@@ -305,11 +413,12 @@
           </a:prstGeom>
         </p:spPr>
         <p:txBody>
-          <a:bodyPr lIns="0" rIns="0" tIns="0" bIns="0">
+          <a:bodyPr lIns="0" tIns="0" rIns="0" bIns="0">
             <a:normAutofit/>
           </a:bodyPr>
-          <a:p>
-            <a:endParaRPr b="0" lang="en-US" sz="3200" spc="-1" strike="noStrike">
+          <a:lstStyle/>
+          <a:p>
+            <a:endParaRPr lang="en-US" sz="3200" b="0" strike="noStrike" spc="-1">
               <a:latin typeface="Arial"/>
             </a:endParaRPr>
           </a:p>
@@ -317,11 +426,14 @@
       </p:sp>
     </p:spTree>
   </p:cSld>
+  <p:clrMapOvr>
+    <a:masterClrMapping/>
+  </p:clrMapOvr>
 </p:sldLayout>
 </file>
 
 <file path=ppt/slideLayouts/slideLayout12.xml><?xml version="1.0" encoding="utf-8"?>
-<p:sldLayout xmlns:a="http://schemas.openxmlformats.org/drawingml/2006/main" xmlns:p="http://schemas.openxmlformats.org/presentationml/2006/main" xmlns:r="http://schemas.openxmlformats.org/officeDocument/2006/relationships" xmlns:p14="http://schemas.microsoft.com/office/powerpoint/2010/main" xmlns:p15="http://schemas.microsoft.com/office/powerpoint/2012/main" xmlns:mc="http://schemas.openxmlformats.org/markup-compatibility/2006" type="blank" preserve="1">
+<p:sldLayout xmlns:a="http://schemas.openxmlformats.org/drawingml/2006/main" xmlns:r="http://schemas.openxmlformats.org/officeDocument/2006/relationships" xmlns:p="http://schemas.openxmlformats.org/presentationml/2006/main" type="blank" preserve="1">
   <p:cSld name="Title, 6 Content">
     <p:spTree>
       <p:nvGrpSpPr>
@@ -357,12 +469,13 @@
           </a:prstGeom>
         </p:spPr>
         <p:txBody>
-          <a:bodyPr lIns="0" rIns="0" tIns="0" bIns="0" anchor="ctr">
+          <a:bodyPr lIns="0" tIns="0" rIns="0" bIns="0" anchor="ctr">
             <a:noAutofit/>
           </a:bodyPr>
+          <a:lstStyle/>
           <a:p>
             <a:pPr algn="ctr"/>
-            <a:endParaRPr b="0" lang="en-US" sz="4400" spc="-1" strike="noStrike">
+            <a:endParaRPr lang="en-US" sz="4400" b="0" strike="noStrike" spc="-1">
               <a:latin typeface="Arial"/>
             </a:endParaRPr>
           </a:p>
@@ -388,11 +501,12 @@
           </a:prstGeom>
         </p:spPr>
         <p:txBody>
-          <a:bodyPr lIns="0" rIns="0" tIns="0" bIns="0">
+          <a:bodyPr lIns="0" tIns="0" rIns="0" bIns="0">
             <a:normAutofit/>
           </a:bodyPr>
-          <a:p>
-            <a:endParaRPr b="0" lang="en-US" sz="3200" spc="-1" strike="noStrike">
+          <a:lstStyle/>
+          <a:p>
+            <a:endParaRPr lang="en-US" sz="3200" b="0" strike="noStrike" spc="-1">
               <a:latin typeface="Arial"/>
             </a:endParaRPr>
           </a:p>
@@ -418,11 +532,12 @@
           </a:prstGeom>
         </p:spPr>
         <p:txBody>
-          <a:bodyPr lIns="0" rIns="0" tIns="0" bIns="0">
+          <a:bodyPr lIns="0" tIns="0" rIns="0" bIns="0">
             <a:normAutofit/>
           </a:bodyPr>
-          <a:p>
-            <a:endParaRPr b="0" lang="en-US" sz="3200" spc="-1" strike="noStrike">
+          <a:lstStyle/>
+          <a:p>
+            <a:endParaRPr lang="en-US" sz="3200" b="0" strike="noStrike" spc="-1">
               <a:latin typeface="Arial"/>
             </a:endParaRPr>
           </a:p>
@@ -448,11 +563,12 @@
           </a:prstGeom>
         </p:spPr>
         <p:txBody>
-          <a:bodyPr lIns="0" rIns="0" tIns="0" bIns="0">
+          <a:bodyPr lIns="0" tIns="0" rIns="0" bIns="0">
             <a:normAutofit/>
           </a:bodyPr>
-          <a:p>
-            <a:endParaRPr b="0" lang="en-US" sz="3200" spc="-1" strike="noStrike">
+          <a:lstStyle/>
+          <a:p>
+            <a:endParaRPr lang="en-US" sz="3200" b="0" strike="noStrike" spc="-1">
               <a:latin typeface="Arial"/>
             </a:endParaRPr>
           </a:p>
@@ -478,11 +594,12 @@
           </a:prstGeom>
         </p:spPr>
         <p:txBody>
-          <a:bodyPr lIns="0" rIns="0" tIns="0" bIns="0">
+          <a:bodyPr lIns="0" tIns="0" rIns="0" bIns="0">
             <a:normAutofit/>
           </a:bodyPr>
-          <a:p>
-            <a:endParaRPr b="0" lang="en-US" sz="3200" spc="-1" strike="noStrike">
+          <a:lstStyle/>
+          <a:p>
+            <a:endParaRPr lang="en-US" sz="3200" b="0" strike="noStrike" spc="-1">
               <a:latin typeface="Arial"/>
             </a:endParaRPr>
           </a:p>
@@ -508,11 +625,12 @@
           </a:prstGeom>
         </p:spPr>
         <p:txBody>
-          <a:bodyPr lIns="0" rIns="0" tIns="0" bIns="0">
+          <a:bodyPr lIns="0" tIns="0" rIns="0" bIns="0">
             <a:normAutofit/>
           </a:bodyPr>
-          <a:p>
-            <a:endParaRPr b="0" lang="en-US" sz="3200" spc="-1" strike="noStrike">
+          <a:lstStyle/>
+          <a:p>
+            <a:endParaRPr lang="en-US" sz="3200" b="0" strike="noStrike" spc="-1">
               <a:latin typeface="Arial"/>
             </a:endParaRPr>
           </a:p>
@@ -538,11 +656,12 @@
           </a:prstGeom>
         </p:spPr>
         <p:txBody>
-          <a:bodyPr lIns="0" rIns="0" tIns="0" bIns="0">
+          <a:bodyPr lIns="0" tIns="0" rIns="0" bIns="0">
             <a:normAutofit/>
           </a:bodyPr>
-          <a:p>
-            <a:endParaRPr b="0" lang="en-US" sz="3200" spc="-1" strike="noStrike">
+          <a:lstStyle/>
+          <a:p>
+            <a:endParaRPr lang="en-US" sz="3200" b="0" strike="noStrike" spc="-1">
               <a:latin typeface="Arial"/>
             </a:endParaRPr>
           </a:p>
@@ -550,11 +669,14 @@
       </p:sp>
     </p:spTree>
   </p:cSld>
+  <p:clrMapOvr>
+    <a:masterClrMapping/>
+  </p:clrMapOvr>
 </p:sldLayout>
 </file>
 
 <file path=ppt/slideLayouts/slideLayout2.xml><?xml version="1.0" encoding="utf-8"?>
-<p:sldLayout xmlns:a="http://schemas.openxmlformats.org/drawingml/2006/main" xmlns:p="http://schemas.openxmlformats.org/presentationml/2006/main" xmlns:r="http://schemas.openxmlformats.org/officeDocument/2006/relationships" xmlns:p14="http://schemas.microsoft.com/office/powerpoint/2010/main" xmlns:p15="http://schemas.microsoft.com/office/powerpoint/2012/main" xmlns:mc="http://schemas.openxmlformats.org/markup-compatibility/2006" type="tx" preserve="1">
+<p:sldLayout xmlns:a="http://schemas.openxmlformats.org/drawingml/2006/main" xmlns:r="http://schemas.openxmlformats.org/officeDocument/2006/relationships" xmlns:p="http://schemas.openxmlformats.org/presentationml/2006/main" type="tx" preserve="1">
   <p:cSld name="Title Slide">
     <p:spTree>
       <p:nvGrpSpPr>
@@ -590,12 +712,13 @@
           </a:prstGeom>
         </p:spPr>
         <p:txBody>
-          <a:bodyPr lIns="0" rIns="0" tIns="0" bIns="0" anchor="ctr">
+          <a:bodyPr lIns="0" tIns="0" rIns="0" bIns="0" anchor="ctr">
             <a:noAutofit/>
           </a:bodyPr>
+          <a:lstStyle/>
           <a:p>
             <a:pPr algn="ctr"/>
-            <a:endParaRPr b="0" lang="en-US" sz="4400" spc="-1" strike="noStrike">
+            <a:endParaRPr lang="en-US" sz="4400" b="0" strike="noStrike" spc="-1">
               <a:latin typeface="Arial"/>
             </a:endParaRPr>
           </a:p>
@@ -621,12 +744,13 @@
           </a:prstGeom>
         </p:spPr>
         <p:txBody>
-          <a:bodyPr lIns="0" rIns="0" tIns="0" bIns="0" anchor="ctr">
+          <a:bodyPr lIns="0" tIns="0" rIns="0" bIns="0" anchor="ctr">
             <a:noAutofit/>
           </a:bodyPr>
+          <a:lstStyle/>
           <a:p>
             <a:pPr algn="ctr"/>
-            <a:endParaRPr b="0" lang="en-US" sz="3200" spc="-1" strike="noStrike">
+            <a:endParaRPr lang="en-US" sz="3200" b="0" strike="noStrike" spc="-1">
               <a:latin typeface="Arial"/>
             </a:endParaRPr>
           </a:p>
@@ -634,11 +758,14 @@
       </p:sp>
     </p:spTree>
   </p:cSld>
+  <p:clrMapOvr>
+    <a:masterClrMapping/>
+  </p:clrMapOvr>
 </p:sldLayout>
 </file>
 
 <file path=ppt/slideLayouts/slideLayout3.xml><?xml version="1.0" encoding="utf-8"?>
-<p:sldLayout xmlns:a="http://schemas.openxmlformats.org/drawingml/2006/main" xmlns:p="http://schemas.openxmlformats.org/presentationml/2006/main" xmlns:r="http://schemas.openxmlformats.org/officeDocument/2006/relationships" xmlns:p14="http://schemas.microsoft.com/office/powerpoint/2010/main" xmlns:p15="http://schemas.microsoft.com/office/powerpoint/2012/main" xmlns:mc="http://schemas.openxmlformats.org/markup-compatibility/2006" type="obj" preserve="1">
+<p:sldLayout xmlns:a="http://schemas.openxmlformats.org/drawingml/2006/main" xmlns:r="http://schemas.openxmlformats.org/officeDocument/2006/relationships" xmlns:p="http://schemas.openxmlformats.org/presentationml/2006/main" type="obj" preserve="1">
   <p:cSld name="Title, Content">
     <p:spTree>
       <p:nvGrpSpPr>
@@ -674,12 +801,13 @@
           </a:prstGeom>
         </p:spPr>
         <p:txBody>
-          <a:bodyPr lIns="0" rIns="0" tIns="0" bIns="0" anchor="ctr">
+          <a:bodyPr lIns="0" tIns="0" rIns="0" bIns="0" anchor="ctr">
             <a:noAutofit/>
           </a:bodyPr>
+          <a:lstStyle/>
           <a:p>
             <a:pPr algn="ctr"/>
-            <a:endParaRPr b="0" lang="en-US" sz="4400" spc="-1" strike="noStrike">
+            <a:endParaRPr lang="en-US" sz="4400" b="0" strike="noStrike" spc="-1">
               <a:latin typeface="Arial"/>
             </a:endParaRPr>
           </a:p>
@@ -705,11 +833,12 @@
           </a:prstGeom>
         </p:spPr>
         <p:txBody>
-          <a:bodyPr lIns="0" rIns="0" tIns="0" bIns="0">
+          <a:bodyPr lIns="0" tIns="0" rIns="0" bIns="0">
             <a:normAutofit/>
           </a:bodyPr>
-          <a:p>
-            <a:endParaRPr b="0" lang="en-US" sz="3200" spc="-1" strike="noStrike">
+          <a:lstStyle/>
+          <a:p>
+            <a:endParaRPr lang="en-US" sz="3200" b="0" strike="noStrike" spc="-1">
               <a:latin typeface="Arial"/>
             </a:endParaRPr>
           </a:p>
@@ -717,11 +846,14 @@
       </p:sp>
     </p:spTree>
   </p:cSld>
+  <p:clrMapOvr>
+    <a:masterClrMapping/>
+  </p:clrMapOvr>
 </p:sldLayout>
 </file>
 
 <file path=ppt/slideLayouts/slideLayout4.xml><?xml version="1.0" encoding="utf-8"?>
-<p:sldLayout xmlns:a="http://schemas.openxmlformats.org/drawingml/2006/main" xmlns:p="http://schemas.openxmlformats.org/presentationml/2006/main" xmlns:r="http://schemas.openxmlformats.org/officeDocument/2006/relationships" xmlns:p14="http://schemas.microsoft.com/office/powerpoint/2010/main" xmlns:p15="http://schemas.microsoft.com/office/powerpoint/2012/main" xmlns:mc="http://schemas.openxmlformats.org/markup-compatibility/2006" type="twoObj" preserve="1">
+<p:sldLayout xmlns:a="http://schemas.openxmlformats.org/drawingml/2006/main" xmlns:r="http://schemas.openxmlformats.org/officeDocument/2006/relationships" xmlns:p="http://schemas.openxmlformats.org/presentationml/2006/main" type="twoObj" preserve="1">
   <p:cSld name="Title, 2 Content">
     <p:spTree>
       <p:nvGrpSpPr>
@@ -757,12 +889,13 @@
           </a:prstGeom>
         </p:spPr>
         <p:txBody>
-          <a:bodyPr lIns="0" rIns="0" tIns="0" bIns="0" anchor="ctr">
+          <a:bodyPr lIns="0" tIns="0" rIns="0" bIns="0" anchor="ctr">
             <a:noAutofit/>
           </a:bodyPr>
+          <a:lstStyle/>
           <a:p>
             <a:pPr algn="ctr"/>
-            <a:endParaRPr b="0" lang="en-US" sz="4400" spc="-1" strike="noStrike">
+            <a:endParaRPr lang="en-US" sz="4400" b="0" strike="noStrike" spc="-1">
               <a:latin typeface="Arial"/>
             </a:endParaRPr>
           </a:p>
@@ -788,11 +921,12 @@
           </a:prstGeom>
         </p:spPr>
         <p:txBody>
-          <a:bodyPr lIns="0" rIns="0" tIns="0" bIns="0">
+          <a:bodyPr lIns="0" tIns="0" rIns="0" bIns="0">
             <a:normAutofit/>
           </a:bodyPr>
-          <a:p>
-            <a:endParaRPr b="0" lang="en-US" sz="3200" spc="-1" strike="noStrike">
+          <a:lstStyle/>
+          <a:p>
+            <a:endParaRPr lang="en-US" sz="3200" b="0" strike="noStrike" spc="-1">
               <a:latin typeface="Arial"/>
             </a:endParaRPr>
           </a:p>
@@ -818,11 +952,12 @@
           </a:prstGeom>
         </p:spPr>
         <p:txBody>
-          <a:bodyPr lIns="0" rIns="0" tIns="0" bIns="0">
+          <a:bodyPr lIns="0" tIns="0" rIns="0" bIns="0">
             <a:normAutofit/>
           </a:bodyPr>
-          <a:p>
-            <a:endParaRPr b="0" lang="en-US" sz="3200" spc="-1" strike="noStrike">
+          <a:lstStyle/>
+          <a:p>
+            <a:endParaRPr lang="en-US" sz="3200" b="0" strike="noStrike" spc="-1">
               <a:latin typeface="Arial"/>
             </a:endParaRPr>
           </a:p>
@@ -830,11 +965,14 @@
       </p:sp>
     </p:spTree>
   </p:cSld>
+  <p:clrMapOvr>
+    <a:masterClrMapping/>
+  </p:clrMapOvr>
 </p:sldLayout>
 </file>
 
 <file path=ppt/slideLayouts/slideLayout5.xml><?xml version="1.0" encoding="utf-8"?>
-<p:sldLayout xmlns:a="http://schemas.openxmlformats.org/drawingml/2006/main" xmlns:p="http://schemas.openxmlformats.org/presentationml/2006/main" xmlns:r="http://schemas.openxmlformats.org/officeDocument/2006/relationships" xmlns:p14="http://schemas.microsoft.com/office/powerpoint/2010/main" xmlns:p15="http://schemas.microsoft.com/office/powerpoint/2012/main" xmlns:mc="http://schemas.openxmlformats.org/markup-compatibility/2006" type="titleOnly" preserve="1">
+<p:sldLayout xmlns:a="http://schemas.openxmlformats.org/drawingml/2006/main" xmlns:r="http://schemas.openxmlformats.org/officeDocument/2006/relationships" xmlns:p="http://schemas.openxmlformats.org/presentationml/2006/main" type="titleOnly" preserve="1">
   <p:cSld name="Title Only">
     <p:spTree>
       <p:nvGrpSpPr>
@@ -870,12 +1008,13 @@
           </a:prstGeom>
         </p:spPr>
         <p:txBody>
-          <a:bodyPr lIns="0" rIns="0" tIns="0" bIns="0" anchor="ctr">
+          <a:bodyPr lIns="0" tIns="0" rIns="0" bIns="0" anchor="ctr">
             <a:noAutofit/>
           </a:bodyPr>
+          <a:lstStyle/>
           <a:p>
             <a:pPr algn="ctr"/>
-            <a:endParaRPr b="0" lang="en-US" sz="4400" spc="-1" strike="noStrike">
+            <a:endParaRPr lang="en-US" sz="4400" b="0" strike="noStrike" spc="-1">
               <a:latin typeface="Arial"/>
             </a:endParaRPr>
           </a:p>
@@ -883,11 +1022,14 @@
       </p:sp>
     </p:spTree>
   </p:cSld>
+  <p:clrMapOvr>
+    <a:masterClrMapping/>
+  </p:clrMapOvr>
 </p:sldLayout>
 </file>
 
 <file path=ppt/slideLayouts/slideLayout6.xml><?xml version="1.0" encoding="utf-8"?>
-<p:sldLayout xmlns:a="http://schemas.openxmlformats.org/drawingml/2006/main" xmlns:p="http://schemas.openxmlformats.org/presentationml/2006/main" xmlns:r="http://schemas.openxmlformats.org/officeDocument/2006/relationships" xmlns:p14="http://schemas.microsoft.com/office/powerpoint/2010/main" xmlns:p15="http://schemas.microsoft.com/office/powerpoint/2012/main" xmlns:mc="http://schemas.openxmlformats.org/markup-compatibility/2006" type="objOnly" preserve="1">
+<p:sldLayout xmlns:a="http://schemas.openxmlformats.org/drawingml/2006/main" xmlns:r="http://schemas.openxmlformats.org/officeDocument/2006/relationships" xmlns:p="http://schemas.openxmlformats.org/presentationml/2006/main" type="objOnly" preserve="1">
   <p:cSld name="Centered Text">
     <p:spTree>
       <p:nvGrpSpPr>
@@ -923,12 +1065,13 @@
           </a:prstGeom>
         </p:spPr>
         <p:txBody>
-          <a:bodyPr lIns="0" rIns="0" tIns="0" bIns="0" anchor="ctr">
+          <a:bodyPr lIns="0" tIns="0" rIns="0" bIns="0" anchor="ctr">
             <a:noAutofit/>
           </a:bodyPr>
+          <a:lstStyle/>
           <a:p>
             <a:pPr algn="ctr"/>
-            <a:endParaRPr b="0" lang="en-US" sz="3200" spc="-1" strike="noStrike">
+            <a:endParaRPr lang="en-US" sz="3200" b="0" strike="noStrike" spc="-1">
               <a:latin typeface="Arial"/>
             </a:endParaRPr>
           </a:p>
@@ -936,11 +1079,14 @@
       </p:sp>
     </p:spTree>
   </p:cSld>
+  <p:clrMapOvr>
+    <a:masterClrMapping/>
+  </p:clrMapOvr>
 </p:sldLayout>
 </file>
 
 <file path=ppt/slideLayouts/slideLayout7.xml><?xml version="1.0" encoding="utf-8"?>
-<p:sldLayout xmlns:a="http://schemas.openxmlformats.org/drawingml/2006/main" xmlns:p="http://schemas.openxmlformats.org/presentationml/2006/main" xmlns:r="http://schemas.openxmlformats.org/officeDocument/2006/relationships" xmlns:p14="http://schemas.microsoft.com/office/powerpoint/2010/main" xmlns:p15="http://schemas.microsoft.com/office/powerpoint/2012/main" xmlns:mc="http://schemas.openxmlformats.org/markup-compatibility/2006" type="twoObjAndObj" preserve="1">
+<p:sldLayout xmlns:a="http://schemas.openxmlformats.org/drawingml/2006/main" xmlns:r="http://schemas.openxmlformats.org/officeDocument/2006/relationships" xmlns:p="http://schemas.openxmlformats.org/presentationml/2006/main" type="twoObjAndObj" preserve="1">
   <p:cSld name="Title, 2 Content and Content">
     <p:spTree>
       <p:nvGrpSpPr>
@@ -976,12 +1122,13 @@
           </a:prstGeom>
         </p:spPr>
         <p:txBody>
-          <a:bodyPr lIns="0" rIns="0" tIns="0" bIns="0" anchor="ctr">
+          <a:bodyPr lIns="0" tIns="0" rIns="0" bIns="0" anchor="ctr">
             <a:noAutofit/>
           </a:bodyPr>
+          <a:lstStyle/>
           <a:p>
             <a:pPr algn="ctr"/>
-            <a:endParaRPr b="0" lang="en-US" sz="4400" spc="-1" strike="noStrike">
+            <a:endParaRPr lang="en-US" sz="4400" b="0" strike="noStrike" spc="-1">
               <a:latin typeface="Arial"/>
             </a:endParaRPr>
           </a:p>
@@ -1007,11 +1154,12 @@
           </a:prstGeom>
         </p:spPr>
         <p:txBody>
-          <a:bodyPr lIns="0" rIns="0" tIns="0" bIns="0">
+          <a:bodyPr lIns="0" tIns="0" rIns="0" bIns="0">
             <a:normAutofit/>
           </a:bodyPr>
-          <a:p>
-            <a:endParaRPr b="0" lang="en-US" sz="3200" spc="-1" strike="noStrike">
+          <a:lstStyle/>
+          <a:p>
+            <a:endParaRPr lang="en-US" sz="3200" b="0" strike="noStrike" spc="-1">
               <a:latin typeface="Arial"/>
             </a:endParaRPr>
           </a:p>
@@ -1037,11 +1185,12 @@
           </a:prstGeom>
         </p:spPr>
         <p:txBody>
-          <a:bodyPr lIns="0" rIns="0" tIns="0" bIns="0">
+          <a:bodyPr lIns="0" tIns="0" rIns="0" bIns="0">
             <a:normAutofit/>
           </a:bodyPr>
-          <a:p>
-            <a:endParaRPr b="0" lang="en-US" sz="3200" spc="-1" strike="noStrike">
+          <a:lstStyle/>
+          <a:p>
+            <a:endParaRPr lang="en-US" sz="3200" b="0" strike="noStrike" spc="-1">
               <a:latin typeface="Arial"/>
             </a:endParaRPr>
           </a:p>
@@ -1067,11 +1216,12 @@
           </a:prstGeom>
         </p:spPr>
         <p:txBody>
-          <a:bodyPr lIns="0" rIns="0" tIns="0" bIns="0">
+          <a:bodyPr lIns="0" tIns="0" rIns="0" bIns="0">
             <a:normAutofit/>
           </a:bodyPr>
-          <a:p>
-            <a:endParaRPr b="0" lang="en-US" sz="3200" spc="-1" strike="noStrike">
+          <a:lstStyle/>
+          <a:p>
+            <a:endParaRPr lang="en-US" sz="3200" b="0" strike="noStrike" spc="-1">
               <a:latin typeface="Arial"/>
             </a:endParaRPr>
           </a:p>
@@ -1079,11 +1229,14 @@
       </p:sp>
     </p:spTree>
   </p:cSld>
+  <p:clrMapOvr>
+    <a:masterClrMapping/>
+  </p:clrMapOvr>
 </p:sldLayout>
 </file>
 
 <file path=ppt/slideLayouts/slideLayout8.xml><?xml version="1.0" encoding="utf-8"?>
-<p:sldLayout xmlns:a="http://schemas.openxmlformats.org/drawingml/2006/main" xmlns:p="http://schemas.openxmlformats.org/presentationml/2006/main" xmlns:r="http://schemas.openxmlformats.org/officeDocument/2006/relationships" xmlns:p14="http://schemas.microsoft.com/office/powerpoint/2010/main" xmlns:p15="http://schemas.microsoft.com/office/powerpoint/2012/main" xmlns:mc="http://schemas.openxmlformats.org/markup-compatibility/2006" type="objAndTwoObj" preserve="1">
+<p:sldLayout xmlns:a="http://schemas.openxmlformats.org/drawingml/2006/main" xmlns:r="http://schemas.openxmlformats.org/officeDocument/2006/relationships" xmlns:p="http://schemas.openxmlformats.org/presentationml/2006/main" type="objAndTwoObj" preserve="1">
   <p:cSld name="Title Content and 2 Content">
     <p:spTree>
       <p:nvGrpSpPr>
@@ -1119,12 +1272,13 @@
           </a:prstGeom>
         </p:spPr>
         <p:txBody>
-          <a:bodyPr lIns="0" rIns="0" tIns="0" bIns="0" anchor="ctr">
+          <a:bodyPr lIns="0" tIns="0" rIns="0" bIns="0" anchor="ctr">
             <a:noAutofit/>
           </a:bodyPr>
+          <a:lstStyle/>
           <a:p>
             <a:pPr algn="ctr"/>
-            <a:endParaRPr b="0" lang="en-US" sz="4400" spc="-1" strike="noStrike">
+            <a:endParaRPr lang="en-US" sz="4400" b="0" strike="noStrike" spc="-1">
               <a:latin typeface="Arial"/>
             </a:endParaRPr>
           </a:p>
@@ -1150,11 +1304,12 @@
           </a:prstGeom>
         </p:spPr>
         <p:txBody>
-          <a:bodyPr lIns="0" rIns="0" tIns="0" bIns="0">
+          <a:bodyPr lIns="0" tIns="0" rIns="0" bIns="0">
             <a:normAutofit/>
           </a:bodyPr>
-          <a:p>
-            <a:endParaRPr b="0" lang="en-US" sz="3200" spc="-1" strike="noStrike">
+          <a:lstStyle/>
+          <a:p>
+            <a:endParaRPr lang="en-US" sz="3200" b="0" strike="noStrike" spc="-1">
               <a:latin typeface="Arial"/>
             </a:endParaRPr>
           </a:p>
@@ -1180,11 +1335,12 @@
           </a:prstGeom>
         </p:spPr>
         <p:txBody>
-          <a:bodyPr lIns="0" rIns="0" tIns="0" bIns="0">
+          <a:bodyPr lIns="0" tIns="0" rIns="0" bIns="0">
             <a:normAutofit/>
           </a:bodyPr>
-          <a:p>
-            <a:endParaRPr b="0" lang="en-US" sz="3200" spc="-1" strike="noStrike">
+          <a:lstStyle/>
+          <a:p>
+            <a:endParaRPr lang="en-US" sz="3200" b="0" strike="noStrike" spc="-1">
               <a:latin typeface="Arial"/>
             </a:endParaRPr>
           </a:p>
@@ -1210,11 +1366,12 @@
           </a:prstGeom>
         </p:spPr>
         <p:txBody>
-          <a:bodyPr lIns="0" rIns="0" tIns="0" bIns="0">
+          <a:bodyPr lIns="0" tIns="0" rIns="0" bIns="0">
             <a:normAutofit/>
           </a:bodyPr>
-          <a:p>
-            <a:endParaRPr b="0" lang="en-US" sz="3200" spc="-1" strike="noStrike">
+          <a:lstStyle/>
+          <a:p>
+            <a:endParaRPr lang="en-US" sz="3200" b="0" strike="noStrike" spc="-1">
               <a:latin typeface="Arial"/>
             </a:endParaRPr>
           </a:p>
@@ -1222,11 +1379,14 @@
       </p:sp>
     </p:spTree>
   </p:cSld>
+  <p:clrMapOvr>
+    <a:masterClrMapping/>
+  </p:clrMapOvr>
 </p:sldLayout>
 </file>
 
 <file path=ppt/slideLayouts/slideLayout9.xml><?xml version="1.0" encoding="utf-8"?>
-<p:sldLayout xmlns:a="http://schemas.openxmlformats.org/drawingml/2006/main" xmlns:p="http://schemas.openxmlformats.org/presentationml/2006/main" xmlns:r="http://schemas.openxmlformats.org/officeDocument/2006/relationships" xmlns:p14="http://schemas.microsoft.com/office/powerpoint/2010/main" xmlns:p15="http://schemas.microsoft.com/office/powerpoint/2012/main" xmlns:mc="http://schemas.openxmlformats.org/markup-compatibility/2006" type="twoObjOverTx" preserve="1">
+<p:sldLayout xmlns:a="http://schemas.openxmlformats.org/drawingml/2006/main" xmlns:r="http://schemas.openxmlformats.org/officeDocument/2006/relationships" xmlns:p="http://schemas.openxmlformats.org/presentationml/2006/main" type="twoObjOverTx" preserve="1">
   <p:cSld name="Title, 2 Content over Content">
     <p:spTree>
       <p:nvGrpSpPr>
@@ -1262,12 +1422,13 @@
           </a:prstGeom>
         </p:spPr>
         <p:txBody>
-          <a:bodyPr lIns="0" rIns="0" tIns="0" bIns="0" anchor="ctr">
+          <a:bodyPr lIns="0" tIns="0" rIns="0" bIns="0" anchor="ctr">
             <a:noAutofit/>
           </a:bodyPr>
+          <a:lstStyle/>
           <a:p>
             <a:pPr algn="ctr"/>
-            <a:endParaRPr b="0" lang="en-US" sz="4400" spc="-1" strike="noStrike">
+            <a:endParaRPr lang="en-US" sz="4400" b="0" strike="noStrike" spc="-1">
               <a:latin typeface="Arial"/>
             </a:endParaRPr>
           </a:p>
@@ -1293,11 +1454,12 @@
           </a:prstGeom>
         </p:spPr>
         <p:txBody>
-          <a:bodyPr lIns="0" rIns="0" tIns="0" bIns="0">
+          <a:bodyPr lIns="0" tIns="0" rIns="0" bIns="0">
             <a:normAutofit/>
           </a:bodyPr>
-          <a:p>
-            <a:endParaRPr b="0" lang="en-US" sz="3200" spc="-1" strike="noStrike">
+          <a:lstStyle/>
+          <a:p>
+            <a:endParaRPr lang="en-US" sz="3200" b="0" strike="noStrike" spc="-1">
               <a:latin typeface="Arial"/>
             </a:endParaRPr>
           </a:p>
@@ -1323,11 +1485,12 @@
           </a:prstGeom>
         </p:spPr>
         <p:txBody>
-          <a:bodyPr lIns="0" rIns="0" tIns="0" bIns="0">
+          <a:bodyPr lIns="0" tIns="0" rIns="0" bIns="0">
             <a:normAutofit/>
           </a:bodyPr>
-          <a:p>
-            <a:endParaRPr b="0" lang="en-US" sz="3200" spc="-1" strike="noStrike">
+          <a:lstStyle/>
+          <a:p>
+            <a:endParaRPr lang="en-US" sz="3200" b="0" strike="noStrike" spc="-1">
               <a:latin typeface="Arial"/>
             </a:endParaRPr>
           </a:p>
@@ -1353,11 +1516,12 @@
           </a:prstGeom>
         </p:spPr>
         <p:txBody>
-          <a:bodyPr lIns="0" rIns="0" tIns="0" bIns="0">
+          <a:bodyPr lIns="0" tIns="0" rIns="0" bIns="0">
             <a:normAutofit/>
           </a:bodyPr>
-          <a:p>
-            <a:endParaRPr b="0" lang="en-US" sz="3200" spc="-1" strike="noStrike">
+          <a:lstStyle/>
+          <a:p>
+            <a:endParaRPr lang="en-US" sz="3200" b="0" strike="noStrike" spc="-1">
               <a:latin typeface="Arial"/>
             </a:endParaRPr>
           </a:p>
@@ -1365,17 +1529,21 @@
       </p:sp>
     </p:spTree>
   </p:cSld>
+  <p:clrMapOvr>
+    <a:masterClrMapping/>
+  </p:clrMapOvr>
 </p:sldLayout>
 </file>
 
 <file path=ppt/slideMasters/slideMaster1.xml><?xml version="1.0" encoding="utf-8"?>
-<p:sldMaster xmlns:a="http://schemas.openxmlformats.org/drawingml/2006/main" xmlns:p="http://schemas.openxmlformats.org/presentationml/2006/main" xmlns:r="http://schemas.openxmlformats.org/officeDocument/2006/relationships" xmlns:p14="http://schemas.microsoft.com/office/powerpoint/2010/main" xmlns:p15="http://schemas.microsoft.com/office/powerpoint/2012/main" xmlns:mc="http://schemas.openxmlformats.org/markup-compatibility/2006">
+<p:sldMaster xmlns:a="http://schemas.openxmlformats.org/drawingml/2006/main" xmlns:r="http://schemas.openxmlformats.org/officeDocument/2006/relationships" xmlns:p="http://schemas.openxmlformats.org/presentationml/2006/main">
   <p:cSld>
     <p:bg>
       <p:bgPr>
         <a:solidFill>
-          <a:srgbClr val="ffffff"/>
+          <a:srgbClr val="FFFFFF"/>
         </a:solidFill>
+        <a:effectLst/>
       </p:bgPr>
     </p:bg>
     <p:spTree>
@@ -1394,7 +1562,7 @@
       </p:grpSpPr>
       <p:sp>
         <p:nvSpPr>
-          <p:cNvPr id="0" name="PlaceHolder 1"/>
+          <p:cNvPr id="2" name="PlaceHolder 1"/>
           <p:cNvSpPr>
             <a:spLocks noGrp="1"/>
           </p:cNvSpPr>
@@ -1412,26 +1580,24 @@
           </a:prstGeom>
         </p:spPr>
         <p:txBody>
-          <a:bodyPr lIns="0" rIns="0" tIns="0" bIns="0" anchor="ctr">
+          <a:bodyPr lIns="0" tIns="0" rIns="0" bIns="0" anchor="ctr">
             <a:noAutofit/>
           </a:bodyPr>
+          <a:lstStyle/>
           <a:p>
             <a:pPr algn="ctr"/>
             <a:r>
-              <a:rPr b="0" lang="en-US" sz="4400" spc="-1" strike="noStrike">
+              <a:rPr lang="en-US" sz="4400" b="0" strike="noStrike" spc="-1">
                 <a:latin typeface="Arial"/>
               </a:rPr>
               <a:t>Click to edit the title text format</a:t>
             </a:r>
-            <a:endParaRPr b="0" lang="en-US" sz="4400" spc="-1" strike="noStrike">
-              <a:latin typeface="Arial"/>
-            </a:endParaRPr>
-          </a:p>
-        </p:txBody>
-      </p:sp>
-      <p:sp>
-        <p:nvSpPr>
-          <p:cNvPr id="1" name="PlaceHolder 2"/>
+          </a:p>
+        </p:txBody>
+      </p:sp>
+      <p:sp>
+        <p:nvSpPr>
+          <p:cNvPr id="3" name="PlaceHolder 2"/>
           <p:cNvSpPr>
             <a:spLocks noGrp="1"/>
           </p:cNvSpPr>
@@ -1449,9 +1615,10 @@
           </a:prstGeom>
         </p:spPr>
         <p:txBody>
-          <a:bodyPr lIns="0" rIns="0" tIns="0" bIns="0">
+          <a:bodyPr lIns="0" tIns="0" rIns="0" bIns="0">
             <a:normAutofit/>
           </a:bodyPr>
+          <a:lstStyle/>
           <a:p>
             <a:pPr marL="432000" indent="-324000">
               <a:spcBef>
@@ -1465,17 +1632,14 @@
               <a:buChar char=""/>
             </a:pPr>
             <a:r>
-              <a:rPr b="0" lang="en-US" sz="3200" spc="-1" strike="noStrike">
+              <a:rPr lang="en-US" sz="3200" b="0" strike="noStrike" spc="-1">
                 <a:latin typeface="Arial"/>
               </a:rPr>
               <a:t>Click to edit the outline text format</a:t>
             </a:r>
-            <a:endParaRPr b="0" lang="en-US" sz="3200" spc="-1" strike="noStrike">
-              <a:latin typeface="Arial"/>
-            </a:endParaRPr>
-          </a:p>
-          <a:p>
-            <a:pPr lvl="1" marL="864000" indent="-324000">
+          </a:p>
+          <a:p>
+            <a:pPr marL="864000" lvl="1" indent="-324000">
               <a:spcBef>
                 <a:spcPts val="1134"/>
               </a:spcBef>
@@ -1487,17 +1651,14 @@
               <a:buChar char=""/>
             </a:pPr>
             <a:r>
-              <a:rPr b="0" lang="en-US" sz="2800" spc="-1" strike="noStrike">
+              <a:rPr lang="en-US" sz="2800" b="0" strike="noStrike" spc="-1">
                 <a:latin typeface="Arial"/>
               </a:rPr>
               <a:t>Second Outline Level</a:t>
             </a:r>
-            <a:endParaRPr b="0" lang="en-US" sz="2800" spc="-1" strike="noStrike">
-              <a:latin typeface="Arial"/>
-            </a:endParaRPr>
-          </a:p>
-          <a:p>
-            <a:pPr lvl="2" marL="1296000" indent="-288000">
+          </a:p>
+          <a:p>
+            <a:pPr marL="1296000" lvl="2" indent="-288000">
               <a:spcBef>
                 <a:spcPts val="850"/>
               </a:spcBef>
@@ -1509,17 +1670,14 @@
               <a:buChar char=""/>
             </a:pPr>
             <a:r>
-              <a:rPr b="0" lang="en-US" sz="2400" spc="-1" strike="noStrike">
+              <a:rPr lang="en-US" sz="2400" b="0" strike="noStrike" spc="-1">
                 <a:latin typeface="Arial"/>
               </a:rPr>
               <a:t>Third Outline Level</a:t>
             </a:r>
-            <a:endParaRPr b="0" lang="en-US" sz="2400" spc="-1" strike="noStrike">
-              <a:latin typeface="Arial"/>
-            </a:endParaRPr>
-          </a:p>
-          <a:p>
-            <a:pPr lvl="3" marL="1728000" indent="-216000">
+          </a:p>
+          <a:p>
+            <a:pPr marL="1728000" lvl="3" indent="-216000">
               <a:spcBef>
                 <a:spcPts val="567"/>
               </a:spcBef>
@@ -1531,17 +1689,14 @@
               <a:buChar char=""/>
             </a:pPr>
             <a:r>
-              <a:rPr b="0" lang="en-US" sz="2000" spc="-1" strike="noStrike">
+              <a:rPr lang="en-US" sz="2000" b="0" strike="noStrike" spc="-1">
                 <a:latin typeface="Arial"/>
               </a:rPr>
               <a:t>Fourth Outline Level</a:t>
             </a:r>
-            <a:endParaRPr b="0" lang="en-US" sz="2000" spc="-1" strike="noStrike">
-              <a:latin typeface="Arial"/>
-            </a:endParaRPr>
-          </a:p>
-          <a:p>
-            <a:pPr lvl="4" marL="2160000" indent="-216000">
+          </a:p>
+          <a:p>
+            <a:pPr marL="2160000" lvl="4" indent="-216000">
               <a:spcBef>
                 <a:spcPts val="283"/>
               </a:spcBef>
@@ -1553,17 +1708,14 @@
               <a:buChar char=""/>
             </a:pPr>
             <a:r>
-              <a:rPr b="0" lang="en-US" sz="2000" spc="-1" strike="noStrike">
+              <a:rPr lang="en-US" sz="2000" b="0" strike="noStrike" spc="-1">
                 <a:latin typeface="Arial"/>
               </a:rPr>
               <a:t>Fifth Outline Level</a:t>
             </a:r>
-            <a:endParaRPr b="0" lang="en-US" sz="2000" spc="-1" strike="noStrike">
-              <a:latin typeface="Arial"/>
-            </a:endParaRPr>
-          </a:p>
-          <a:p>
-            <a:pPr lvl="5" marL="2592000" indent="-216000">
+          </a:p>
+          <a:p>
+            <a:pPr marL="2592000" lvl="5" indent="-216000">
               <a:spcBef>
                 <a:spcPts val="283"/>
               </a:spcBef>
@@ -1575,17 +1727,14 @@
               <a:buChar char=""/>
             </a:pPr>
             <a:r>
-              <a:rPr b="0" lang="en-US" sz="2000" spc="-1" strike="noStrike">
+              <a:rPr lang="en-US" sz="2000" b="0" strike="noStrike" spc="-1">
                 <a:latin typeface="Arial"/>
               </a:rPr>
               <a:t>Sixth Outline Level</a:t>
             </a:r>
-            <a:endParaRPr b="0" lang="en-US" sz="2000" spc="-1" strike="noStrike">
-              <a:latin typeface="Arial"/>
-            </a:endParaRPr>
-          </a:p>
-          <a:p>
-            <a:pPr lvl="6" marL="3024000" indent="-216000">
+          </a:p>
+          <a:p>
+            <a:pPr marL="3024000" lvl="6" indent="-216000">
               <a:spcBef>
                 <a:spcPts val="283"/>
               </a:spcBef>
@@ -1597,39 +1746,316 @@
               <a:buChar char=""/>
             </a:pPr>
             <a:r>
-              <a:rPr b="0" lang="en-US" sz="2000" spc="-1" strike="noStrike">
+              <a:rPr lang="en-US" sz="2000" b="0" strike="noStrike" spc="-1">
                 <a:latin typeface="Arial"/>
               </a:rPr>
               <a:t>Seventh Outline Level</a:t>
             </a:r>
-            <a:endParaRPr b="0" lang="en-US" sz="2000" spc="-1" strike="noStrike">
-              <a:latin typeface="Arial"/>
-            </a:endParaRPr>
           </a:p>
         </p:txBody>
       </p:sp>
     </p:spTree>
   </p:cSld>
-  <p:clrMap bg1="lt1" bg2="lt2" tx1="dk1" tx2="dk2" accent1="accent1" accent2="accent2" accent3="accent3" accent4="accent4" accent5="accent5" accent6="accent6" hlink="hlink" folHlink="folHlink"/>
+  <p:clrMap bg1="lt1" tx1="dk1" bg2="lt2" tx2="dk2" accent1="accent1" accent2="accent2" accent3="accent3" accent4="accent4" accent5="accent5" accent6="accent6" hlink="hlink" folHlink="folHlink"/>
   <p:sldLayoutIdLst>
-    <p:sldLayoutId id="2147483649" r:id="rId2"/>
-    <p:sldLayoutId id="2147483650" r:id="rId3"/>
-    <p:sldLayoutId id="2147483651" r:id="rId4"/>
-    <p:sldLayoutId id="2147483652" r:id="rId5"/>
-    <p:sldLayoutId id="2147483653" r:id="rId6"/>
-    <p:sldLayoutId id="2147483654" r:id="rId7"/>
-    <p:sldLayoutId id="2147483655" r:id="rId8"/>
-    <p:sldLayoutId id="2147483656" r:id="rId9"/>
-    <p:sldLayoutId id="2147483657" r:id="rId10"/>
-    <p:sldLayoutId id="2147483658" r:id="rId11"/>
-    <p:sldLayoutId id="2147483659" r:id="rId12"/>
-    <p:sldLayoutId id="2147483660" r:id="rId13"/>
+    <p:sldLayoutId id="2147483649" r:id="rId1"/>
+    <p:sldLayoutId id="2147483650" r:id="rId2"/>
+    <p:sldLayoutId id="2147483651" r:id="rId3"/>
+    <p:sldLayoutId id="2147483652" r:id="rId4"/>
+    <p:sldLayoutId id="2147483653" r:id="rId5"/>
+    <p:sldLayoutId id="2147483654" r:id="rId6"/>
+    <p:sldLayoutId id="2147483655" r:id="rId7"/>
+    <p:sldLayoutId id="2147483656" r:id="rId8"/>
+    <p:sldLayoutId id="2147483657" r:id="rId9"/>
+    <p:sldLayoutId id="2147483658" r:id="rId10"/>
+    <p:sldLayoutId id="2147483659" r:id="rId11"/>
+    <p:sldLayoutId id="2147483660" r:id="rId12"/>
   </p:sldLayoutIdLst>
+  <p:txStyles>
+    <p:titleStyle>
+      <a:lvl1pPr algn="l" defTabSz="914400" rtl="0" eaLnBrk="1" latinLnBrk="0" hangingPunct="1">
+        <a:lnSpc>
+          <a:spcPct val="90000"/>
+        </a:lnSpc>
+        <a:spcBef>
+          <a:spcPct val="0"/>
+        </a:spcBef>
+        <a:buNone/>
+        <a:defRPr sz="4400" kern="1200">
+          <a:solidFill>
+            <a:schemeClr val="tx1"/>
+          </a:solidFill>
+          <a:latin typeface="+mj-lt"/>
+          <a:ea typeface="+mj-ea"/>
+          <a:cs typeface="+mj-cs"/>
+        </a:defRPr>
+      </a:lvl1pPr>
+    </p:titleStyle>
+    <p:bodyStyle>
+      <a:lvl1pPr marL="228600" indent="-228600" algn="l" defTabSz="914400" rtl="0" eaLnBrk="1" latinLnBrk="0" hangingPunct="1">
+        <a:lnSpc>
+          <a:spcPct val="90000"/>
+        </a:lnSpc>
+        <a:spcBef>
+          <a:spcPts val="1000"/>
+        </a:spcBef>
+        <a:buFont typeface="Arial" panose="020B0604020202020204" pitchFamily="34" charset="0"/>
+        <a:buChar char="•"/>
+        <a:defRPr sz="2800" kern="1200">
+          <a:solidFill>
+            <a:schemeClr val="tx1"/>
+          </a:solidFill>
+          <a:latin typeface="+mn-lt"/>
+          <a:ea typeface="+mn-ea"/>
+          <a:cs typeface="+mn-cs"/>
+        </a:defRPr>
+      </a:lvl1pPr>
+      <a:lvl2pPr marL="685800" indent="-228600" algn="l" defTabSz="914400" rtl="0" eaLnBrk="1" latinLnBrk="0" hangingPunct="1">
+        <a:lnSpc>
+          <a:spcPct val="90000"/>
+        </a:lnSpc>
+        <a:spcBef>
+          <a:spcPts val="500"/>
+        </a:spcBef>
+        <a:buFont typeface="Arial" panose="020B0604020202020204" pitchFamily="34" charset="0"/>
+        <a:buChar char="•"/>
+        <a:defRPr sz="2400" kern="1200">
+          <a:solidFill>
+            <a:schemeClr val="tx1"/>
+          </a:solidFill>
+          <a:latin typeface="+mn-lt"/>
+          <a:ea typeface="+mn-ea"/>
+          <a:cs typeface="+mn-cs"/>
+        </a:defRPr>
+      </a:lvl2pPr>
+      <a:lvl3pPr marL="1143000" indent="-228600" algn="l" defTabSz="914400" rtl="0" eaLnBrk="1" latinLnBrk="0" hangingPunct="1">
+        <a:lnSpc>
+          <a:spcPct val="90000"/>
+        </a:lnSpc>
+        <a:spcBef>
+          <a:spcPts val="500"/>
+        </a:spcBef>
+        <a:buFont typeface="Arial" panose="020B0604020202020204" pitchFamily="34" charset="0"/>
+        <a:buChar char="•"/>
+        <a:defRPr sz="2000" kern="1200">
+          <a:solidFill>
+            <a:schemeClr val="tx1"/>
+          </a:solidFill>
+          <a:latin typeface="+mn-lt"/>
+          <a:ea typeface="+mn-ea"/>
+          <a:cs typeface="+mn-cs"/>
+        </a:defRPr>
+      </a:lvl3pPr>
+      <a:lvl4pPr marL="1600200" indent="-228600" algn="l" defTabSz="914400" rtl="0" eaLnBrk="1" latinLnBrk="0" hangingPunct="1">
+        <a:lnSpc>
+          <a:spcPct val="90000"/>
+        </a:lnSpc>
+        <a:spcBef>
+          <a:spcPts val="500"/>
+        </a:spcBef>
+        <a:buFont typeface="Arial" panose="020B0604020202020204" pitchFamily="34" charset="0"/>
+        <a:buChar char="•"/>
+        <a:defRPr sz="1800" kern="1200">
+          <a:solidFill>
+            <a:schemeClr val="tx1"/>
+          </a:solidFill>
+          <a:latin typeface="+mn-lt"/>
+          <a:ea typeface="+mn-ea"/>
+          <a:cs typeface="+mn-cs"/>
+        </a:defRPr>
+      </a:lvl4pPr>
+      <a:lvl5pPr marL="2057400" indent="-228600" algn="l" defTabSz="914400" rtl="0" eaLnBrk="1" latinLnBrk="0" hangingPunct="1">
+        <a:lnSpc>
+          <a:spcPct val="90000"/>
+        </a:lnSpc>
+        <a:spcBef>
+          <a:spcPts val="500"/>
+        </a:spcBef>
+        <a:buFont typeface="Arial" panose="020B0604020202020204" pitchFamily="34" charset="0"/>
+        <a:buChar char="•"/>
+        <a:defRPr sz="1800" kern="1200">
+          <a:solidFill>
+            <a:schemeClr val="tx1"/>
+          </a:solidFill>
+          <a:latin typeface="+mn-lt"/>
+          <a:ea typeface="+mn-ea"/>
+          <a:cs typeface="+mn-cs"/>
+        </a:defRPr>
+      </a:lvl5pPr>
+      <a:lvl6pPr marL="2514600" indent="-228600" algn="l" defTabSz="914400" rtl="0" eaLnBrk="1" latinLnBrk="0" hangingPunct="1">
+        <a:lnSpc>
+          <a:spcPct val="90000"/>
+        </a:lnSpc>
+        <a:spcBef>
+          <a:spcPts val="500"/>
+        </a:spcBef>
+        <a:buFont typeface="Arial" panose="020B0604020202020204" pitchFamily="34" charset="0"/>
+        <a:buChar char="•"/>
+        <a:defRPr sz="1800" kern="1200">
+          <a:solidFill>
+            <a:schemeClr val="tx1"/>
+          </a:solidFill>
+          <a:latin typeface="+mn-lt"/>
+          <a:ea typeface="+mn-ea"/>
+          <a:cs typeface="+mn-cs"/>
+        </a:defRPr>
+      </a:lvl6pPr>
+      <a:lvl7pPr marL="2971800" indent="-228600" algn="l" defTabSz="914400" rtl="0" eaLnBrk="1" latinLnBrk="0" hangingPunct="1">
+        <a:lnSpc>
+          <a:spcPct val="90000"/>
+        </a:lnSpc>
+        <a:spcBef>
+          <a:spcPts val="500"/>
+        </a:spcBef>
+        <a:buFont typeface="Arial" panose="020B0604020202020204" pitchFamily="34" charset="0"/>
+        <a:buChar char="•"/>
+        <a:defRPr sz="1800" kern="1200">
+          <a:solidFill>
+            <a:schemeClr val="tx1"/>
+          </a:solidFill>
+          <a:latin typeface="+mn-lt"/>
+          <a:ea typeface="+mn-ea"/>
+          <a:cs typeface="+mn-cs"/>
+        </a:defRPr>
+      </a:lvl7pPr>
+      <a:lvl8pPr marL="3429000" indent="-228600" algn="l" defTabSz="914400" rtl="0" eaLnBrk="1" latinLnBrk="0" hangingPunct="1">
+        <a:lnSpc>
+          <a:spcPct val="90000"/>
+        </a:lnSpc>
+        <a:spcBef>
+          <a:spcPts val="500"/>
+        </a:spcBef>
+        <a:buFont typeface="Arial" panose="020B0604020202020204" pitchFamily="34" charset="0"/>
+        <a:buChar char="•"/>
+        <a:defRPr sz="1800" kern="1200">
+          <a:solidFill>
+            <a:schemeClr val="tx1"/>
+          </a:solidFill>
+          <a:latin typeface="+mn-lt"/>
+          <a:ea typeface="+mn-ea"/>
+          <a:cs typeface="+mn-cs"/>
+        </a:defRPr>
+      </a:lvl8pPr>
+      <a:lvl9pPr marL="3886200" indent="-228600" algn="l" defTabSz="914400" rtl="0" eaLnBrk="1" latinLnBrk="0" hangingPunct="1">
+        <a:lnSpc>
+          <a:spcPct val="90000"/>
+        </a:lnSpc>
+        <a:spcBef>
+          <a:spcPts val="500"/>
+        </a:spcBef>
+        <a:buFont typeface="Arial" panose="020B0604020202020204" pitchFamily="34" charset="0"/>
+        <a:buChar char="•"/>
+        <a:defRPr sz="1800" kern="1200">
+          <a:solidFill>
+            <a:schemeClr val="tx1"/>
+          </a:solidFill>
+          <a:latin typeface="+mn-lt"/>
+          <a:ea typeface="+mn-ea"/>
+          <a:cs typeface="+mn-cs"/>
+        </a:defRPr>
+      </a:lvl9pPr>
+    </p:bodyStyle>
+    <p:otherStyle>
+      <a:defPPr>
+        <a:defRPr lang="en-US"/>
+      </a:defPPr>
+      <a:lvl1pPr marL="0" algn="l" defTabSz="914400" rtl="0" eaLnBrk="1" latinLnBrk="0" hangingPunct="1">
+        <a:defRPr sz="1800" kern="1200">
+          <a:solidFill>
+            <a:schemeClr val="tx1"/>
+          </a:solidFill>
+          <a:latin typeface="+mn-lt"/>
+          <a:ea typeface="+mn-ea"/>
+          <a:cs typeface="+mn-cs"/>
+        </a:defRPr>
+      </a:lvl1pPr>
+      <a:lvl2pPr marL="457200" algn="l" defTabSz="914400" rtl="0" eaLnBrk="1" latinLnBrk="0" hangingPunct="1">
+        <a:defRPr sz="1800" kern="1200">
+          <a:solidFill>
+            <a:schemeClr val="tx1"/>
+          </a:solidFill>
+          <a:latin typeface="+mn-lt"/>
+          <a:ea typeface="+mn-ea"/>
+          <a:cs typeface="+mn-cs"/>
+        </a:defRPr>
+      </a:lvl2pPr>
+      <a:lvl3pPr marL="914400" algn="l" defTabSz="914400" rtl="0" eaLnBrk="1" latinLnBrk="0" hangingPunct="1">
+        <a:defRPr sz="1800" kern="1200">
+          <a:solidFill>
+            <a:schemeClr val="tx1"/>
+          </a:solidFill>
+          <a:latin typeface="+mn-lt"/>
+          <a:ea typeface="+mn-ea"/>
+          <a:cs typeface="+mn-cs"/>
+        </a:defRPr>
+      </a:lvl3pPr>
+      <a:lvl4pPr marL="1371600" algn="l" defTabSz="914400" rtl="0" eaLnBrk="1" latinLnBrk="0" hangingPunct="1">
+        <a:defRPr sz="1800" kern="1200">
+          <a:solidFill>
+            <a:schemeClr val="tx1"/>
+          </a:solidFill>
+          <a:latin typeface="+mn-lt"/>
+          <a:ea typeface="+mn-ea"/>
+          <a:cs typeface="+mn-cs"/>
+        </a:defRPr>
+      </a:lvl4pPr>
+      <a:lvl5pPr marL="1828800" algn="l" defTabSz="914400" rtl="0" eaLnBrk="1" latinLnBrk="0" hangingPunct="1">
+        <a:defRPr sz="1800" kern="1200">
+          <a:solidFill>
+            <a:schemeClr val="tx1"/>
+          </a:solidFill>
+          <a:latin typeface="+mn-lt"/>
+          <a:ea typeface="+mn-ea"/>
+          <a:cs typeface="+mn-cs"/>
+        </a:defRPr>
+      </a:lvl5pPr>
+      <a:lvl6pPr marL="2286000" algn="l" defTabSz="914400" rtl="0" eaLnBrk="1" latinLnBrk="0" hangingPunct="1">
+        <a:defRPr sz="1800" kern="1200">
+          <a:solidFill>
+            <a:schemeClr val="tx1"/>
+          </a:solidFill>
+          <a:latin typeface="+mn-lt"/>
+          <a:ea typeface="+mn-ea"/>
+          <a:cs typeface="+mn-cs"/>
+        </a:defRPr>
+      </a:lvl6pPr>
+      <a:lvl7pPr marL="2743200" algn="l" defTabSz="914400" rtl="0" eaLnBrk="1" latinLnBrk="0" hangingPunct="1">
+        <a:defRPr sz="1800" kern="1200">
+          <a:solidFill>
+            <a:schemeClr val="tx1"/>
+          </a:solidFill>
+          <a:latin typeface="+mn-lt"/>
+          <a:ea typeface="+mn-ea"/>
+          <a:cs typeface="+mn-cs"/>
+        </a:defRPr>
+      </a:lvl7pPr>
+      <a:lvl8pPr marL="3200400" algn="l" defTabSz="914400" rtl="0" eaLnBrk="1" latinLnBrk="0" hangingPunct="1">
+        <a:defRPr sz="1800" kern="1200">
+          <a:solidFill>
+            <a:schemeClr val="tx1"/>
+          </a:solidFill>
+          <a:latin typeface="+mn-lt"/>
+          <a:ea typeface="+mn-ea"/>
+          <a:cs typeface="+mn-cs"/>
+        </a:defRPr>
+      </a:lvl8pPr>
+      <a:lvl9pPr marL="3657600" algn="l" defTabSz="914400" rtl="0" eaLnBrk="1" latinLnBrk="0" hangingPunct="1">
+        <a:defRPr sz="1800" kern="1200">
+          <a:solidFill>
+            <a:schemeClr val="tx1"/>
+          </a:solidFill>
+          <a:latin typeface="+mn-lt"/>
+          <a:ea typeface="+mn-ea"/>
+          <a:cs typeface="+mn-cs"/>
+        </a:defRPr>
+      </a:lvl9pPr>
+    </p:otherStyle>
+  </p:txStyles>
 </p:sldMaster>
 </file>
 
 <file path=ppt/slides/slide1.xml><?xml version="1.0" encoding="utf-8"?>
-<p:sld xmlns:a="http://schemas.openxmlformats.org/drawingml/2006/main" xmlns:p="http://schemas.openxmlformats.org/presentationml/2006/main" xmlns:r="http://schemas.openxmlformats.org/officeDocument/2006/relationships" xmlns:p14="http://schemas.microsoft.com/office/powerpoint/2010/main" xmlns:p15="http://schemas.microsoft.com/office/powerpoint/2012/main" xmlns:mc="http://schemas.openxmlformats.org/markup-compatibility/2006">
+<p:sld xmlns:a="http://schemas.openxmlformats.org/drawingml/2006/main" xmlns:r="http://schemas.openxmlformats.org/officeDocument/2006/relationships" xmlns:p="http://schemas.openxmlformats.org/presentationml/2006/main">
   <p:cSld>
     <p:spTree>
       <p:nvGrpSpPr>
@@ -1660,7 +2086,7 @@
             <a:avLst/>
           </a:prstGeom>
           <a:solidFill>
-            <a:srgbClr val="99cc99"/>
+            <a:srgbClr val="99CC99"/>
           </a:solidFill>
           <a:ln>
             <a:solidFill>
@@ -1668,7 +2094,7 @@
             </a:solidFill>
           </a:ln>
           <a:effectLst>
-            <a:outerShdw dir="2700000" dist="101823">
+            <a:outerShdw dist="101823" dir="2700000">
               <a:srgbClr val="808080"/>
             </a:outerShdw>
           </a:effectLst>
@@ -1688,9 +2114,10 @@
           <a:fontRef idx="minor"/>
         </p:style>
         <p:txBody>
-          <a:bodyPr lIns="90000" rIns="90000" tIns="45000" bIns="45000">
+          <a:bodyPr lIns="90000" tIns="45000" rIns="90000" bIns="45000">
             <a:noAutofit/>
           </a:bodyPr>
+          <a:lstStyle/>
           <a:p>
             <a:pPr>
               <a:lnSpc>
@@ -1698,7 +2125,7 @@
               </a:lnSpc>
             </a:pPr>
             <a:r>
-              <a:rPr b="0" i="1" lang="en-GB" sz="1600" spc="-1" strike="noStrike">
+              <a:rPr lang="en-GB" sz="1600" b="0" i="1" strike="noStrike" spc="-1">
                 <a:solidFill>
                   <a:srgbClr val="336633"/>
                 </a:solidFill>
@@ -1707,7 +2134,7 @@
               </a:rPr>
               <a:t>App Specific Event </a:t>
             </a:r>
-            <a:endParaRPr b="0" lang="en-US" sz="1600" spc="-1" strike="noStrike">
+            <a:endParaRPr lang="en-US" sz="1600" b="0" strike="noStrike" spc="-1">
               <a:latin typeface="Arial"/>
             </a:endParaRPr>
           </a:p>
@@ -1718,7 +2145,7 @@
               </a:lnSpc>
             </a:pPr>
             <a:r>
-              <a:rPr b="0" i="1" lang="en-GB" sz="1600" spc="-1" strike="noStrike">
+              <a:rPr lang="en-GB" sz="1600" b="0" i="1" strike="noStrike" spc="-1">
                 <a:solidFill>
                   <a:srgbClr val="336633"/>
                 </a:solidFill>
@@ -1727,7 +2154,7 @@
               </a:rPr>
               <a:t>Subscribers</a:t>
             </a:r>
-            <a:endParaRPr b="0" lang="en-US" sz="1600" spc="-1" strike="noStrike">
+            <a:endParaRPr lang="en-US" sz="1600" b="0" strike="noStrike" spc="-1">
               <a:latin typeface="Arial"/>
             </a:endParaRPr>
           </a:p>
@@ -1750,21 +2177,21 @@
           <a:gradFill rotWithShape="0">
             <a:gsLst>
               <a:gs pos="0">
-                <a:srgbClr val="abbddb"/>
+                <a:srgbClr val="ABBDDB"/>
               </a:gs>
               <a:gs pos="100000">
-                <a:srgbClr val="9db2d4"/>
+                <a:srgbClr val="9DB2D4"/>
               </a:gs>
             </a:gsLst>
             <a:lin ang="5400000"/>
           </a:gradFill>
           <a:ln>
             <a:solidFill>
-              <a:srgbClr val="4f81bd"/>
+              <a:srgbClr val="4F81BD"/>
             </a:solidFill>
           </a:ln>
           <a:effectLst>
-            <a:outerShdw blurRad="40000" dir="5400000" dist="20160" rotWithShape="0">
+            <a:outerShdw blurRad="40000" dist="20160" dir="5400000" rotWithShape="0">
               <a:srgbClr val="000000">
                 <a:alpha val="38000"/>
               </a:srgbClr>
@@ -1784,9 +2211,10 @@
           <a:fontRef idx="minor"/>
         </p:style>
         <p:txBody>
-          <a:bodyPr lIns="90000" rIns="90000" tIns="45000" bIns="45000">
+          <a:bodyPr lIns="90000" tIns="45000" rIns="90000" bIns="45000">
             <a:noAutofit/>
           </a:bodyPr>
+          <a:lstStyle/>
           <a:p>
             <a:pPr>
               <a:lnSpc>
@@ -1794,16 +2222,16 @@
               </a:lnSpc>
             </a:pPr>
             <a:r>
-              <a:rPr b="0" lang="en-GB" sz="1600" spc="-1" strike="noStrike">
-                <a:solidFill>
-                  <a:srgbClr val="1f497d"/>
+              <a:rPr lang="en-GB" sz="1600" b="0" strike="noStrike" spc="-1">
+                <a:solidFill>
+                  <a:srgbClr val="1F497D"/>
                 </a:solidFill>
                 <a:latin typeface="Calibri"/>
                 <a:ea typeface="DejaVu Sans"/>
               </a:rPr>
               <a:t>Interaction</a:t>
             </a:r>
-            <a:endParaRPr b="0" lang="en-US" sz="1600" spc="-1" strike="noStrike">
+            <a:endParaRPr lang="en-US" sz="1600" b="0" strike="noStrike" spc="-1">
               <a:latin typeface="Arial"/>
             </a:endParaRPr>
           </a:p>
@@ -1826,7 +2254,7 @@
           <a:gradFill rotWithShape="0">
             <a:gsLst>
               <a:gs pos="0">
-                <a:srgbClr val="9d9d9d"/>
+                <a:srgbClr val="9D9D9D"/>
               </a:gs>
               <a:gs pos="100000">
                 <a:srgbClr val="909090"/>
@@ -1840,7 +2268,7 @@
             </a:solidFill>
           </a:ln>
           <a:effectLst>
-            <a:outerShdw blurRad="40000" dir="5400000" dist="20160" rotWithShape="0">
+            <a:outerShdw blurRad="40000" dist="20160" dir="5400000" rotWithShape="0">
               <a:srgbClr val="000000">
                 <a:alpha val="38000"/>
               </a:srgbClr>
@@ -1860,9 +2288,10 @@
           <a:fontRef idx="minor"/>
         </p:style>
         <p:txBody>
-          <a:bodyPr lIns="90000" rIns="90000" tIns="45000" bIns="45000" anchor="ctr">
+          <a:bodyPr lIns="90000" tIns="45000" rIns="90000" bIns="45000" anchor="ctr">
             <a:noAutofit/>
           </a:bodyPr>
+          <a:lstStyle/>
           <a:p>
             <a:pPr algn="ctr">
               <a:lnSpc>
@@ -1870,16 +2299,16 @@
               </a:lnSpc>
             </a:pPr>
             <a:r>
-              <a:rPr b="0" lang="en-GB" sz="1600" spc="-1" strike="noStrike">
-                <a:solidFill>
-                  <a:srgbClr val="ffffff"/>
+              <a:rPr lang="en-GB" sz="1600" b="0" strike="noStrike" spc="-1">
+                <a:solidFill>
+                  <a:srgbClr val="FFFFFF"/>
                 </a:solidFill>
                 <a:latin typeface="Calibri"/>
                 <a:ea typeface="DejaVu Sans"/>
               </a:rPr>
               <a:t>Command</a:t>
             </a:r>
-            <a:endParaRPr b="0" lang="en-US" sz="1600" spc="-1" strike="noStrike">
+            <a:endParaRPr lang="en-US" sz="1600" b="0" strike="noStrike" spc="-1">
               <a:latin typeface="Arial"/>
             </a:endParaRPr>
           </a:p>
@@ -1889,7 +2318,7 @@
                 <a:spcPct val="100000"/>
               </a:lnSpc>
             </a:pPr>
-            <a:endParaRPr b="0" lang="en-US" sz="1600" spc="-1" strike="noStrike">
+            <a:endParaRPr lang="en-US" sz="1600" b="0" strike="noStrike" spc="-1">
               <a:latin typeface="Arial"/>
             </a:endParaRPr>
           </a:p>
@@ -1900,16 +2329,16 @@
               </a:lnSpc>
             </a:pPr>
             <a:r>
-              <a:rPr b="0" lang="en-GB" sz="1200" spc="-1" strike="noStrike">
-                <a:solidFill>
-                  <a:srgbClr val="ffffff"/>
+              <a:rPr lang="en-GB" sz="1200" b="0" strike="noStrike" spc="-1">
+                <a:solidFill>
+                  <a:srgbClr val="FFFFFF"/>
                 </a:solidFill>
                 <a:latin typeface="Calibri"/>
                 <a:ea typeface="DejaVu Sans"/>
               </a:rPr>
               <a:t>(intention to execute)</a:t>
             </a:r>
-            <a:endParaRPr b="0" lang="en-US" sz="1200" spc="-1" strike="noStrike">
+            <a:endParaRPr lang="en-US" sz="1200" b="0" strike="noStrike" spc="-1">
               <a:latin typeface="Arial"/>
             </a:endParaRPr>
           </a:p>
@@ -1930,11 +2359,11 @@
             <a:avLst/>
           </a:prstGeom>
           <a:solidFill>
-            <a:srgbClr val="4f81bd"/>
+            <a:srgbClr val="4F81BD"/>
           </a:solidFill>
           <a:ln>
             <a:solidFill>
-              <a:srgbClr val="3a5f8b"/>
+              <a:srgbClr val="3A5F8B"/>
             </a:solidFill>
           </a:ln>
         </p:spPr>
@@ -1953,9 +2382,10 @@
           <a:fontRef idx="minor"/>
         </p:style>
         <p:txBody>
-          <a:bodyPr lIns="90000" rIns="90000" tIns="45000" bIns="45000" anchor="ctr">
+          <a:bodyPr lIns="90000" tIns="45000" rIns="90000" bIns="45000" anchor="ctr">
             <a:noAutofit/>
           </a:bodyPr>
+          <a:lstStyle/>
           <a:p>
             <a:pPr algn="ctr">
               <a:lnSpc>
@@ -1963,9 +2393,9 @@
               </a:lnSpc>
             </a:pPr>
             <a:r>
-              <a:rPr b="0" lang="en-GB" sz="1600" spc="-1" strike="noStrike">
-                <a:solidFill>
-                  <a:srgbClr val="ffffff"/>
+              <a:rPr lang="en-GB" sz="1600" b="0" strike="noStrike" spc="-1">
+                <a:solidFill>
+                  <a:srgbClr val="FFFFFF"/>
                 </a:solidFill>
                 <a:latin typeface="Calibri"/>
                 <a:ea typeface="DejaVu Sans"/>
@@ -1974,16 +2404,16 @@
             </a:r>
             <a:br/>
             <a:r>
-              <a:rPr b="0" lang="en-GB" sz="1600" spc="-1" strike="noStrike">
-                <a:solidFill>
-                  <a:srgbClr val="ffffff"/>
+              <a:rPr lang="en-GB" sz="1600" b="0" strike="noStrike" spc="-1">
+                <a:solidFill>
+                  <a:srgbClr val="FFFFFF"/>
                 </a:solidFill>
                 <a:latin typeface="Calibri"/>
                 <a:ea typeface="DejaVu Sans"/>
               </a:rPr>
               <a:t>Execution</a:t>
             </a:r>
-            <a:endParaRPr b="0" lang="en-US" sz="1600" spc="-1" strike="noStrike">
+            <a:endParaRPr lang="en-US" sz="1600" b="0" strike="noStrike" spc="-1">
               <a:latin typeface="Arial"/>
             </a:endParaRPr>
           </a:p>
@@ -1993,7 +2423,7 @@
                 <a:spcPct val="100000"/>
               </a:lnSpc>
             </a:pPr>
-            <a:endParaRPr b="0" lang="en-US" sz="1600" spc="-1" strike="noStrike">
+            <a:endParaRPr lang="en-US" sz="1600" b="0" strike="noStrike" spc="-1">
               <a:latin typeface="Arial"/>
             </a:endParaRPr>
           </a:p>
@@ -2004,9 +2434,9 @@
               </a:lnSpc>
             </a:pPr>
             <a:r>
-              <a:rPr b="0" lang="en-GB" sz="1200" spc="-1" strike="noStrike">
-                <a:solidFill>
-                  <a:srgbClr val="ffffff"/>
+              <a:rPr lang="en-GB" sz="1200" b="0" strike="noStrike" spc="-1">
+                <a:solidFill>
+                  <a:srgbClr val="FFFFFF"/>
                 </a:solidFill>
                 <a:latin typeface="Calibri"/>
                 <a:ea typeface="DejaVu Sans"/>
@@ -2015,9 +2445,9 @@
             </a:r>
             <a:br/>
             <a:r>
-              <a:rPr b="0" lang="en-GB" sz="1200" spc="-1" strike="noStrike">
-                <a:solidFill>
-                  <a:srgbClr val="ffffff"/>
+              <a:rPr lang="en-GB" sz="1200" b="0" strike="noStrike" spc="-1">
+                <a:solidFill>
+                  <a:srgbClr val="FFFFFF"/>
                 </a:solidFill>
                 <a:latin typeface="Calibri"/>
                 <a:ea typeface="DejaVu Sans"/>
@@ -2026,16 +2456,16 @@
             </a:r>
             <a:br/>
             <a:r>
-              <a:rPr b="0" lang="en-GB" sz="1200" spc="-1" strike="noStrike">
-                <a:solidFill>
-                  <a:srgbClr val="ffffff"/>
+              <a:rPr lang="en-GB" sz="1200" b="0" strike="noStrike" spc="-1">
+                <a:solidFill>
+                  <a:srgbClr val="FFFFFF"/>
                 </a:solidFill>
                 <a:latin typeface="Calibri"/>
                 <a:ea typeface="DejaVu Sans"/>
               </a:rPr>
               <a:t>property edit</a:t>
             </a:r>
-            <a:endParaRPr b="0" lang="en-US" sz="1200" spc="-1" strike="noStrike">
+            <a:endParaRPr lang="en-US" sz="1200" b="0" strike="noStrike" spc="-1">
               <a:latin typeface="Arial"/>
             </a:endParaRPr>
           </a:p>
@@ -2079,9 +2509,10 @@
           <a:fontRef idx="minor"/>
         </p:style>
         <p:txBody>
-          <a:bodyPr lIns="90000" rIns="90000" tIns="45000" bIns="45000" anchor="ctr">
+          <a:bodyPr lIns="90000" tIns="45000" rIns="90000" bIns="45000" anchor="ctr">
             <a:noAutofit/>
           </a:bodyPr>
+          <a:lstStyle/>
           <a:p>
             <a:pPr algn="ctr">
               <a:lnSpc>
@@ -2089,16 +2520,16 @@
               </a:lnSpc>
             </a:pPr>
             <a:r>
-              <a:rPr b="0" lang="en-GB" sz="1200" spc="-1" strike="noStrike">
-                <a:solidFill>
-                  <a:srgbClr val="ffffff"/>
+              <a:rPr lang="en-GB" sz="1200" b="0" strike="noStrike" spc="-1">
+                <a:solidFill>
+                  <a:srgbClr val="FFFFFF"/>
                 </a:solidFill>
                 <a:latin typeface="Calibri"/>
                 <a:ea typeface="DejaVu Sans"/>
               </a:rPr>
               <a:t>Abstract</a:t>
             </a:r>
-            <a:endParaRPr b="0" lang="en-US" sz="1200" spc="-1" strike="noStrike">
+            <a:endParaRPr lang="en-US" sz="1200" b="0" strike="noStrike" spc="-1">
               <a:latin typeface="Arial"/>
             </a:endParaRPr>
           </a:p>
@@ -2109,16 +2540,16 @@
               </a:lnSpc>
             </a:pPr>
             <a:r>
-              <a:rPr b="0" lang="en-GB" sz="1200" spc="-1" strike="noStrike">
-                <a:solidFill>
-                  <a:srgbClr val="ffffff"/>
+              <a:rPr lang="en-GB" sz="1200" b="0" strike="noStrike" spc="-1">
+                <a:solidFill>
+                  <a:srgbClr val="FFFFFF"/>
                 </a:solidFill>
                 <a:latin typeface="Calibri"/>
                 <a:ea typeface="DejaVu Sans"/>
               </a:rPr>
               <a:t>LifecycleEvent</a:t>
             </a:r>
-            <a:endParaRPr b="0" lang="en-US" sz="1200" spc="-1" strike="noStrike">
+            <a:endParaRPr lang="en-US" sz="1200" b="0" strike="noStrike" spc="-1">
               <a:latin typeface="Arial"/>
             </a:endParaRPr>
           </a:p>
@@ -2160,9 +2591,10 @@
           <a:fontRef idx="minor"/>
         </p:style>
         <p:txBody>
-          <a:bodyPr lIns="90000" rIns="90000" tIns="45000" bIns="45000">
+          <a:bodyPr lIns="90000" tIns="45000" rIns="90000" bIns="45000">
             <a:noAutofit/>
           </a:bodyPr>
+          <a:lstStyle/>
           <a:p>
             <a:pPr>
               <a:lnSpc>
@@ -2170,7 +2602,7 @@
               </a:lnSpc>
             </a:pPr>
             <a:r>
-              <a:rPr b="0" i="1" lang="en-GB" sz="1600" spc="-1" strike="noStrike">
+              <a:rPr lang="en-GB" sz="1600" b="0" i="1" strike="noStrike" spc="-1">
                 <a:solidFill>
                   <a:srgbClr val="663399"/>
                 </a:solidFill>
@@ -2179,7 +2611,7 @@
               </a:rPr>
               <a:t>EntityChangeTracker</a:t>
             </a:r>
-            <a:endParaRPr b="0" lang="en-US" sz="1600" spc="-1" strike="noStrike">
+            <a:endParaRPr lang="en-US" sz="1600" b="0" strike="noStrike" spc="-1">
               <a:latin typeface="Arial"/>
             </a:endParaRPr>
           </a:p>
@@ -2223,9 +2655,10 @@
           <a:fontRef idx="minor"/>
         </p:style>
         <p:txBody>
-          <a:bodyPr lIns="90000" rIns="90000" tIns="45000" bIns="45000" anchor="ctr">
+          <a:bodyPr lIns="90000" tIns="45000" rIns="90000" bIns="45000" anchor="ctr">
             <a:noAutofit/>
           </a:bodyPr>
+          <a:lstStyle/>
           <a:p>
             <a:pPr algn="ctr">
               <a:lnSpc>
@@ -2233,16 +2666,16 @@
               </a:lnSpc>
             </a:pPr>
             <a:r>
-              <a:rPr b="0" lang="en-GB" sz="1600" spc="-1" strike="noStrike">
-                <a:solidFill>
-                  <a:srgbClr val="ffffff"/>
+              <a:rPr lang="en-GB" sz="1600" b="0" strike="noStrike" spc="-1">
+                <a:solidFill>
+                  <a:srgbClr val="FFFFFF"/>
                 </a:solidFill>
                 <a:latin typeface="Calibri"/>
                 <a:ea typeface="Courier New"/>
               </a:rPr>
               <a:t>Entity Change Records</a:t>
             </a:r>
-            <a:endParaRPr b="0" lang="en-US" sz="1600" spc="-1" strike="noStrike">
+            <a:endParaRPr lang="en-US" sz="1600" b="0" strike="noStrike" spc="-1">
               <a:latin typeface="Arial"/>
             </a:endParaRPr>
           </a:p>
@@ -2268,15 +2701,22 @@
           </a:ln>
         </p:spPr>
         <p:style>
-          <a:lnRef idx="0"/>
-          <a:fillRef idx="0"/>
-          <a:effectRef idx="0"/>
+          <a:lnRef idx="0">
+            <a:scrgbClr r="0" g="0" b="0"/>
+          </a:lnRef>
+          <a:fillRef idx="0">
+            <a:scrgbClr r="0" g="0" b="0"/>
+          </a:fillRef>
+          <a:effectRef idx="0">
+            <a:scrgbClr r="0" g="0" b="0"/>
+          </a:effectRef>
           <a:fontRef idx="minor"/>
         </p:style>
         <p:txBody>
-          <a:bodyPr wrap="none" lIns="90000" rIns="90000" tIns="45000" bIns="45000">
+          <a:bodyPr wrap="none" lIns="90000" tIns="45000" rIns="90000" bIns="45000">
             <a:spAutoFit/>
           </a:bodyPr>
+          <a:lstStyle/>
           <a:p>
             <a:pPr>
               <a:lnSpc>
@@ -2284,9 +2724,9 @@
               </a:lnSpc>
             </a:pPr>
             <a:r>
-              <a:rPr b="0" lang="en-GB" sz="1100" spc="-1" strike="noStrike">
-                <a:solidFill>
-                  <a:srgbClr val="f79646"/>
+              <a:rPr lang="en-GB" sz="1100" b="0" strike="noStrike" spc="-1">
+                <a:solidFill>
+                  <a:srgbClr val="F79646"/>
                 </a:solidFill>
                 <a:latin typeface="Calibri"/>
                 <a:ea typeface="DejaVu Sans"/>
@@ -2294,9 +2734,9 @@
               <a:t>enlist</a:t>
             </a:r>
             <a:r>
-              <a:rPr b="0" lang="en-GB" sz="1100" spc="-1" strike="noStrike" baseline="33000">
-                <a:solidFill>
-                  <a:srgbClr val="f79646"/>
+              <a:rPr lang="en-GB" sz="1100" b="0" strike="noStrike" spc="-1" baseline="33000">
+                <a:solidFill>
+                  <a:srgbClr val="F79646"/>
                 </a:solidFill>
                 <a:latin typeface="Calibri"/>
                 <a:ea typeface="DejaVu Sans"/>
@@ -2304,16 +2744,16 @@
               <a:t>3</a:t>
             </a:r>
             <a:r>
-              <a:rPr b="0" lang="en-GB" sz="1100" spc="-1" strike="noStrike">
-                <a:solidFill>
-                  <a:srgbClr val="f79646"/>
+              <a:rPr lang="en-GB" sz="1100" b="0" strike="noStrike" spc="-1">
+                <a:solidFill>
+                  <a:srgbClr val="F79646"/>
                 </a:solidFill>
                 <a:latin typeface="Calibri"/>
                 <a:ea typeface="DejaVu Sans"/>
               </a:rPr>
               <a:t> entities as they are modified</a:t>
             </a:r>
-            <a:endParaRPr b="0" lang="en-US" sz="1100" spc="-1" strike="noStrike">
+            <a:endParaRPr lang="en-US" sz="1100" b="0" strike="noStrike" spc="-1">
               <a:latin typeface="Arial"/>
             </a:endParaRPr>
           </a:p>
@@ -2336,7 +2776,7 @@
           <a:noFill/>
           <a:ln>
             <a:solidFill>
-              <a:srgbClr val="3a5f8b"/>
+              <a:srgbClr val="3A5F8B"/>
             </a:solidFill>
           </a:ln>
         </p:spPr>
@@ -2355,9 +2795,10 @@
           <a:fontRef idx="minor"/>
         </p:style>
         <p:txBody>
-          <a:bodyPr lIns="90000" rIns="90000" tIns="45000" bIns="45000">
+          <a:bodyPr lIns="90000" tIns="45000" rIns="90000" bIns="45000">
             <a:noAutofit/>
           </a:bodyPr>
+          <a:lstStyle/>
           <a:p>
             <a:pPr>
               <a:lnSpc>
@@ -2365,16 +2806,16 @@
               </a:lnSpc>
             </a:pPr>
             <a:r>
-              <a:rPr b="0" i="1" lang="en-GB" sz="1600" spc="-1" strike="noStrike">
-                <a:solidFill>
-                  <a:srgbClr val="1f497d"/>
+              <a:rPr lang="en-GB" sz="1600" b="0" i="1" strike="noStrike" spc="-1">
+                <a:solidFill>
+                  <a:srgbClr val="1F497D"/>
                 </a:solidFill>
                 <a:latin typeface="Calibri"/>
                 <a:ea typeface="DejaVu Sans"/>
               </a:rPr>
               <a:t>InteractionContext</a:t>
             </a:r>
-            <a:endParaRPr b="0" lang="en-US" sz="1600" spc="-1" strike="noStrike">
+            <a:endParaRPr lang="en-US" sz="1600" b="0" strike="noStrike" spc="-1">
               <a:latin typeface="Arial"/>
             </a:endParaRPr>
           </a:p>
@@ -2395,7 +2836,7 @@
             <a:avLst/>
           </a:prstGeom>
           <a:solidFill>
-            <a:srgbClr val="ffffff"/>
+            <a:srgbClr val="FFFFFF"/>
           </a:solidFill>
           <a:ln>
             <a:solidFill>
@@ -2416,9 +2857,10 @@
           <a:fontRef idx="minor"/>
         </p:style>
         <p:txBody>
-          <a:bodyPr lIns="90000" rIns="90000" tIns="45000" bIns="45000">
+          <a:bodyPr lIns="90000" tIns="45000" rIns="90000" bIns="45000">
             <a:noAutofit/>
           </a:bodyPr>
+          <a:lstStyle/>
           <a:p>
             <a:pPr>
               <a:lnSpc>
@@ -2426,7 +2868,7 @@
               </a:lnSpc>
             </a:pPr>
             <a:r>
-              <a:rPr b="0" i="1" lang="en-GB" sz="1200" spc="-1" strike="noStrike">
+              <a:rPr lang="en-GB" sz="1200" b="0" i="1" strike="noStrike" spc="-1">
                 <a:solidFill>
                   <a:srgbClr val="336699"/>
                 </a:solidFill>
@@ -2435,7 +2877,7 @@
               </a:rPr>
               <a:t>Execution</a:t>
             </a:r>
-            <a:endParaRPr b="0" lang="en-US" sz="1200" spc="-1" strike="noStrike">
+            <a:endParaRPr lang="en-US" sz="1200" b="0" strike="noStrike" spc="-1">
               <a:latin typeface="Arial"/>
             </a:endParaRPr>
           </a:p>
@@ -2446,7 +2888,7 @@
               </a:lnSpc>
             </a:pPr>
             <a:r>
-              <a:rPr b="0" i="1" lang="en-GB" sz="1600" spc="-1" strike="noStrike">
+              <a:rPr lang="en-GB" sz="1600" b="0" i="1" strike="noStrike" spc="-1">
                 <a:solidFill>
                   <a:srgbClr val="336699"/>
                 </a:solidFill>
@@ -2456,7 +2898,7 @@
               <a:t>Publisher</a:t>
             </a:r>
             <a:br/>
-            <a:endParaRPr b="0" lang="en-US" sz="1600" spc="-1" strike="noStrike">
+            <a:endParaRPr lang="en-US" sz="1600" b="0" strike="noStrike" spc="-1">
               <a:latin typeface="Arial"/>
             </a:endParaRPr>
           </a:p>
@@ -2477,11 +2919,11 @@
             <a:avLst/>
           </a:prstGeom>
           <a:solidFill>
-            <a:srgbClr val="ffffff"/>
+            <a:srgbClr val="FFFFFF"/>
           </a:solidFill>
           <a:ln>
             <a:solidFill>
-              <a:srgbClr val="8064a2"/>
+              <a:srgbClr val="8064A2"/>
             </a:solidFill>
           </a:ln>
         </p:spPr>
@@ -2498,9 +2940,10 @@
           <a:fontRef idx="minor"/>
         </p:style>
         <p:txBody>
-          <a:bodyPr lIns="90000" rIns="90000" tIns="45000" bIns="45000">
+          <a:bodyPr lIns="90000" tIns="45000" rIns="90000" bIns="45000">
             <a:noAutofit/>
           </a:bodyPr>
+          <a:lstStyle/>
           <a:p>
             <a:pPr>
               <a:lnSpc>
@@ -2508,16 +2951,16 @@
               </a:lnSpc>
             </a:pPr>
             <a:r>
-              <a:rPr b="0" i="1" lang="en-GB" sz="1200" spc="-1" strike="noStrike">
-                <a:solidFill>
-                  <a:srgbClr val="8064a2"/>
+              <a:rPr lang="en-GB" sz="1200" b="0" i="1" strike="noStrike" spc="-1">
+                <a:solidFill>
+                  <a:srgbClr val="8064A2"/>
                 </a:solidFill>
                 <a:latin typeface="Calibri"/>
                 <a:ea typeface="DejaVu Sans"/>
               </a:rPr>
               <a:t>EntityPropertyChange</a:t>
             </a:r>
-            <a:endParaRPr b="0" lang="en-US" sz="1200" spc="-1" strike="noStrike">
+            <a:endParaRPr lang="en-US" sz="1200" b="0" strike="noStrike" spc="-1">
               <a:latin typeface="Arial"/>
             </a:endParaRPr>
           </a:p>
@@ -2528,16 +2971,16 @@
               </a:lnSpc>
             </a:pPr>
             <a:r>
-              <a:rPr b="0" i="1" lang="en-GB" sz="1600" spc="-1" strike="noStrike">
-                <a:solidFill>
-                  <a:srgbClr val="8064a2"/>
+              <a:rPr lang="en-GB" sz="1600" b="0" i="1" strike="noStrike" spc="-1">
+                <a:solidFill>
+                  <a:srgbClr val="8064A2"/>
                 </a:solidFill>
                 <a:latin typeface="Calibri"/>
                 <a:ea typeface="DejaVu Sans"/>
               </a:rPr>
               <a:t>Publisher</a:t>
             </a:r>
-            <a:endParaRPr b="0" lang="en-US" sz="1600" spc="-1" strike="noStrike">
+            <a:endParaRPr lang="en-US" sz="1600" b="0" strike="noStrike" spc="-1">
               <a:latin typeface="Arial"/>
             </a:endParaRPr>
           </a:p>
@@ -2552,7 +2995,7 @@
         <p:spPr>
           <a:xfrm>
             <a:off x="6179760" y="233280"/>
-            <a:ext cx="1519200" cy="591840"/>
+            <a:ext cx="1584642" cy="598710"/>
           </a:xfrm>
           <a:prstGeom prst="rect">
             <a:avLst/>
@@ -2563,15 +3006,22 @@
           </a:ln>
         </p:spPr>
         <p:style>
-          <a:lnRef idx="0"/>
-          <a:fillRef idx="0"/>
-          <a:effectRef idx="0"/>
+          <a:lnRef idx="0">
+            <a:scrgbClr r="0" g="0" b="0"/>
+          </a:lnRef>
+          <a:fillRef idx="0">
+            <a:scrgbClr r="0" g="0" b="0"/>
+          </a:fillRef>
+          <a:effectRef idx="0">
+            <a:scrgbClr r="0" g="0" b="0"/>
+          </a:effectRef>
           <a:fontRef idx="minor"/>
         </p:style>
         <p:txBody>
-          <a:bodyPr wrap="none" lIns="90000" rIns="90000" tIns="45000" bIns="45000">
+          <a:bodyPr wrap="none" lIns="90000" tIns="45000" rIns="90000" bIns="45000">
             <a:spAutoFit/>
           </a:bodyPr>
+          <a:lstStyle/>
           <a:p>
             <a:pPr>
               <a:lnSpc>
@@ -2579,7 +3029,7 @@
               </a:lnSpc>
             </a:pPr>
             <a:r>
-              <a:rPr b="0" lang="en-GB" sz="1100" spc="-1" strike="noStrike">
+              <a:rPr lang="en-GB" sz="1100" b="0" strike="noStrike" spc="-1">
                 <a:solidFill>
                   <a:srgbClr val="336699"/>
                 </a:solidFill>
@@ -2589,37 +3039,37 @@
               <a:t>publish</a:t>
             </a:r>
             <a:r>
-              <a:rPr b="0" lang="en-GB" sz="1100" spc="-1" strike="noStrike" baseline="33000">
+              <a:rPr lang="en-GB" sz="1100" b="0" strike="noStrike" spc="-1" baseline="33000">
+                <a:solidFill>
+                  <a:srgbClr val="666666"/>
+                </a:solidFill>
+                <a:latin typeface="Calibri"/>
+                <a:ea typeface="DejaVu Sans"/>
+              </a:rPr>
+              <a:t>2</a:t>
+            </a:r>
+            <a:r>
+              <a:rPr lang="en-GB" sz="1100" b="0" strike="noStrike" spc="-1">
                 <a:solidFill>
                   <a:srgbClr val="336699"/>
                 </a:solidFill>
                 <a:latin typeface="Calibri"/>
                 <a:ea typeface="DejaVu Sans"/>
               </a:rPr>
-              <a:t>1</a:t>
-            </a:r>
-            <a:r>
-              <a:rPr b="0" lang="en-GB" sz="1100" spc="-1" strike="noStrike">
+              <a:t> each execution</a:t>
+            </a:r>
+            <a:br/>
+            <a:r>
+              <a:rPr lang="en-GB" sz="1100" b="0" strike="noStrike" spc="-1">
                 <a:solidFill>
                   <a:srgbClr val="336699"/>
                 </a:solidFill>
                 <a:latin typeface="Calibri"/>
                 <a:ea typeface="DejaVu Sans"/>
               </a:rPr>
-              <a:t> each execution</a:t>
-            </a:r>
-            <a:br/>
-            <a:r>
-              <a:rPr b="0" lang="en-GB" sz="1100" spc="-1" strike="noStrike">
-                <a:solidFill>
-                  <a:srgbClr val="336699"/>
-                </a:solidFill>
-                <a:latin typeface="Calibri"/>
-                <a:ea typeface="DejaVu Sans"/>
-              </a:rPr>
               <a:t>immediately when it</a:t>
             </a:r>
-            <a:endParaRPr b="0" lang="en-US" sz="1100" spc="-1" strike="noStrike">
+            <a:endParaRPr lang="en-US" sz="1100" b="0" strike="noStrike" spc="-1">
               <a:latin typeface="Arial"/>
             </a:endParaRPr>
           </a:p>
@@ -2630,7 +3080,7 @@
               </a:lnSpc>
             </a:pPr>
             <a:r>
-              <a:rPr b="0" lang="en-GB" sz="1100" spc="-1" strike="noStrike">
+              <a:rPr lang="en-GB" sz="1100" b="0" strike="noStrike" spc="-1">
                 <a:solidFill>
                   <a:srgbClr val="336699"/>
                 </a:solidFill>
@@ -2639,7 +3089,7 @@
               </a:rPr>
               <a:t>completes</a:t>
             </a:r>
-            <a:endParaRPr b="0" lang="en-US" sz="1100" spc="-1" strike="noStrike">
+            <a:endParaRPr lang="en-US" sz="1100" b="0" strike="noStrike" spc="-1">
               <a:latin typeface="Arial"/>
             </a:endParaRPr>
           </a:p>
@@ -2665,7 +3115,7 @@
               <a:schemeClr val="accent4"/>
             </a:solidFill>
             <a:prstDash val="sysDash"/>
-            <a:tailEnd len="med" type="triangle" w="med"/>
+            <a:tailEnd type="triangle" w="med" len="med"/>
           </a:ln>
         </p:spPr>
         <p:style>
@@ -2701,15 +3151,22 @@
           </a:ln>
         </p:spPr>
         <p:style>
-          <a:lnRef idx="0"/>
-          <a:fillRef idx="0"/>
-          <a:effectRef idx="0"/>
+          <a:lnRef idx="0">
+            <a:scrgbClr r="0" g="0" b="0"/>
+          </a:lnRef>
+          <a:fillRef idx="0">
+            <a:scrgbClr r="0" g="0" b="0"/>
+          </a:fillRef>
+          <a:effectRef idx="0">
+            <a:scrgbClr r="0" g="0" b="0"/>
+          </a:effectRef>
           <a:fontRef idx="minor"/>
         </p:style>
         <p:txBody>
-          <a:bodyPr wrap="none" lIns="90000" rIns="90000" tIns="45000" bIns="45000">
+          <a:bodyPr wrap="none" lIns="90000" tIns="45000" rIns="90000" bIns="45000">
             <a:spAutoFit/>
           </a:bodyPr>
+          <a:lstStyle/>
           <a:p>
             <a:pPr>
               <a:lnSpc>
@@ -2717,9 +3174,9 @@
               </a:lnSpc>
             </a:pPr>
             <a:r>
-              <a:rPr b="0" lang="en-GB" sz="1100" spc="-1" strike="noStrike">
-                <a:solidFill>
-                  <a:srgbClr val="8064a2"/>
+              <a:rPr lang="en-GB" sz="1100" b="0" strike="noStrike" spc="-1">
+                <a:solidFill>
+                  <a:srgbClr val="8064A2"/>
                 </a:solidFill>
                 <a:latin typeface="Calibri"/>
                 <a:ea typeface="DejaVu Sans"/>
@@ -2728,16 +3185,16 @@
             </a:r>
             <a:br/>
             <a:r>
-              <a:rPr b="0" lang="en-GB" sz="1100" spc="-1" strike="noStrike">
-                <a:solidFill>
-                  <a:srgbClr val="8064a2"/>
+              <a:rPr lang="en-GB" sz="1100" b="0" strike="noStrike" spc="-1">
+                <a:solidFill>
+                  <a:srgbClr val="8064A2"/>
                 </a:solidFill>
                 <a:latin typeface="Calibri"/>
                 <a:ea typeface="DejaVu Sans"/>
               </a:rPr>
               <a:t>during pre-commit</a:t>
             </a:r>
-            <a:endParaRPr b="0" lang="en-US" sz="1100" spc="-1" strike="noStrike">
+            <a:endParaRPr lang="en-US" sz="1100" b="0" strike="noStrike" spc="-1">
               <a:latin typeface="Arial"/>
             </a:endParaRPr>
           </a:p>
@@ -2748,16 +3205,16 @@
               </a:lnSpc>
             </a:pPr>
             <a:r>
-              <a:rPr b="0" lang="en-GB" sz="1100" spc="-1" strike="noStrike">
-                <a:solidFill>
-                  <a:srgbClr val="8064a2"/>
+              <a:rPr lang="en-GB" sz="1100" b="0" strike="noStrike" spc="-1">
+                <a:solidFill>
+                  <a:srgbClr val="8064A2"/>
                 </a:solidFill>
                 <a:latin typeface="Calibri"/>
                 <a:ea typeface="DejaVu Sans"/>
               </a:rPr>
               <a:t>of current transaction</a:t>
             </a:r>
-            <a:endParaRPr b="0" lang="en-US" sz="1100" spc="-1" strike="noStrike">
+            <a:endParaRPr lang="en-US" sz="1100" b="0" strike="noStrike" spc="-1">
               <a:latin typeface="Arial"/>
             </a:endParaRPr>
           </a:p>
@@ -2783,15 +3240,22 @@
           </a:ln>
         </p:spPr>
         <p:style>
-          <a:lnRef idx="0"/>
-          <a:fillRef idx="0"/>
-          <a:effectRef idx="0"/>
+          <a:lnRef idx="0">
+            <a:scrgbClr r="0" g="0" b="0"/>
+          </a:lnRef>
+          <a:fillRef idx="0">
+            <a:scrgbClr r="0" g="0" b="0"/>
+          </a:fillRef>
+          <a:effectRef idx="0">
+            <a:scrgbClr r="0" g="0" b="0"/>
+          </a:effectRef>
           <a:fontRef idx="minor"/>
         </p:style>
         <p:txBody>
-          <a:bodyPr lIns="90000" rIns="90000" tIns="45000" bIns="45000">
+          <a:bodyPr lIns="90000" tIns="45000" rIns="90000" bIns="45000">
             <a:spAutoFit/>
           </a:bodyPr>
+          <a:lstStyle/>
           <a:p>
             <a:pPr algn="ctr">
               <a:lnSpc>
@@ -2799,7 +3263,7 @@
               </a:lnSpc>
             </a:pPr>
             <a:r>
-              <a:rPr b="0" lang="en-GB" sz="1100" spc="-1" strike="noStrike">
+              <a:rPr lang="en-GB" sz="1100" b="0" strike="noStrike" spc="-1">
                 <a:solidFill>
                   <a:srgbClr val="666699"/>
                 </a:solidFill>
@@ -2808,7 +3272,7 @@
               </a:rPr>
               <a:t>broadcast pre- and post-events</a:t>
             </a:r>
-            <a:endParaRPr b="0" lang="en-US" sz="1100" spc="-1" strike="noStrike">
+            <a:endParaRPr lang="en-US" sz="1100" b="0" strike="noStrike" spc="-1">
               <a:latin typeface="Arial"/>
             </a:endParaRPr>
           </a:p>
@@ -2819,7 +3283,7 @@
               </a:lnSpc>
             </a:pPr>
             <a:r>
-              <a:rPr b="0" lang="en-GB" sz="1100" spc="-1" strike="noStrike">
+              <a:rPr lang="en-GB" sz="1100" b="0" strike="noStrike" spc="-1">
                 <a:solidFill>
                   <a:srgbClr val="666699"/>
                 </a:solidFill>
@@ -2828,7 +3292,7 @@
               </a:rPr>
               <a:t>through EventBus</a:t>
             </a:r>
-            <a:endParaRPr b="0" lang="en-US" sz="1100" spc="-1" strike="noStrike">
+            <a:endParaRPr lang="en-US" sz="1100" b="0" strike="noStrike" spc="-1">
               <a:latin typeface="Arial"/>
             </a:endParaRPr>
           </a:p>
@@ -2842,8 +3306,8 @@
         </p:nvSpPr>
         <p:spPr>
           <a:xfrm>
-            <a:off x="6215400" y="1554840"/>
-            <a:ext cx="1340280" cy="424440"/>
+            <a:off x="6215400" y="1609846"/>
+            <a:ext cx="1305976" cy="598710"/>
           </a:xfrm>
           <a:prstGeom prst="rect">
             <a:avLst/>
@@ -2854,15 +3318,22 @@
           </a:ln>
         </p:spPr>
         <p:style>
-          <a:lnRef idx="0"/>
-          <a:fillRef idx="0"/>
-          <a:effectRef idx="0"/>
+          <a:lnRef idx="0">
+            <a:scrgbClr r="0" g="0" b="0"/>
+          </a:lnRef>
+          <a:fillRef idx="0">
+            <a:scrgbClr r="0" g="0" b="0"/>
+          </a:fillRef>
+          <a:effectRef idx="0">
+            <a:scrgbClr r="0" g="0" b="0"/>
+          </a:effectRef>
           <a:fontRef idx="minor"/>
         </p:style>
         <p:txBody>
-          <a:bodyPr wrap="none" lIns="90000" rIns="90000" tIns="45000" bIns="45000">
+          <a:bodyPr wrap="none" lIns="90000" tIns="45000" rIns="90000" bIns="45000">
             <a:spAutoFit/>
           </a:bodyPr>
+          <a:lstStyle/>
           <a:p>
             <a:pPr>
               <a:lnSpc>
@@ -2870,7 +3341,7 @@
               </a:lnSpc>
             </a:pPr>
             <a:r>
-              <a:rPr b="0" lang="en-GB" sz="1100" spc="-1" strike="noStrike">
+              <a:rPr lang="en-GB" sz="1100" b="0" strike="noStrike" spc="-1">
                 <a:solidFill>
                   <a:srgbClr val="666666"/>
                 </a:solidFill>
@@ -2880,26 +3351,26 @@
               <a:t>publish</a:t>
             </a:r>
             <a:r>
-              <a:rPr b="0" lang="en-GB" sz="1100" spc="-1" strike="noStrike" baseline="33000">
+              <a:rPr lang="en-GB" sz="1100" b="0" strike="noStrike" spc="-1" baseline="33000">
+                <a:solidFill>
+                  <a:srgbClr val="336699"/>
+                </a:solidFill>
+                <a:latin typeface="Calibri"/>
+                <a:ea typeface="DejaVu Sans"/>
+              </a:rPr>
+              <a:t>1</a:t>
+            </a:r>
+            <a:r>
+              <a:rPr lang="en-GB" sz="1100" b="0" strike="noStrike" spc="-1">
                 <a:solidFill>
                   <a:srgbClr val="666666"/>
                 </a:solidFill>
                 <a:latin typeface="Calibri"/>
                 <a:ea typeface="DejaVu Sans"/>
               </a:rPr>
-              <a:t>2</a:t>
-            </a:r>
-            <a:r>
-              <a:rPr b="0" lang="en-GB" sz="1100" spc="-1" strike="noStrike">
-                <a:solidFill>
-                  <a:srgbClr val="666666"/>
-                </a:solidFill>
-                <a:latin typeface="Calibri"/>
-                <a:ea typeface="DejaVu Sans"/>
-              </a:rPr>
               <a:t> command</a:t>
             </a:r>
-            <a:endParaRPr b="0" lang="en-US" sz="1100" spc="-1" strike="noStrike">
+            <a:endParaRPr lang="en-US" sz="1100" b="0" strike="noStrike" spc="-1">
               <a:latin typeface="Arial"/>
             </a:endParaRPr>
           </a:p>
@@ -2910,16 +3381,35 @@
               </a:lnSpc>
             </a:pPr>
             <a:r>
-              <a:rPr b="0" lang="en-GB" sz="1100" spc="-1" strike="noStrike">
+              <a:rPr lang="en-GB" sz="1100" b="0" strike="noStrike" spc="-1">
                 <a:solidFill>
                   <a:srgbClr val="666666"/>
                 </a:solidFill>
                 <a:latin typeface="Calibri"/>
                 <a:ea typeface="DejaVu Sans"/>
               </a:rPr>
-              <a:t>at end of interaction</a:t>
-            </a:r>
-            <a:endParaRPr b="0" lang="en-US" sz="1100" spc="-1" strike="noStrike">
+              <a:t>prior to interaction;</a:t>
+            </a:r>
+            <a:br>
+              <a:rPr lang="en-GB" sz="1100" b="0" strike="noStrike" spc="-1">
+                <a:solidFill>
+                  <a:srgbClr val="666666"/>
+                </a:solidFill>
+                <a:latin typeface="Calibri"/>
+                <a:ea typeface="DejaVu Sans"/>
+              </a:rPr>
+            </a:br>
+            <a:r>
+              <a:rPr lang="en-GB" sz="1100" b="0" strike="noStrike" spc="-1">
+                <a:solidFill>
+                  <a:srgbClr val="666666"/>
+                </a:solidFill>
+                <a:latin typeface="Calibri"/>
+                <a:ea typeface="DejaVu Sans"/>
+              </a:rPr>
+              <a:t>update at end</a:t>
+            </a:r>
+            <a:endParaRPr lang="en-US" sz="1100" b="0" strike="noStrike" spc="-1">
               <a:latin typeface="Arial"/>
             </a:endParaRPr>
           </a:p>
@@ -2945,15 +3435,22 @@
           </a:ln>
         </p:spPr>
         <p:style>
-          <a:lnRef idx="0"/>
-          <a:fillRef idx="0"/>
-          <a:effectRef idx="0"/>
+          <a:lnRef idx="0">
+            <a:scrgbClr r="0" g="0" b="0"/>
+          </a:lnRef>
+          <a:fillRef idx="0">
+            <a:scrgbClr r="0" g="0" b="0"/>
+          </a:fillRef>
+          <a:effectRef idx="0">
+            <a:scrgbClr r="0" g="0" b="0"/>
+          </a:effectRef>
           <a:fontRef idx="minor"/>
         </p:style>
         <p:txBody>
-          <a:bodyPr wrap="none" lIns="90000" rIns="90000" tIns="45000" bIns="45000">
+          <a:bodyPr wrap="none" lIns="90000" tIns="45000" rIns="90000" bIns="45000">
             <a:spAutoFit/>
           </a:bodyPr>
+          <a:lstStyle/>
           <a:p>
             <a:pPr algn="ctr">
               <a:lnSpc>
@@ -2961,7 +3458,7 @@
               </a:lnSpc>
             </a:pPr>
             <a:r>
-              <a:rPr b="0" lang="en-GB" sz="1100" spc="-1" strike="noStrike">
+              <a:rPr lang="en-GB" sz="1100" b="0" strike="noStrike" spc="-1">
                 <a:solidFill>
                   <a:srgbClr val="003366"/>
                 </a:solidFill>
@@ -2972,7 +3469,7 @@
             </a:r>
             <a:br/>
             <a:r>
-              <a:rPr b="0" lang="en-GB" sz="1100" spc="-1" strike="noStrike">
+              <a:rPr lang="en-GB" sz="1100" b="0" strike="noStrike" spc="-1">
                 <a:solidFill>
                   <a:srgbClr val="003366"/>
                 </a:solidFill>
@@ -2983,7 +3480,7 @@
             </a:r>
             <a:br/>
             <a:r>
-              <a:rPr b="0" lang="en-GB" sz="1100" spc="-1" strike="noStrike">
+              <a:rPr lang="en-GB" sz="1100" b="0" strike="noStrike" spc="-1">
                 <a:solidFill>
                   <a:srgbClr val="003366"/>
                 </a:solidFill>
@@ -2992,7 +3489,7 @@
               </a:rPr>
               <a:t>WrapperFactory</a:t>
             </a:r>
-            <a:endParaRPr b="0" lang="en-US" sz="1100" spc="-1" strike="noStrike">
+            <a:endParaRPr lang="en-US" sz="1100" b="0" strike="noStrike" spc="-1">
               <a:latin typeface="Arial"/>
             </a:endParaRPr>
           </a:p>
@@ -3020,7 +3517,7 @@
               </a:schemeClr>
             </a:solidFill>
             <a:prstDash val="sysDash"/>
-            <a:tailEnd len="med" type="triangle" w="med"/>
+            <a:tailEnd type="triangle" w="med" len="med"/>
           </a:ln>
         </p:spPr>
         <p:style>
@@ -3043,7 +3540,7 @@
           <p:nvPr/>
         </p:nvSpPr>
         <p:spPr>
-          <a:xfrm flipV="1" rot="5400000">
+          <a:xfrm rot="5400000" flipV="1">
             <a:off x="3855960" y="1239480"/>
             <a:ext cx="1125000" cy="692280"/>
           </a:xfrm>
@@ -3057,10 +3554,10 @@
           <a:noFill/>
           <a:ln w="22225">
             <a:solidFill>
-              <a:srgbClr val="4f81bd"/>
+              <a:srgbClr val="4F81BD"/>
             </a:solidFill>
             <a:prstDash val="sysDash"/>
-            <a:tailEnd len="med" type="triangle" w="med"/>
+            <a:tailEnd type="triangle" w="med" len="med"/>
           </a:ln>
         </p:spPr>
         <p:style>
@@ -3091,6 +3588,7 @@
             <a:avLst/>
             <a:gdLst/>
             <a:ahLst/>
+            <a:cxnLst/>
             <a:rect l="l" t="t" r="r" b="b"/>
             <a:pathLst>
               <a:path w="21600" h="21600">
@@ -3106,9 +3604,9 @@
           <a:noFill/>
           <a:ln>
             <a:solidFill>
-              <a:srgbClr val="4f81bd"/>
+              <a:srgbClr val="4F81BD"/>
             </a:solidFill>
-            <a:tailEnd len="med" type="triangle" w="med"/>
+            <a:tailEnd type="triangle" w="med" len="med"/>
           </a:ln>
         </p:spPr>
         <p:style>
@@ -3141,7 +3639,7 @@
           <a:gradFill rotWithShape="0">
             <a:gsLst>
               <a:gs pos="0">
-                <a:srgbClr val="9d9d9d"/>
+                <a:srgbClr val="9D9D9D"/>
               </a:gs>
               <a:gs pos="100000">
                 <a:srgbClr val="909090"/>
@@ -3155,7 +3653,7 @@
             </a:solidFill>
           </a:ln>
           <a:effectLst>
-            <a:outerShdw blurRad="40000" dir="5400000" dist="20160" rotWithShape="0">
+            <a:outerShdw blurRad="40000" dist="20160" dir="5400000" rotWithShape="0">
               <a:srgbClr val="000000">
                 <a:alpha val="38000"/>
               </a:srgbClr>
@@ -3175,9 +3673,10 @@
           <a:fontRef idx="minor"/>
         </p:style>
         <p:txBody>
-          <a:bodyPr lIns="90000" rIns="90000" tIns="45000" bIns="45000" anchor="ctr">
+          <a:bodyPr lIns="90000" tIns="45000" rIns="90000" bIns="45000" anchor="ctr">
             <a:noAutofit/>
           </a:bodyPr>
+          <a:lstStyle/>
           <a:p>
             <a:pPr algn="ctr">
               <a:lnSpc>
@@ -3185,9 +3684,9 @@
               </a:lnSpc>
             </a:pPr>
             <a:r>
-              <a:rPr b="0" lang="en-GB" sz="1600" spc="-1" strike="noStrike">
-                <a:solidFill>
-                  <a:srgbClr val="ffffff"/>
+              <a:rPr lang="en-GB" sz="1600" b="0" strike="noStrike" spc="-1">
+                <a:solidFill>
+                  <a:srgbClr val="FFFFFF"/>
                 </a:solidFill>
                 <a:latin typeface="Calibri"/>
                 <a:ea typeface="DejaVu Sans"/>
@@ -3196,16 +3695,16 @@
             </a:r>
             <a:br/>
             <a:r>
-              <a:rPr b="0" lang="en-GB" sz="1600" spc="-1" strike="noStrike">
-                <a:solidFill>
-                  <a:srgbClr val="ffffff"/>
+              <a:rPr lang="en-GB" sz="1600" b="0" strike="noStrike" spc="-1">
+                <a:solidFill>
+                  <a:srgbClr val="FFFFFF"/>
                 </a:solidFill>
                 <a:latin typeface="Calibri"/>
                 <a:ea typeface="DejaVu Sans"/>
               </a:rPr>
               <a:t>Command</a:t>
             </a:r>
-            <a:endParaRPr b="0" lang="en-US" sz="1600" spc="-1" strike="noStrike">
+            <a:endParaRPr lang="en-US" sz="1600" b="0" strike="noStrike" spc="-1">
               <a:latin typeface="Arial"/>
             </a:endParaRPr>
           </a:p>
@@ -3231,7 +3730,7 @@
               <a:srgbClr val="336699"/>
             </a:solidFill>
             <a:prstDash val="sysDash"/>
-            <a:tailEnd len="med" type="triangle" w="med"/>
+            <a:tailEnd type="triangle" w="med" len="med"/>
           </a:ln>
         </p:spPr>
         <p:style>
@@ -3267,9 +3766,15 @@
           </a:ln>
         </p:spPr>
         <p:style>
-          <a:lnRef idx="0"/>
-          <a:fillRef idx="0"/>
-          <a:effectRef idx="0"/>
+          <a:lnRef idx="0">
+            <a:scrgbClr r="0" g="0" b="0"/>
+          </a:lnRef>
+          <a:fillRef idx="0">
+            <a:scrgbClr r="0" g="0" b="0"/>
+          </a:fillRef>
+          <a:effectRef idx="0">
+            <a:scrgbClr r="0" g="0" b="0"/>
+          </a:effectRef>
           <a:fontRef idx="minor"/>
         </p:style>
       </p:sp>
@@ -3288,11 +3793,11 @@
             <a:avLst/>
           </a:prstGeom>
           <a:solidFill>
-            <a:srgbClr val="ffffff"/>
+            <a:srgbClr val="FFFFFF"/>
           </a:solidFill>
           <a:ln>
             <a:solidFill>
-              <a:srgbClr val="8064a2"/>
+              <a:srgbClr val="8064A2"/>
             </a:solidFill>
           </a:ln>
         </p:spPr>
@@ -3309,9 +3814,10 @@
           <a:fontRef idx="minor"/>
         </p:style>
         <p:txBody>
-          <a:bodyPr lIns="90000" rIns="90000" tIns="45000" bIns="45000">
+          <a:bodyPr lIns="90000" tIns="45000" rIns="90000" bIns="45000">
             <a:noAutofit/>
           </a:bodyPr>
+          <a:lstStyle/>
           <a:p>
             <a:pPr>
               <a:lnSpc>
@@ -3319,16 +3825,16 @@
               </a:lnSpc>
             </a:pPr>
             <a:r>
-              <a:rPr b="0" i="1" lang="en-GB" sz="1200" spc="-1" strike="noStrike">
-                <a:solidFill>
-                  <a:srgbClr val="8064a2"/>
+              <a:rPr lang="en-GB" sz="1200" b="0" i="1" strike="noStrike" spc="-1">
+                <a:solidFill>
+                  <a:srgbClr val="8064A2"/>
                 </a:solidFill>
                 <a:latin typeface="Calibri"/>
                 <a:ea typeface="DejaVu Sans"/>
               </a:rPr>
               <a:t>EntityChanges</a:t>
             </a:r>
-            <a:endParaRPr b="0" lang="en-US" sz="1200" spc="-1" strike="noStrike">
+            <a:endParaRPr lang="en-US" sz="1200" b="0" strike="noStrike" spc="-1">
               <a:latin typeface="Arial"/>
             </a:endParaRPr>
           </a:p>
@@ -3339,16 +3845,16 @@
               </a:lnSpc>
             </a:pPr>
             <a:r>
-              <a:rPr b="0" i="1" lang="en-GB" sz="1600" spc="-1" strike="noStrike">
-                <a:solidFill>
-                  <a:srgbClr val="8064a2"/>
+              <a:rPr lang="en-GB" sz="1600" b="0" i="1" strike="noStrike" spc="-1">
+                <a:solidFill>
+                  <a:srgbClr val="8064A2"/>
                 </a:solidFill>
                 <a:latin typeface="Calibri"/>
                 <a:ea typeface="DejaVu Sans"/>
               </a:rPr>
               <a:t>Publisher</a:t>
             </a:r>
-            <a:endParaRPr b="0" lang="en-US" sz="1600" spc="-1" strike="noStrike">
+            <a:endParaRPr lang="en-US" sz="1600" b="0" strike="noStrike" spc="-1">
               <a:latin typeface="Arial"/>
             </a:endParaRPr>
           </a:p>
@@ -3374,7 +3880,7 @@
               <a:schemeClr val="accent4"/>
             </a:solidFill>
             <a:prstDash val="sysDash"/>
-            <a:tailEnd len="med" type="triangle" w="med"/>
+            <a:tailEnd type="triangle" w="med" len="med"/>
           </a:ln>
         </p:spPr>
         <p:style>
@@ -3398,14 +3904,14 @@
         </p:nvSpPr>
         <p:spPr>
           <a:xfrm>
-            <a:off x="6300000" y="1980000"/>
+            <a:off x="6300000" y="2196573"/>
             <a:ext cx="1573560" cy="496440"/>
           </a:xfrm>
           <a:prstGeom prst="rect">
             <a:avLst/>
           </a:prstGeom>
           <a:solidFill>
-            <a:srgbClr val="ffffff"/>
+            <a:srgbClr val="FFFFFF"/>
           </a:solidFill>
           <a:ln>
             <a:solidFill>
@@ -3426,9 +3932,10 @@
           <a:fontRef idx="minor"/>
         </p:style>
         <p:txBody>
-          <a:bodyPr lIns="90000" rIns="90000" tIns="45000" bIns="45000">
+          <a:bodyPr lIns="90000" tIns="45000" rIns="90000" bIns="45000">
             <a:noAutofit/>
           </a:bodyPr>
+          <a:lstStyle/>
           <a:p>
             <a:pPr>
               <a:lnSpc>
@@ -3436,7 +3943,7 @@
               </a:lnSpc>
             </a:pPr>
             <a:r>
-              <a:rPr b="0" i="1" lang="en-GB" sz="1200" spc="-1" strike="noStrike">
+              <a:rPr lang="en-GB" sz="1200" b="0" i="1" strike="noStrike" spc="-1">
                 <a:solidFill>
                   <a:srgbClr val="666666"/>
                 </a:solidFill>
@@ -3445,7 +3952,7 @@
               </a:rPr>
               <a:t>Command</a:t>
             </a:r>
-            <a:endParaRPr b="0" lang="en-US" sz="1200" spc="-1" strike="noStrike">
+            <a:endParaRPr lang="en-US" sz="1200" b="0" strike="noStrike" spc="-1">
               <a:latin typeface="Arial"/>
             </a:endParaRPr>
           </a:p>
@@ -3456,7 +3963,7 @@
               </a:lnSpc>
             </a:pPr>
             <a:r>
-              <a:rPr b="0" i="1" lang="en-GB" sz="1600" spc="-1" strike="noStrike">
+              <a:rPr lang="en-GB" sz="1600" b="0" i="1" strike="noStrike" spc="-1">
                 <a:solidFill>
                   <a:srgbClr val="666666"/>
                 </a:solidFill>
@@ -3466,7 +3973,7 @@
               <a:t>Publisher</a:t>
             </a:r>
             <a:br/>
-            <a:endParaRPr b="0" lang="en-US" sz="1600" spc="-1" strike="noStrike">
+            <a:endParaRPr lang="en-US" sz="1600" b="0" strike="noStrike" spc="-1">
               <a:latin typeface="Arial"/>
             </a:endParaRPr>
           </a:p>
@@ -3489,10 +3996,10 @@
           <a:gradFill rotWithShape="0">
             <a:gsLst>
               <a:gs pos="0">
-                <a:srgbClr val="eeeeee"/>
+                <a:srgbClr val="EEEEEE"/>
               </a:gs>
               <a:gs pos="100000">
-                <a:srgbClr val="eeeeee">
+                <a:srgbClr val="EEEEEE">
                   <a:alpha val="0"/>
                 </a:srgbClr>
               </a:gs>
@@ -3501,11 +4008,11 @@
           </a:gradFill>
           <a:ln>
             <a:solidFill>
-              <a:srgbClr val="8064a2"/>
+              <a:srgbClr val="8064A2"/>
             </a:solidFill>
           </a:ln>
           <a:effectLst>
-            <a:outerShdw dir="2700000" dist="101823">
+            <a:outerShdw dist="101823" dir="2700000">
               <a:srgbClr val="808080"/>
             </a:outerShdw>
           </a:effectLst>
@@ -3523,9 +4030,10 @@
           <a:fontRef idx="minor"/>
         </p:style>
         <p:txBody>
-          <a:bodyPr lIns="90000" rIns="90000" tIns="45000" bIns="45000">
+          <a:bodyPr lIns="90000" tIns="45000" rIns="90000" bIns="45000">
             <a:noAutofit/>
           </a:bodyPr>
+          <a:lstStyle/>
           <a:p>
             <a:pPr>
               <a:lnSpc>
@@ -3533,16 +4041,16 @@
               </a:lnSpc>
             </a:pPr>
             <a:r>
-              <a:rPr b="0" i="1" lang="en-GB" sz="1200" spc="-1" strike="noStrike">
-                <a:solidFill>
-                  <a:srgbClr val="8064a2"/>
+              <a:rPr lang="en-GB" sz="1200" b="0" i="1" strike="noStrike" spc="-1">
+                <a:solidFill>
+                  <a:srgbClr val="8064A2"/>
                 </a:solidFill>
                 <a:latin typeface="Calibri"/>
                 <a:ea typeface="DejaVu Sans"/>
               </a:rPr>
               <a:t>EntityPropertyChange</a:t>
             </a:r>
-            <a:endParaRPr b="0" lang="en-US" sz="1200" spc="-1" strike="noStrike">
+            <a:endParaRPr lang="en-US" sz="1200" b="0" strike="noStrike" spc="-1">
               <a:latin typeface="Arial"/>
             </a:endParaRPr>
           </a:p>
@@ -3553,16 +4061,16 @@
               </a:lnSpc>
             </a:pPr>
             <a:r>
-              <a:rPr b="0" i="1" lang="en-GB" sz="1600" spc="-1" strike="noStrike">
-                <a:solidFill>
-                  <a:srgbClr val="8064a2"/>
+              <a:rPr lang="en-GB" sz="1600" b="0" i="1" strike="noStrike" spc="-1">
+                <a:solidFill>
+                  <a:srgbClr val="8064A2"/>
                 </a:solidFill>
                 <a:latin typeface="Calibri"/>
                 <a:ea typeface="DejaVu Sans"/>
               </a:rPr>
               <a:t>Subscriber - SPI</a:t>
             </a:r>
-            <a:endParaRPr b="0" lang="en-US" sz="1600" spc="-1" strike="noStrike">
+            <a:endParaRPr lang="en-US" sz="1600" b="0" strike="noStrike" spc="-1">
               <a:latin typeface="Arial"/>
             </a:endParaRPr>
           </a:p>
@@ -3585,10 +4093,10 @@
           <a:gradFill rotWithShape="0">
             <a:gsLst>
               <a:gs pos="0">
-                <a:srgbClr val="eeeeee"/>
+                <a:srgbClr val="EEEEEE"/>
               </a:gs>
               <a:gs pos="100000">
-                <a:srgbClr val="eeeeee">
+                <a:srgbClr val="EEEEEE">
                   <a:alpha val="0"/>
                 </a:srgbClr>
               </a:gs>
@@ -3597,11 +4105,11 @@
           </a:gradFill>
           <a:ln>
             <a:solidFill>
-              <a:srgbClr val="8064a2"/>
+              <a:srgbClr val="8064A2"/>
             </a:solidFill>
           </a:ln>
           <a:effectLst>
-            <a:outerShdw dir="2700000" dist="101823">
+            <a:outerShdw dist="101823" dir="2700000">
               <a:srgbClr val="808080"/>
             </a:outerShdw>
           </a:effectLst>
@@ -3619,9 +4127,10 @@
           <a:fontRef idx="minor"/>
         </p:style>
         <p:txBody>
-          <a:bodyPr lIns="90000" rIns="90000" tIns="45000" bIns="45000">
+          <a:bodyPr lIns="90000" tIns="45000" rIns="90000" bIns="45000">
             <a:noAutofit/>
           </a:bodyPr>
+          <a:lstStyle/>
           <a:p>
             <a:pPr>
               <a:lnSpc>
@@ -3629,16 +4138,16 @@
               </a:lnSpc>
             </a:pPr>
             <a:r>
-              <a:rPr b="0" i="1" lang="en-GB" sz="1200" spc="-1" strike="noStrike">
-                <a:solidFill>
-                  <a:srgbClr val="8064a2"/>
+              <a:rPr lang="en-GB" sz="1200" b="0" i="1" strike="noStrike" spc="-1">
+                <a:solidFill>
+                  <a:srgbClr val="8064A2"/>
                 </a:solidFill>
                 <a:latin typeface="Calibri"/>
                 <a:ea typeface="DejaVu Sans"/>
               </a:rPr>
               <a:t>EntityChanges</a:t>
             </a:r>
-            <a:endParaRPr b="0" lang="en-US" sz="1200" spc="-1" strike="noStrike">
+            <a:endParaRPr lang="en-US" sz="1200" b="0" strike="noStrike" spc="-1">
               <a:latin typeface="Arial"/>
             </a:endParaRPr>
           </a:p>
@@ -3649,16 +4158,16 @@
               </a:lnSpc>
             </a:pPr>
             <a:r>
-              <a:rPr b="0" i="1" lang="en-GB" sz="1600" spc="-1" strike="noStrike">
-                <a:solidFill>
-                  <a:srgbClr val="8064a2"/>
+              <a:rPr lang="en-GB" sz="1600" b="0" i="1" strike="noStrike" spc="-1">
+                <a:solidFill>
+                  <a:srgbClr val="8064A2"/>
                 </a:solidFill>
                 <a:latin typeface="Calibri"/>
                 <a:ea typeface="DejaVu Sans"/>
               </a:rPr>
               <a:t>Subscriber - SPI</a:t>
             </a:r>
-            <a:endParaRPr b="0" lang="en-US" sz="1600" spc="-1" strike="noStrike">
+            <a:endParaRPr lang="en-US" sz="1600" b="0" strike="noStrike" spc="-1">
               <a:latin typeface="Arial"/>
             </a:endParaRPr>
           </a:p>
@@ -3686,7 +4195,7 @@
               </a:schemeClr>
             </a:solidFill>
             <a:prstDash val="sysDash"/>
-            <a:tailEnd len="med" type="triangle" w="med"/>
+            <a:tailEnd type="triangle" w="med" len="med"/>
           </a:ln>
         </p:spPr>
         <p:style>
@@ -3717,7 +4226,7 @@
             <a:avLst/>
           </a:prstGeom>
           <a:solidFill>
-            <a:srgbClr val="eeeeee"/>
+            <a:srgbClr val="EEEEEE"/>
           </a:solidFill>
           <a:ln>
             <a:solidFill>
@@ -3725,7 +4234,7 @@
             </a:solidFill>
           </a:ln>
           <a:effectLst>
-            <a:outerShdw dir="2700000" dist="101823">
+            <a:outerShdw dist="101823" dir="2700000">
               <a:srgbClr val="808080"/>
             </a:outerShdw>
           </a:effectLst>
@@ -3743,9 +4252,10 @@
           <a:fontRef idx="minor"/>
         </p:style>
         <p:txBody>
-          <a:bodyPr lIns="90000" rIns="90000" tIns="45000" bIns="45000">
+          <a:bodyPr lIns="90000" tIns="45000" rIns="90000" bIns="45000">
             <a:noAutofit/>
           </a:bodyPr>
+          <a:lstStyle/>
           <a:p>
             <a:pPr>
               <a:lnSpc>
@@ -3753,7 +4263,7 @@
               </a:lnSpc>
             </a:pPr>
             <a:r>
-              <a:rPr b="0" i="1" lang="en-GB" sz="1200" spc="-1" strike="noStrike">
+              <a:rPr lang="en-GB" sz="1200" b="0" i="1" strike="noStrike" spc="-1">
                 <a:solidFill>
                   <a:srgbClr val="336699"/>
                 </a:solidFill>
@@ -3762,7 +4272,7 @@
               </a:rPr>
               <a:t>Execution</a:t>
             </a:r>
-            <a:endParaRPr b="0" lang="en-US" sz="1200" spc="-1" strike="noStrike">
+            <a:endParaRPr lang="en-US" sz="1200" b="0" strike="noStrike" spc="-1">
               <a:latin typeface="Arial"/>
             </a:endParaRPr>
           </a:p>
@@ -3773,7 +4283,7 @@
               </a:lnSpc>
             </a:pPr>
             <a:r>
-              <a:rPr b="0" i="1" lang="en-GB" sz="1600" spc="-1" strike="noStrike">
+              <a:rPr lang="en-GB" sz="1600" b="0" i="1" strike="noStrike" spc="-1">
                 <a:solidFill>
                   <a:srgbClr val="336699"/>
                 </a:solidFill>
@@ -3783,7 +4293,7 @@
               <a:t>Subscriber - SPI</a:t>
             </a:r>
             <a:br/>
-            <a:endParaRPr b="0" lang="en-US" sz="1600" spc="-1" strike="noStrike">
+            <a:endParaRPr lang="en-US" sz="1600" b="0" strike="noStrike" spc="-1">
               <a:latin typeface="Arial"/>
             </a:endParaRPr>
           </a:p>
@@ -3797,7 +4307,7 @@
         </p:nvSpPr>
         <p:spPr>
           <a:xfrm>
-            <a:off x="7691760" y="2048760"/>
+            <a:off x="7691760" y="2261895"/>
             <a:ext cx="1198440" cy="427680"/>
           </a:xfrm>
           <a:prstGeom prst="curvedConnector2">
@@ -3809,7 +4319,7 @@
               <a:srgbClr val="666666"/>
             </a:solidFill>
             <a:prstDash val="sysDash"/>
-            <a:tailEnd len="med" type="triangle" w="med"/>
+            <a:tailEnd type="triangle" w="med" len="med"/>
           </a:ln>
         </p:spPr>
         <p:style>
@@ -3833,14 +4343,14 @@
         </p:nvSpPr>
         <p:spPr>
           <a:xfrm>
-            <a:off x="8138880" y="2464920"/>
+            <a:off x="8138880" y="2681493"/>
             <a:ext cx="1579320" cy="496440"/>
           </a:xfrm>
           <a:prstGeom prst="rect">
             <a:avLst/>
           </a:prstGeom>
           <a:solidFill>
-            <a:srgbClr val="eeeeee"/>
+            <a:srgbClr val="EEEEEE"/>
           </a:solidFill>
           <a:ln>
             <a:solidFill>
@@ -3848,7 +4358,7 @@
             </a:solidFill>
           </a:ln>
           <a:effectLst>
-            <a:outerShdw dir="2700000" dist="101823">
+            <a:outerShdw dist="101823" dir="2700000">
               <a:srgbClr val="808080"/>
             </a:outerShdw>
           </a:effectLst>
@@ -3866,9 +4376,10 @@
           <a:fontRef idx="minor"/>
         </p:style>
         <p:txBody>
-          <a:bodyPr lIns="90000" rIns="90000" tIns="45000" bIns="45000">
+          <a:bodyPr lIns="90000" tIns="45000" rIns="90000" bIns="45000">
             <a:noAutofit/>
           </a:bodyPr>
+          <a:lstStyle/>
           <a:p>
             <a:pPr>
               <a:lnSpc>
@@ -3876,7 +4387,7 @@
               </a:lnSpc>
             </a:pPr>
             <a:r>
-              <a:rPr b="0" i="1" lang="en-GB" sz="1200" spc="-1" strike="noStrike">
+              <a:rPr lang="en-GB" sz="1200" b="0" i="1" strike="noStrike" spc="-1">
                 <a:solidFill>
                   <a:srgbClr val="666666"/>
                 </a:solidFill>
@@ -3885,7 +4396,7 @@
               </a:rPr>
               <a:t>Command</a:t>
             </a:r>
-            <a:endParaRPr b="0" lang="en-US" sz="1200" spc="-1" strike="noStrike">
+            <a:endParaRPr lang="en-US" sz="1200" b="0" strike="noStrike" spc="-1">
               <a:latin typeface="Arial"/>
             </a:endParaRPr>
           </a:p>
@@ -3896,7 +4407,7 @@
               </a:lnSpc>
             </a:pPr>
             <a:r>
-              <a:rPr b="0" i="1" lang="en-GB" sz="1600" spc="-1" strike="noStrike">
+              <a:rPr lang="en-GB" sz="1600" b="0" i="1" strike="noStrike" spc="-1">
                 <a:solidFill>
                   <a:srgbClr val="666666"/>
                 </a:solidFill>
@@ -3906,7 +4417,7 @@
               <a:t>Subscriber - SPI</a:t>
             </a:r>
             <a:br/>
-            <a:endParaRPr b="0" lang="en-US" sz="1600" spc="-1" strike="noStrike">
+            <a:endParaRPr lang="en-US" sz="1600" b="0" strike="noStrike" spc="-1">
               <a:latin typeface="Arial"/>
             </a:endParaRPr>
           </a:p>
@@ -3919,9 +4430,9 @@
           <p:nvPr/>
         </p:nvSpPr>
         <p:spPr>
-          <a:xfrm rot="16206000">
-            <a:off x="5758920" y="1751760"/>
-            <a:ext cx="177840" cy="896400"/>
+          <a:xfrm rot="16206000" flipH="1">
+            <a:off x="5761499" y="1926716"/>
+            <a:ext cx="170940" cy="895266"/>
           </a:xfrm>
           <a:prstGeom prst="curvedConnector3">
             <a:avLst>
@@ -3934,7 +4445,7 @@
               <a:srgbClr val="808080"/>
             </a:solidFill>
             <a:prstDash val="sysDash"/>
-            <a:tailEnd len="med" type="triangle" w="med"/>
+            <a:tailEnd type="triangle" w="med" len="med"/>
           </a:ln>
         </p:spPr>
         <p:style>
@@ -3970,15 +4481,22 @@
           </a:ln>
         </p:spPr>
         <p:style>
-          <a:lnRef idx="0"/>
-          <a:fillRef idx="0"/>
-          <a:effectRef idx="0"/>
+          <a:lnRef idx="0">
+            <a:scrgbClr r="0" g="0" b="0"/>
+          </a:lnRef>
+          <a:fillRef idx="0">
+            <a:scrgbClr r="0" g="0" b="0"/>
+          </a:fillRef>
+          <a:effectRef idx="0">
+            <a:scrgbClr r="0" g="0" b="0"/>
+          </a:effectRef>
           <a:fontRef idx="minor"/>
         </p:style>
         <p:txBody>
-          <a:bodyPr wrap="none" lIns="90000" rIns="90000" tIns="45000" bIns="45000">
+          <a:bodyPr wrap="none" lIns="90000" tIns="45000" rIns="90000" bIns="45000">
             <a:spAutoFit/>
           </a:bodyPr>
+          <a:lstStyle/>
           <a:p>
             <a:pPr>
               <a:lnSpc>
@@ -3986,16 +4504,16 @@
               </a:lnSpc>
             </a:pPr>
             <a:r>
-              <a:rPr b="0" lang="en-GB" sz="1100" spc="-1" strike="noStrike">
-                <a:solidFill>
-                  <a:srgbClr val="8064a2"/>
+              <a:rPr lang="en-GB" sz="1100" b="0" strike="noStrike" spc="-1">
+                <a:solidFill>
+                  <a:srgbClr val="8064A2"/>
                 </a:solidFill>
                 <a:latin typeface="Calibri"/>
                 <a:ea typeface="DejaVu Sans"/>
               </a:rPr>
               <a:t>receive pre-post property </a:t>
             </a:r>
-            <a:endParaRPr b="0" lang="en-US" sz="1100" spc="-1" strike="noStrike">
+            <a:endParaRPr lang="en-US" sz="1100" b="0" strike="noStrike" spc="-1">
               <a:latin typeface="Arial"/>
             </a:endParaRPr>
           </a:p>
@@ -4006,16 +4524,16 @@
               </a:lnSpc>
             </a:pPr>
             <a:r>
-              <a:rPr b="0" lang="en-GB" sz="1100" spc="-1" strike="noStrike">
-                <a:solidFill>
-                  <a:srgbClr val="8064a2"/>
+              <a:rPr lang="en-GB" sz="1100" b="0" strike="noStrike" spc="-1">
+                <a:solidFill>
+                  <a:srgbClr val="8064A2"/>
                 </a:solidFill>
                 <a:latin typeface="Calibri"/>
                 <a:ea typeface="DejaVu Sans"/>
               </a:rPr>
               <a:t>values for each </a:t>
             </a:r>
-            <a:endParaRPr b="0" lang="en-US" sz="1100" spc="-1" strike="noStrike">
+            <a:endParaRPr lang="en-US" sz="1100" b="0" strike="noStrike" spc="-1">
               <a:latin typeface="Arial"/>
             </a:endParaRPr>
           </a:p>
@@ -4026,16 +4544,16 @@
               </a:lnSpc>
             </a:pPr>
             <a:r>
-              <a:rPr b="0" lang="en-GB" sz="1100" spc="-1" strike="noStrike">
-                <a:solidFill>
-                  <a:srgbClr val="8064a2"/>
+              <a:rPr lang="en-GB" sz="1100" b="0" strike="noStrike" spc="-1">
+                <a:solidFill>
+                  <a:srgbClr val="8064A2"/>
                 </a:solidFill>
                 <a:latin typeface="Calibri"/>
                 <a:ea typeface="DejaVu Sans"/>
               </a:rPr>
               <a:t>changed entity</a:t>
             </a:r>
-            <a:endParaRPr b="0" lang="en-US" sz="1100" spc="-1" strike="noStrike">
+            <a:endParaRPr lang="en-US" sz="1100" b="0" strike="noStrike" spc="-1">
               <a:latin typeface="Arial"/>
             </a:endParaRPr>
           </a:p>
@@ -4061,15 +4579,22 @@
           </a:ln>
         </p:spPr>
         <p:style>
-          <a:lnRef idx="0"/>
-          <a:fillRef idx="0"/>
-          <a:effectRef idx="0"/>
+          <a:lnRef idx="0">
+            <a:scrgbClr r="0" g="0" b="0"/>
+          </a:lnRef>
+          <a:fillRef idx="0">
+            <a:scrgbClr r="0" g="0" b="0"/>
+          </a:fillRef>
+          <a:effectRef idx="0">
+            <a:scrgbClr r="0" g="0" b="0"/>
+          </a:effectRef>
           <a:fontRef idx="minor"/>
         </p:style>
         <p:txBody>
-          <a:bodyPr wrap="none" lIns="90000" rIns="90000" tIns="45000" bIns="45000">
+          <a:bodyPr wrap="none" lIns="90000" tIns="45000" rIns="90000" bIns="45000">
             <a:spAutoFit/>
           </a:bodyPr>
+          <a:lstStyle/>
           <a:p>
             <a:pPr>
               <a:lnSpc>
@@ -4077,16 +4602,16 @@
               </a:lnSpc>
             </a:pPr>
             <a:r>
-              <a:rPr b="0" lang="en-GB" sz="1100" spc="-1" strike="noStrike">
-                <a:solidFill>
-                  <a:srgbClr val="8064a2"/>
+              <a:rPr lang="en-GB" sz="1100" b="0" strike="noStrike" spc="-1">
+                <a:solidFill>
+                  <a:srgbClr val="8064A2"/>
                 </a:solidFill>
                 <a:latin typeface="Calibri"/>
                 <a:ea typeface="DejaVu Sans"/>
               </a:rPr>
               <a:t>receive the entire set of </a:t>
             </a:r>
-            <a:endParaRPr b="0" lang="en-US" sz="1100" spc="-1" strike="noStrike">
+            <a:endParaRPr lang="en-US" sz="1100" b="0" strike="noStrike" spc="-1">
               <a:latin typeface="Arial"/>
             </a:endParaRPr>
           </a:p>
@@ -4097,16 +4622,16 @@
               </a:lnSpc>
             </a:pPr>
             <a:r>
-              <a:rPr b="0" lang="en-GB" sz="1100" spc="-1" strike="noStrike">
-                <a:solidFill>
-                  <a:srgbClr val="8064a2"/>
+              <a:rPr lang="en-GB" sz="1100" b="0" strike="noStrike" spc="-1">
+                <a:solidFill>
+                  <a:srgbClr val="8064A2"/>
                 </a:solidFill>
                 <a:latin typeface="Calibri"/>
                 <a:ea typeface="DejaVu Sans"/>
               </a:rPr>
               <a:t>changed entities, </a:t>
             </a:r>
-            <a:endParaRPr b="0" lang="en-US" sz="1100" spc="-1" strike="noStrike">
+            <a:endParaRPr lang="en-US" sz="1100" b="0" strike="noStrike" spc="-1">
               <a:latin typeface="Arial"/>
             </a:endParaRPr>
           </a:p>
@@ -4117,16 +4642,16 @@
               </a:lnSpc>
             </a:pPr>
             <a:r>
-              <a:rPr b="0" lang="en-GB" sz="1100" spc="-1" strike="noStrike">
-                <a:solidFill>
-                  <a:srgbClr val="8064a2"/>
+              <a:rPr lang="en-GB" sz="1100" b="0" strike="noStrike" spc="-1">
+                <a:solidFill>
+                  <a:srgbClr val="8064A2"/>
                 </a:solidFill>
                 <a:latin typeface="Calibri"/>
                 <a:ea typeface="DejaVu Sans"/>
               </a:rPr>
               <a:t>serializable as ChangesDto</a:t>
             </a:r>
-            <a:endParaRPr b="0" lang="en-US" sz="1100" spc="-1" strike="noStrike">
+            <a:endParaRPr lang="en-US" sz="1100" b="0" strike="noStrike" spc="-1">
               <a:latin typeface="Arial"/>
             </a:endParaRPr>
           </a:p>
@@ -4149,7 +4674,7 @@
           <a:noFill/>
           <a:ln>
             <a:solidFill>
-              <a:srgbClr val="ff9900"/>
+              <a:srgbClr val="FF9900"/>
             </a:solidFill>
           </a:ln>
         </p:spPr>
@@ -4168,9 +4693,10 @@
           <a:fontRef idx="minor"/>
         </p:style>
         <p:txBody>
-          <a:bodyPr lIns="90000" rIns="90000" tIns="45000" bIns="45000">
+          <a:bodyPr lIns="90000" tIns="45000" rIns="90000" bIns="45000">
             <a:noAutofit/>
           </a:bodyPr>
+          <a:lstStyle/>
           <a:p>
             <a:pPr>
               <a:lnSpc>
@@ -4178,16 +4704,16 @@
               </a:lnSpc>
             </a:pPr>
             <a:r>
-              <a:rPr b="0" i="1" lang="en-GB" sz="1600" spc="-1" strike="noStrike">
-                <a:solidFill>
-                  <a:srgbClr val="f79646"/>
+              <a:rPr lang="en-GB" sz="1600" b="0" i="1" strike="noStrike" spc="-1">
+                <a:solidFill>
+                  <a:srgbClr val="F79646"/>
                 </a:solidFill>
                 <a:latin typeface="Calibri"/>
                 <a:ea typeface="DejaVu Sans"/>
               </a:rPr>
               <a:t>Persistence Layer</a:t>
             </a:r>
-            <a:endParaRPr b="0" lang="en-US" sz="1600" spc="-1" strike="noStrike">
+            <a:endParaRPr lang="en-US" sz="1600" b="0" strike="noStrike" spc="-1">
               <a:latin typeface="Arial"/>
             </a:endParaRPr>
           </a:p>
@@ -4208,6 +4734,7 @@
             <a:avLst/>
             <a:gdLst/>
             <a:ahLst/>
+            <a:cxnLst/>
             <a:rect l="l" t="t" r="r" b="b"/>
             <a:pathLst>
               <a:path w="21600" h="21600">
@@ -4223,10 +4750,10 @@
           <a:noFill/>
           <a:ln w="19050">
             <a:solidFill>
-              <a:srgbClr val="f79646"/>
+              <a:srgbClr val="F79646"/>
             </a:solidFill>
             <a:prstDash val="sysDash"/>
-            <a:tailEnd len="med" type="triangle" w="med"/>
+            <a:tailEnd type="triangle" w="med" len="med"/>
           </a:ln>
         </p:spPr>
         <p:style>
@@ -4262,15 +4789,22 @@
           </a:ln>
         </p:spPr>
         <p:style>
-          <a:lnRef idx="0"/>
-          <a:fillRef idx="0"/>
-          <a:effectRef idx="0"/>
+          <a:lnRef idx="0">
+            <a:scrgbClr r="0" g="0" b="0"/>
+          </a:lnRef>
+          <a:fillRef idx="0">
+            <a:scrgbClr r="0" g="0" b="0"/>
+          </a:fillRef>
+          <a:effectRef idx="0">
+            <a:scrgbClr r="0" g="0" b="0"/>
+          </a:effectRef>
           <a:fontRef idx="minor"/>
         </p:style>
         <p:txBody>
-          <a:bodyPr wrap="none" lIns="90000" rIns="90000" tIns="45000" bIns="45000">
+          <a:bodyPr wrap="none" lIns="90000" tIns="45000" rIns="90000" bIns="45000">
             <a:spAutoFit/>
           </a:bodyPr>
+          <a:lstStyle/>
           <a:p>
             <a:pPr algn="ctr">
               <a:lnSpc>
@@ -4278,7 +4812,7 @@
               </a:lnSpc>
             </a:pPr>
             <a:r>
-              <a:rPr b="0" lang="en-GB" sz="1100" spc="-1" strike="noStrike">
+              <a:rPr lang="en-GB" sz="1100" b="0" strike="noStrike" spc="-1">
                 <a:solidFill>
                   <a:srgbClr val="666666"/>
                 </a:solidFill>
@@ -4287,7 +4821,7 @@
               </a:rPr>
               <a:t>async execuction</a:t>
             </a:r>
-            <a:endParaRPr b="0" lang="en-US" sz="1100" spc="-1" strike="noStrike">
+            <a:endParaRPr lang="en-US" sz="1100" b="0" strike="noStrike" spc="-1">
               <a:latin typeface="Arial"/>
             </a:endParaRPr>
           </a:p>
@@ -4298,7 +4832,7 @@
               </a:lnSpc>
             </a:pPr>
             <a:r>
-              <a:rPr b="0" lang="en-GB" sz="1100" spc="-1" strike="noStrike">
+              <a:rPr lang="en-GB" sz="1100" b="0" strike="noStrike" spc="-1">
                 <a:solidFill>
                   <a:srgbClr val="666666"/>
                 </a:solidFill>
@@ -4307,7 +4841,7 @@
               </a:rPr>
               <a:t>via</a:t>
             </a:r>
-            <a:endParaRPr b="0" lang="en-US" sz="1100" spc="-1" strike="noStrike">
+            <a:endParaRPr lang="en-US" sz="1100" b="0" strike="noStrike" spc="-1">
               <a:latin typeface="Arial"/>
             </a:endParaRPr>
           </a:p>
@@ -4318,7 +4852,7 @@
               </a:lnSpc>
             </a:pPr>
             <a:r>
-              <a:rPr b="0" lang="en-GB" sz="1100" spc="-1" strike="noStrike">
+              <a:rPr lang="en-GB" sz="1100" b="0" strike="noStrike" spc="-1">
                 <a:solidFill>
                   <a:srgbClr val="666666"/>
                 </a:solidFill>
@@ -4327,7 +4861,7 @@
               </a:rPr>
               <a:t>WrapperFactory</a:t>
             </a:r>
-            <a:endParaRPr b="0" lang="en-US" sz="1100" spc="-1" strike="noStrike">
+            <a:endParaRPr lang="en-US" sz="1100" b="0" strike="noStrike" spc="-1">
               <a:latin typeface="Arial"/>
             </a:endParaRPr>
           </a:p>
@@ -4355,7 +4889,7 @@
               <a:srgbClr val="808080"/>
             </a:solidFill>
             <a:prstDash val="sysDash"/>
-            <a:tailEnd len="med" type="triangle" w="med"/>
+            <a:tailEnd type="triangle" w="med" len="med"/>
           </a:ln>
         </p:spPr>
         <p:style>
@@ -4386,6 +4920,7 @@
             <a:avLst/>
             <a:gdLst/>
             <a:ahLst/>
+            <a:cxnLst/>
             <a:rect l="l" t="t" r="r" b="b"/>
             <a:pathLst>
               <a:path w="21600" h="21600">
@@ -4401,9 +4936,9 @@
           <a:noFill/>
           <a:ln>
             <a:solidFill>
-              <a:srgbClr val="4f81bd"/>
+              <a:srgbClr val="4F81BD"/>
             </a:solidFill>
-            <a:tailEnd len="med" type="triangle" w="med"/>
+            <a:tailEnd type="triangle" w="med" len="med"/>
           </a:ln>
         </p:spPr>
         <p:style>
@@ -4439,7 +4974,7 @@
               <a:srgbClr val="336699"/>
             </a:solidFill>
             <a:prstDash val="sysDash"/>
-            <a:tailEnd len="med" type="triangle" w="med"/>
+            <a:tailEnd type="triangle" w="med" len="med"/>
           </a:ln>
         </p:spPr>
         <p:style>
@@ -4475,7 +5010,7 @@
               <a:schemeClr val="accent4"/>
             </a:solidFill>
             <a:prstDash val="sysDash"/>
-            <a:tailEnd len="med" type="triangle" w="med"/>
+            <a:tailEnd type="triangle" w="med" len="med"/>
           </a:ln>
         </p:spPr>
         <p:style>
@@ -4511,7 +5046,7 @@
               <a:schemeClr val="accent4"/>
             </a:solidFill>
             <a:prstDash val="sysDash"/>
-            <a:tailEnd len="med" type="triangle" w="med"/>
+            <a:tailEnd type="triangle" w="med" len="med"/>
           </a:ln>
         </p:spPr>
         <p:style>
@@ -4547,7 +5082,7 @@
               <a:srgbClr val="336699"/>
             </a:solidFill>
             <a:prstDash val="sysDash"/>
-            <a:tailEnd len="med" type="triangle" w="med"/>
+            <a:tailEnd type="triangle" w="med" len="med"/>
           </a:ln>
         </p:spPr>
         <p:style>
@@ -4582,7 +5117,7 @@
           </a:solidFill>
           <a:ln>
             <a:solidFill>
-              <a:srgbClr val="377f92"/>
+              <a:srgbClr val="377F92"/>
             </a:solidFill>
           </a:ln>
         </p:spPr>
@@ -4601,9 +5136,10 @@
           <a:fontRef idx="minor"/>
         </p:style>
         <p:txBody>
-          <a:bodyPr lIns="90000" rIns="90000" tIns="45000" bIns="45000" anchor="ctr">
+          <a:bodyPr lIns="90000" tIns="45000" rIns="90000" bIns="45000" anchor="ctr">
             <a:noAutofit/>
           </a:bodyPr>
+          <a:lstStyle/>
           <a:p>
             <a:pPr algn="ctr">
               <a:lnSpc>
@@ -4611,16 +5147,16 @@
               </a:lnSpc>
             </a:pPr>
             <a:r>
-              <a:rPr b="0" lang="en-GB" sz="1200" spc="-1" strike="noStrike">
-                <a:solidFill>
-                  <a:srgbClr val="ffffff"/>
+              <a:rPr lang="en-GB" sz="1200" b="0" strike="noStrike" spc="-1">
+                <a:solidFill>
+                  <a:srgbClr val="FFFFFF"/>
                 </a:solidFill>
                 <a:latin typeface="Calibri"/>
                 <a:ea typeface="DejaVu Sans"/>
               </a:rPr>
               <a:t>Domain</a:t>
             </a:r>
-            <a:endParaRPr b="0" lang="en-US" sz="1200" spc="-1" strike="noStrike">
+            <a:endParaRPr lang="en-US" sz="1200" b="0" strike="noStrike" spc="-1">
               <a:latin typeface="Arial"/>
             </a:endParaRPr>
           </a:p>
@@ -4631,16 +5167,16 @@
               </a:lnSpc>
             </a:pPr>
             <a:r>
-              <a:rPr b="0" lang="en-GB" sz="1200" spc="-1" strike="noStrike">
-                <a:solidFill>
-                  <a:srgbClr val="ffffff"/>
+              <a:rPr lang="en-GB" sz="1200" b="0" strike="noStrike" spc="-1">
+                <a:solidFill>
+                  <a:srgbClr val="FFFFFF"/>
                 </a:solidFill>
                 <a:latin typeface="Calibri"/>
                 <a:ea typeface="DejaVu Sans"/>
               </a:rPr>
               <a:t>Event</a:t>
             </a:r>
-            <a:endParaRPr b="0" lang="en-US" sz="1200" spc="-1" strike="noStrike">
+            <a:endParaRPr lang="en-US" sz="1200" b="0" strike="noStrike" spc="-1">
               <a:latin typeface="Arial"/>
             </a:endParaRPr>
           </a:p>
@@ -4666,15 +5202,22 @@
           </a:ln>
         </p:spPr>
         <p:style>
-          <a:lnRef idx="0"/>
-          <a:fillRef idx="0"/>
-          <a:effectRef idx="0"/>
+          <a:lnRef idx="0">
+            <a:scrgbClr r="0" g="0" b="0"/>
+          </a:lnRef>
+          <a:fillRef idx="0">
+            <a:scrgbClr r="0" g="0" b="0"/>
+          </a:fillRef>
+          <a:effectRef idx="0">
+            <a:scrgbClr r="0" g="0" b="0"/>
+          </a:effectRef>
           <a:fontRef idx="minor"/>
         </p:style>
         <p:txBody>
-          <a:bodyPr lIns="90000" rIns="90000" tIns="45000" bIns="45000">
+          <a:bodyPr lIns="90000" tIns="45000" rIns="90000" bIns="45000">
             <a:spAutoFit/>
           </a:bodyPr>
+          <a:lstStyle/>
           <a:p>
             <a:pPr algn="ctr">
               <a:lnSpc>
@@ -4682,7 +5225,7 @@
               </a:lnSpc>
             </a:pPr>
             <a:r>
-              <a:rPr b="0" lang="en-GB" sz="1100" spc="-1" strike="noStrike">
+              <a:rPr lang="en-GB" sz="1100" b="0" strike="noStrike" spc="-1">
                 <a:solidFill>
                   <a:srgbClr val="336699"/>
                 </a:solidFill>
@@ -4691,7 +5234,7 @@
               </a:rPr>
               <a:t>broadcast domain-events</a:t>
             </a:r>
-            <a:endParaRPr b="0" lang="en-US" sz="1100" spc="-1" strike="noStrike">
+            <a:endParaRPr lang="en-US" sz="1100" b="0" strike="noStrike" spc="-1">
               <a:latin typeface="Arial"/>
             </a:endParaRPr>
           </a:p>
@@ -4702,7 +5245,7 @@
               </a:lnSpc>
             </a:pPr>
             <a:r>
-              <a:rPr b="0" lang="en-GB" sz="1100" spc="-1" strike="noStrike">
+              <a:rPr lang="en-GB" sz="1100" b="0" strike="noStrike" spc="-1">
                 <a:solidFill>
                   <a:srgbClr val="336699"/>
                 </a:solidFill>
@@ -4711,7 +5254,7 @@
               </a:rPr>
               <a:t>through EventBus</a:t>
             </a:r>
-            <a:endParaRPr b="0" lang="en-US" sz="1100" spc="-1" strike="noStrike">
+            <a:endParaRPr lang="en-US" sz="1100" b="0" strike="noStrike" spc="-1">
               <a:latin typeface="Arial"/>
             </a:endParaRPr>
           </a:p>
@@ -4737,7 +5280,7 @@
               <a:srgbClr val="336699"/>
             </a:solidFill>
             <a:prstDash val="sysDash"/>
-            <a:tailEnd len="med" type="triangle" w="med"/>
+            <a:tailEnd type="triangle" w="med" len="med"/>
           </a:ln>
         </p:spPr>
         <p:style>
@@ -4755,14 +5298,14 @@
       </p:sp>
       <p:sp>
         <p:nvSpPr>
-          <p:cNvPr id="85" name="CustomShape 48"/>
-          <p:cNvSpPr/>
+          <p:cNvPr id="86" name="TextShape 49"/>
+          <p:cNvSpPr txBox="1"/>
           <p:nvPr/>
         </p:nvSpPr>
         <p:spPr>
           <a:xfrm>
-            <a:off x="8019000" y="180000"/>
-            <a:ext cx="1340280" cy="424440"/>
+            <a:off x="360000" y="5904772"/>
+            <a:ext cx="7200000" cy="479160"/>
           </a:xfrm>
           <a:prstGeom prst="rect">
             <a:avLst/>
@@ -4772,165 +5315,95 @@
             <a:noFill/>
           </a:ln>
         </p:spPr>
-        <p:style>
-          <a:lnRef idx="0"/>
-          <a:fillRef idx="0"/>
-          <a:effectRef idx="0"/>
-          <a:fontRef idx="minor"/>
-        </p:style>
-        <p:txBody>
-          <a:bodyPr wrap="none" lIns="90000" rIns="90000" tIns="45000" bIns="45000">
-            <a:spAutoFit/>
-          </a:bodyPr>
-          <a:p>
-            <a:pPr>
-              <a:lnSpc>
-                <a:spcPct val="100000"/>
-              </a:lnSpc>
-            </a:pPr>
-            <a:r>
-              <a:rPr b="0" lang="en-GB" sz="1100" spc="-1" strike="noStrike">
-                <a:solidFill>
-                  <a:srgbClr val="666666"/>
-                </a:solidFill>
-                <a:latin typeface="Calibri"/>
-                <a:ea typeface="DejaVu Sans"/>
-              </a:rPr>
-              <a:t>publish command</a:t>
-            </a:r>
-            <a:endParaRPr b="0" lang="en-US" sz="1100" spc="-1" strike="noStrike">
-              <a:latin typeface="Arial"/>
-            </a:endParaRPr>
-          </a:p>
-          <a:p>
-            <a:pPr>
-              <a:lnSpc>
-                <a:spcPct val="100000"/>
-              </a:lnSpc>
-            </a:pPr>
-            <a:r>
-              <a:rPr b="0" lang="en-GB" sz="1100" spc="-1" strike="noStrike">
-                <a:solidFill>
-                  <a:srgbClr val="666666"/>
-                </a:solidFill>
-                <a:latin typeface="Calibri"/>
-                <a:ea typeface="DejaVu Sans"/>
-              </a:rPr>
-              <a:t>at end of interaction</a:t>
-            </a:r>
-            <a:endParaRPr b="0" lang="en-US" sz="1100" spc="-1" strike="noStrike">
-              <a:latin typeface="Arial"/>
-            </a:endParaRPr>
-          </a:p>
-        </p:txBody>
-      </p:sp>
-      <p:sp>
-        <p:nvSpPr>
-          <p:cNvPr id="86" name="TextShape 49"/>
-          <p:cNvSpPr txBox="1"/>
-          <p:nvPr/>
-        </p:nvSpPr>
-        <p:spPr>
-          <a:xfrm>
-            <a:off x="360000" y="5904000"/>
-            <a:ext cx="7200000" cy="479160"/>
-          </a:xfrm>
-          <a:prstGeom prst="rect">
-            <a:avLst/>
-          </a:prstGeom>
-          <a:noFill/>
-          <a:ln w="0">
-            <a:noFill/>
-          </a:ln>
-        </p:spPr>
-        <p:txBody>
-          <a:bodyPr lIns="90000" rIns="90000" tIns="45000" bIns="45000">
+        <p:txBody>
+          <a:bodyPr lIns="90000" tIns="45000" rIns="90000" bIns="45000">
             <a:noAutofit/>
           </a:bodyPr>
-          <a:p>
-            <a:r>
-              <a:rPr b="0" lang="en-US" sz="900" spc="-1" strike="noStrike" baseline="33000">
+          <a:lstStyle/>
+          <a:p>
+            <a:r>
+              <a:rPr lang="en-US" sz="900" b="0" strike="noStrike" spc="-1" baseline="33000">
                 <a:latin typeface="Courier New"/>
               </a:rPr>
               <a:t>1</a:t>
             </a:r>
             <a:r>
-              <a:rPr b="0" lang="en-US" sz="900" spc="-1" strike="noStrike">
+              <a:rPr lang="en-US" sz="900" b="0" strike="noStrike" spc="-1">
                 <a:latin typeface="Courier New"/>
               </a:rPr>
               <a:t> @Action/@Property(commandPublishing=ENABLED/DISABLED)</a:t>
             </a:r>
             <a:r>
-              <a:rPr b="0" lang="en-US" sz="900" spc="-1" strike="noStrike">
+              <a:rPr lang="en-US" sz="900" b="0" strike="noStrike" spc="-1">
                 <a:latin typeface="Consolas"/>
               </a:rPr>
               <a:t> </a:t>
             </a:r>
             <a:r>
-              <a:rPr b="0" lang="en-US" sz="900" spc="-1" strike="noStrike">
+              <a:rPr lang="en-US" sz="900" b="0" strike="noStrike" spc="-1">
                 <a:latin typeface="Calibri Light"/>
               </a:rPr>
               <a:t>... affects Command publishing</a:t>
             </a:r>
-            <a:endParaRPr b="0" lang="en-US" sz="900" spc="-1" strike="noStrike">
+            <a:endParaRPr lang="en-US" sz="900" b="0" strike="noStrike" spc="-1">
               <a:latin typeface="Consolas"/>
             </a:endParaRPr>
           </a:p>
           <a:p>
             <a:r>
-              <a:rPr b="0" lang="en-US" sz="900" spc="-1" strike="noStrike" baseline="33000">
+              <a:rPr lang="en-US" sz="900" b="0" strike="noStrike" spc="-1" baseline="33000">
                 <a:latin typeface="Courier New"/>
               </a:rPr>
               <a:t>2</a:t>
             </a:r>
             <a:r>
-              <a:rPr b="0" lang="en-US" sz="900" spc="-1" strike="noStrike">
+              <a:rPr lang="en-US" sz="900" b="0" strike="noStrike" spc="-1">
                 <a:latin typeface="Courier New"/>
               </a:rPr>
               <a:t> @Action/@Property(executionPublishing=ENABLED/DISABLED)</a:t>
             </a:r>
             <a:r>
-              <a:rPr b="0" lang="en-US" sz="900" spc="-1" strike="noStrike">
+              <a:rPr lang="en-US" sz="900" b="0" strike="noStrike" spc="-1">
                 <a:latin typeface="Consolas"/>
               </a:rPr>
               <a:t> </a:t>
             </a:r>
             <a:r>
-              <a:rPr b="0" lang="en-US" sz="900" spc="-1" strike="noStrike">
+              <a:rPr lang="en-US" sz="900" b="0" strike="noStrike" spc="-1">
                 <a:latin typeface="Calibri Light"/>
               </a:rPr>
               <a:t>... affects Execution publishing</a:t>
             </a:r>
-            <a:endParaRPr b="0" lang="en-US" sz="900" spc="-1" strike="noStrike">
+            <a:endParaRPr lang="en-US" sz="900" b="0" strike="noStrike" spc="-1">
               <a:latin typeface="Consolas"/>
             </a:endParaRPr>
           </a:p>
           <a:p>
             <a:r>
-              <a:rPr b="0" lang="en-US" sz="900" spc="-1" strike="noStrike" baseline="33000">
+              <a:rPr lang="en-US" sz="900" b="0" strike="noStrike" spc="-1" baseline="33000">
                 <a:latin typeface="Courier New"/>
               </a:rPr>
               <a:t>3</a:t>
             </a:r>
             <a:r>
-              <a:rPr b="0" lang="en-US" sz="900" spc="-1" strike="noStrike">
+              <a:rPr lang="en-US" sz="900" b="0" strike="noStrike" spc="-1">
                 <a:latin typeface="Courier New"/>
               </a:rPr>
               <a:t> @DomainObject(entityChangePublishing=ENABLED/DISABLED)</a:t>
             </a:r>
             <a:r>
-              <a:rPr b="0" lang="en-US" sz="900" spc="-1" strike="noStrike">
+              <a:rPr lang="en-US" sz="900" b="0" strike="noStrike" spc="-1">
                 <a:latin typeface="Consolas"/>
               </a:rPr>
               <a:t> </a:t>
             </a:r>
             <a:r>
-              <a:rPr b="0" lang="en-US" sz="900" spc="-1" strike="noStrike">
+              <a:rPr lang="en-US" sz="900" b="0" strike="noStrike" spc="-1">
                 <a:latin typeface="Calibri Light"/>
               </a:rPr>
               <a:t>... affects publishing of entity changes</a:t>
             </a:r>
-            <a:endParaRPr b="0" lang="en-US" sz="900" spc="-1" strike="noStrike">
+            <a:endParaRPr lang="en-US" sz="900" b="0" strike="noStrike" spc="-1">
               <a:latin typeface="Consolas"/>
             </a:endParaRPr>
           </a:p>
@@ -4938,14 +5411,9 @@
       </p:sp>
     </p:spTree>
   </p:cSld>
-  <mc:AlternateContent>
-    <mc:Choice Requires="p14">
-      <p:transition spd="slow" p14:dur="2000"/>
-    </mc:Choice>
-    <mc:Fallback>
-      <p:transition spd="slow"/>
-    </mc:Fallback>
-  </mc:AlternateContent>
+  <p:clrMapOvr>
+    <a:masterClrMapping/>
+  </p:clrMapOvr>
 </p:sld>
 </file>
 
@@ -4960,31 +5428,31 @@
         <a:sysClr val="window" lastClr="FFFFFF"/>
       </a:lt1>
       <a:dk2>
-        <a:srgbClr val="1f497d"/>
+        <a:srgbClr val="1F497D"/>
       </a:dk2>
       <a:lt2>
-        <a:srgbClr val="eeece1"/>
+        <a:srgbClr val="EEECE1"/>
       </a:lt2>
       <a:accent1>
-        <a:srgbClr val="4f81bd"/>
+        <a:srgbClr val="4F81BD"/>
       </a:accent1>
       <a:accent2>
-        <a:srgbClr val="c0504d"/>
+        <a:srgbClr val="C0504D"/>
       </a:accent2>
       <a:accent3>
-        <a:srgbClr val="9bbb59"/>
+        <a:srgbClr val="9BBB59"/>
       </a:accent3>
       <a:accent4>
-        <a:srgbClr val="8064a2"/>
+        <a:srgbClr val="8064A2"/>
       </a:accent4>
       <a:accent5>
-        <a:srgbClr val="4bacc6"/>
+        <a:srgbClr val="4BACC6"/>
       </a:accent5>
       <a:accent6>
-        <a:srgbClr val="f79646"/>
+        <a:srgbClr val="F79646"/>
       </a:accent6>
       <a:hlink>
-        <a:srgbClr val="0000ff"/>
+        <a:srgbClr val="0000FF"/>
       </a:hlink>
       <a:folHlink>
         <a:srgbClr val="800080"/>
@@ -5172,5 +5640,7 @@
       </a:bgFillStyleLst>
     </a:fmtScheme>
   </a:themeElements>
+  <a:objectDefaults/>
+  <a:extraClrSchemeLst/>
 </a:theme>
 </file>